--- a/screenshot/release_site/App_Description_template_eng_v.1.42.pptx
+++ b/screenshot/release_site/App_Description_template_eng_v.1.42.pptx
@@ -61,7 +61,7 @@
       </p:grpSpPr>
       <p:sp>
         <p:nvSpPr>
-          <p:cNvPr id="30" name="PlaceHolder 1"/>
+          <p:cNvPr id="27" name="PlaceHolder 1"/>
           <p:cNvSpPr>
             <a:spLocks noGrp="1"/>
           </p:cNvSpPr>
@@ -71,28 +71,28 @@
         </p:nvSpPr>
         <p:spPr>
           <a:xfrm>
-            <a:off x="457200" y="704160"/>
-            <a:ext cx="8229240" cy="1142640"/>
-          </a:xfrm>
-          <a:prstGeom prst="rect">
-            <a:avLst/>
-          </a:prstGeom>
-        </p:spPr>
-        <p:txBody>
-          <a:bodyPr lIns="0" rIns="0" tIns="0" bIns="0" anchor="ctr"/>
-          <a:p>
-            <a:endParaRPr b="0" lang="ko-KR" sz="1800" spc="-1" strike="noStrike">
-              <a:solidFill>
-                <a:srgbClr val="000000"/>
-              </a:solidFill>
-              <a:latin typeface="Constantia"/>
-            </a:endParaRPr>
-          </a:p>
-        </p:txBody>
-      </p:sp>
-      <p:sp>
-        <p:nvSpPr>
-          <p:cNvPr id="31" name="PlaceHolder 2"/>
+            <a:off x="457200" y="273600"/>
+            <a:ext cx="8229240" cy="1144800"/>
+          </a:xfrm>
+          <a:prstGeom prst="rect">
+            <a:avLst/>
+          </a:prstGeom>
+        </p:spPr>
+        <p:txBody>
+          <a:bodyPr lIns="0" rIns="0" tIns="0" bIns="0" anchor="ctr">
+            <a:noAutofit/>
+          </a:bodyPr>
+          <a:p>
+            <a:pPr algn="ctr"/>
+            <a:endParaRPr b="0" lang="pt-BR" sz="4400" spc="-1" strike="noStrike">
+              <a:latin typeface="Arial"/>
+            </a:endParaRPr>
+          </a:p>
+        </p:txBody>
+      </p:sp>
+      <p:sp>
+        <p:nvSpPr>
+          <p:cNvPr id="28" name="PlaceHolder 2"/>
           <p:cNvSpPr>
             <a:spLocks noGrp="1"/>
           </p:cNvSpPr>
@@ -102,8 +102,8 @@
         </p:nvSpPr>
         <p:spPr>
           <a:xfrm>
-            <a:off x="457200" y="1935360"/>
-            <a:ext cx="8229240" cy="2093400"/>
+            <a:off x="457200" y="1604520"/>
+            <a:ext cx="8229240" cy="1896840"/>
           </a:xfrm>
           <a:prstGeom prst="rect">
             <a:avLst/>
@@ -114,18 +114,15 @@
             <a:normAutofit/>
           </a:bodyPr>
           <a:p>
-            <a:endParaRPr b="0" lang="ko-KR" sz="2600" spc="-1" strike="noStrike">
-              <a:solidFill>
-                <a:srgbClr val="000000"/>
-              </a:solidFill>
-              <a:latin typeface="Constantia"/>
-            </a:endParaRPr>
-          </a:p>
-        </p:txBody>
-      </p:sp>
-      <p:sp>
-        <p:nvSpPr>
-          <p:cNvPr id="32" name="PlaceHolder 3"/>
+            <a:endParaRPr b="0" lang="pt-BR" sz="3200" spc="-1" strike="noStrike">
+              <a:latin typeface="Arial"/>
+            </a:endParaRPr>
+          </a:p>
+        </p:txBody>
+      </p:sp>
+      <p:sp>
+        <p:nvSpPr>
+          <p:cNvPr id="29" name="PlaceHolder 3"/>
           <p:cNvSpPr>
             <a:spLocks noGrp="1"/>
           </p:cNvSpPr>
@@ -135,8 +132,8 @@
         </p:nvSpPr>
         <p:spPr>
           <a:xfrm>
-            <a:off x="457200" y="4228200"/>
-            <a:ext cx="8229240" cy="2093400"/>
+            <a:off x="457200" y="3682080"/>
+            <a:ext cx="8229240" cy="1896840"/>
           </a:xfrm>
           <a:prstGeom prst="rect">
             <a:avLst/>
@@ -147,11 +144,8 @@
             <a:normAutofit/>
           </a:bodyPr>
           <a:p>
-            <a:endParaRPr b="0" lang="ko-KR" sz="2600" spc="-1" strike="noStrike">
-              <a:solidFill>
-                <a:srgbClr val="000000"/>
-              </a:solidFill>
-              <a:latin typeface="Constantia"/>
+            <a:endParaRPr b="0" lang="pt-BR" sz="3200" spc="-1" strike="noStrike">
+              <a:latin typeface="Arial"/>
             </a:endParaRPr>
           </a:p>
         </p:txBody>
@@ -180,7 +174,7 @@
       </p:grpSpPr>
       <p:sp>
         <p:nvSpPr>
-          <p:cNvPr id="33" name="PlaceHolder 1"/>
+          <p:cNvPr id="30" name="PlaceHolder 1"/>
           <p:cNvSpPr>
             <a:spLocks noGrp="1"/>
           </p:cNvSpPr>
@@ -190,28 +184,28 @@
         </p:nvSpPr>
         <p:spPr>
           <a:xfrm>
-            <a:off x="457200" y="704160"/>
-            <a:ext cx="8229240" cy="1142640"/>
-          </a:xfrm>
-          <a:prstGeom prst="rect">
-            <a:avLst/>
-          </a:prstGeom>
-        </p:spPr>
-        <p:txBody>
-          <a:bodyPr lIns="0" rIns="0" tIns="0" bIns="0" anchor="ctr"/>
-          <a:p>
-            <a:endParaRPr b="0" lang="ko-KR" sz="1800" spc="-1" strike="noStrike">
-              <a:solidFill>
-                <a:srgbClr val="000000"/>
-              </a:solidFill>
-              <a:latin typeface="Constantia"/>
-            </a:endParaRPr>
-          </a:p>
-        </p:txBody>
-      </p:sp>
-      <p:sp>
-        <p:nvSpPr>
-          <p:cNvPr id="34" name="PlaceHolder 2"/>
+            <a:off x="457200" y="273600"/>
+            <a:ext cx="8229240" cy="1144800"/>
+          </a:xfrm>
+          <a:prstGeom prst="rect">
+            <a:avLst/>
+          </a:prstGeom>
+        </p:spPr>
+        <p:txBody>
+          <a:bodyPr lIns="0" rIns="0" tIns="0" bIns="0" anchor="ctr">
+            <a:noAutofit/>
+          </a:bodyPr>
+          <a:p>
+            <a:pPr algn="ctr"/>
+            <a:endParaRPr b="0" lang="pt-BR" sz="4400" spc="-1" strike="noStrike">
+              <a:latin typeface="Arial"/>
+            </a:endParaRPr>
+          </a:p>
+        </p:txBody>
+      </p:sp>
+      <p:sp>
+        <p:nvSpPr>
+          <p:cNvPr id="31" name="PlaceHolder 2"/>
           <p:cNvSpPr>
             <a:spLocks noGrp="1"/>
           </p:cNvSpPr>
@@ -221,8 +215,8 @@
         </p:nvSpPr>
         <p:spPr>
           <a:xfrm>
-            <a:off x="457200" y="1935360"/>
-            <a:ext cx="4015800" cy="2093400"/>
+            <a:off x="457200" y="1604520"/>
+            <a:ext cx="4015800" cy="1896840"/>
           </a:xfrm>
           <a:prstGeom prst="rect">
             <a:avLst/>
@@ -233,18 +227,15 @@
             <a:normAutofit/>
           </a:bodyPr>
           <a:p>
-            <a:endParaRPr b="0" lang="ko-KR" sz="2600" spc="-1" strike="noStrike">
-              <a:solidFill>
-                <a:srgbClr val="000000"/>
-              </a:solidFill>
-              <a:latin typeface="Constantia"/>
-            </a:endParaRPr>
-          </a:p>
-        </p:txBody>
-      </p:sp>
-      <p:sp>
-        <p:nvSpPr>
-          <p:cNvPr id="35" name="PlaceHolder 3"/>
+            <a:endParaRPr b="0" lang="pt-BR" sz="3200" spc="-1" strike="noStrike">
+              <a:latin typeface="Arial"/>
+            </a:endParaRPr>
+          </a:p>
+        </p:txBody>
+      </p:sp>
+      <p:sp>
+        <p:nvSpPr>
+          <p:cNvPr id="32" name="PlaceHolder 3"/>
           <p:cNvSpPr>
             <a:spLocks noGrp="1"/>
           </p:cNvSpPr>
@@ -254,8 +245,8 @@
         </p:nvSpPr>
         <p:spPr>
           <a:xfrm>
-            <a:off x="4674240" y="1935360"/>
-            <a:ext cx="4015800" cy="2093400"/>
+            <a:off x="4674240" y="1604520"/>
+            <a:ext cx="4015800" cy="1896840"/>
           </a:xfrm>
           <a:prstGeom prst="rect">
             <a:avLst/>
@@ -266,18 +257,15 @@
             <a:normAutofit/>
           </a:bodyPr>
           <a:p>
-            <a:endParaRPr b="0" lang="ko-KR" sz="2600" spc="-1" strike="noStrike">
-              <a:solidFill>
-                <a:srgbClr val="000000"/>
-              </a:solidFill>
-              <a:latin typeface="Constantia"/>
-            </a:endParaRPr>
-          </a:p>
-        </p:txBody>
-      </p:sp>
-      <p:sp>
-        <p:nvSpPr>
-          <p:cNvPr id="36" name="PlaceHolder 4"/>
+            <a:endParaRPr b="0" lang="pt-BR" sz="3200" spc="-1" strike="noStrike">
+              <a:latin typeface="Arial"/>
+            </a:endParaRPr>
+          </a:p>
+        </p:txBody>
+      </p:sp>
+      <p:sp>
+        <p:nvSpPr>
+          <p:cNvPr id="33" name="PlaceHolder 4"/>
           <p:cNvSpPr>
             <a:spLocks noGrp="1"/>
           </p:cNvSpPr>
@@ -287,8 +275,8 @@
         </p:nvSpPr>
         <p:spPr>
           <a:xfrm>
-            <a:off x="4674240" y="4228200"/>
-            <a:ext cx="4015800" cy="2093400"/>
+            <a:off x="457200" y="3682080"/>
+            <a:ext cx="4015800" cy="1896840"/>
           </a:xfrm>
           <a:prstGeom prst="rect">
             <a:avLst/>
@@ -299,18 +287,15 @@
             <a:normAutofit/>
           </a:bodyPr>
           <a:p>
-            <a:endParaRPr b="0" lang="ko-KR" sz="2600" spc="-1" strike="noStrike">
-              <a:solidFill>
-                <a:srgbClr val="000000"/>
-              </a:solidFill>
-              <a:latin typeface="Constantia"/>
-            </a:endParaRPr>
-          </a:p>
-        </p:txBody>
-      </p:sp>
-      <p:sp>
-        <p:nvSpPr>
-          <p:cNvPr id="37" name="PlaceHolder 5"/>
+            <a:endParaRPr b="0" lang="pt-BR" sz="3200" spc="-1" strike="noStrike">
+              <a:latin typeface="Arial"/>
+            </a:endParaRPr>
+          </a:p>
+        </p:txBody>
+      </p:sp>
+      <p:sp>
+        <p:nvSpPr>
+          <p:cNvPr id="34" name="PlaceHolder 5"/>
           <p:cNvSpPr>
             <a:spLocks noGrp="1"/>
           </p:cNvSpPr>
@@ -320,8 +305,8 @@
         </p:nvSpPr>
         <p:spPr>
           <a:xfrm>
-            <a:off x="457200" y="4228200"/>
-            <a:ext cx="4015800" cy="2093400"/>
+            <a:off x="4674240" y="3682080"/>
+            <a:ext cx="4015800" cy="1896840"/>
           </a:xfrm>
           <a:prstGeom prst="rect">
             <a:avLst/>
@@ -332,11 +317,8 @@
             <a:normAutofit/>
           </a:bodyPr>
           <a:p>
-            <a:endParaRPr b="0" lang="ko-KR" sz="2600" spc="-1" strike="noStrike">
-              <a:solidFill>
-                <a:srgbClr val="000000"/>
-              </a:solidFill>
-              <a:latin typeface="Constantia"/>
+            <a:endParaRPr b="0" lang="pt-BR" sz="3200" spc="-1" strike="noStrike">
+              <a:latin typeface="Arial"/>
             </a:endParaRPr>
           </a:p>
         </p:txBody>
@@ -365,7 +347,7 @@
       </p:grpSpPr>
       <p:sp>
         <p:nvSpPr>
-          <p:cNvPr id="38" name="PlaceHolder 1"/>
+          <p:cNvPr id="35" name="PlaceHolder 1"/>
           <p:cNvSpPr>
             <a:spLocks noGrp="1"/>
           </p:cNvSpPr>
@@ -375,28 +357,28 @@
         </p:nvSpPr>
         <p:spPr>
           <a:xfrm>
-            <a:off x="457200" y="704160"/>
-            <a:ext cx="8229240" cy="1142640"/>
-          </a:xfrm>
-          <a:prstGeom prst="rect">
-            <a:avLst/>
-          </a:prstGeom>
-        </p:spPr>
-        <p:txBody>
-          <a:bodyPr lIns="0" rIns="0" tIns="0" bIns="0" anchor="ctr"/>
-          <a:p>
-            <a:endParaRPr b="0" lang="ko-KR" sz="1800" spc="-1" strike="noStrike">
-              <a:solidFill>
-                <a:srgbClr val="000000"/>
-              </a:solidFill>
-              <a:latin typeface="Constantia"/>
-            </a:endParaRPr>
-          </a:p>
-        </p:txBody>
-      </p:sp>
-      <p:sp>
-        <p:nvSpPr>
-          <p:cNvPr id="39" name="PlaceHolder 2"/>
+            <a:off x="457200" y="273600"/>
+            <a:ext cx="8229240" cy="1144800"/>
+          </a:xfrm>
+          <a:prstGeom prst="rect">
+            <a:avLst/>
+          </a:prstGeom>
+        </p:spPr>
+        <p:txBody>
+          <a:bodyPr lIns="0" rIns="0" tIns="0" bIns="0" anchor="ctr">
+            <a:noAutofit/>
+          </a:bodyPr>
+          <a:p>
+            <a:pPr algn="ctr"/>
+            <a:endParaRPr b="0" lang="pt-BR" sz="4400" spc="-1" strike="noStrike">
+              <a:latin typeface="Arial"/>
+            </a:endParaRPr>
+          </a:p>
+        </p:txBody>
+      </p:sp>
+      <p:sp>
+        <p:nvSpPr>
+          <p:cNvPr id="36" name="PlaceHolder 2"/>
           <p:cNvSpPr>
             <a:spLocks noGrp="1"/>
           </p:cNvSpPr>
@@ -406,8 +388,8 @@
         </p:nvSpPr>
         <p:spPr>
           <a:xfrm>
-            <a:off x="457200" y="1935360"/>
-            <a:ext cx="2649600" cy="2093400"/>
+            <a:off x="457200" y="1604520"/>
+            <a:ext cx="2649600" cy="1896840"/>
           </a:xfrm>
           <a:prstGeom prst="rect">
             <a:avLst/>
@@ -418,18 +400,15 @@
             <a:normAutofit/>
           </a:bodyPr>
           <a:p>
-            <a:endParaRPr b="0" lang="ko-KR" sz="2600" spc="-1" strike="noStrike">
-              <a:solidFill>
-                <a:srgbClr val="000000"/>
-              </a:solidFill>
-              <a:latin typeface="Constantia"/>
-            </a:endParaRPr>
-          </a:p>
-        </p:txBody>
-      </p:sp>
-      <p:sp>
-        <p:nvSpPr>
-          <p:cNvPr id="40" name="PlaceHolder 3"/>
+            <a:endParaRPr b="0" lang="pt-BR" sz="3200" spc="-1" strike="noStrike">
+              <a:latin typeface="Arial"/>
+            </a:endParaRPr>
+          </a:p>
+        </p:txBody>
+      </p:sp>
+      <p:sp>
+        <p:nvSpPr>
+          <p:cNvPr id="37" name="PlaceHolder 3"/>
           <p:cNvSpPr>
             <a:spLocks noGrp="1"/>
           </p:cNvSpPr>
@@ -439,8 +418,8 @@
         </p:nvSpPr>
         <p:spPr>
           <a:xfrm>
-            <a:off x="3239640" y="1935360"/>
-            <a:ext cx="2649600" cy="2093400"/>
+            <a:off x="3239640" y="1604520"/>
+            <a:ext cx="2649600" cy="1896840"/>
           </a:xfrm>
           <a:prstGeom prst="rect">
             <a:avLst/>
@@ -451,18 +430,15 @@
             <a:normAutofit/>
           </a:bodyPr>
           <a:p>
-            <a:endParaRPr b="0" lang="ko-KR" sz="2600" spc="-1" strike="noStrike">
-              <a:solidFill>
-                <a:srgbClr val="000000"/>
-              </a:solidFill>
-              <a:latin typeface="Constantia"/>
-            </a:endParaRPr>
-          </a:p>
-        </p:txBody>
-      </p:sp>
-      <p:sp>
-        <p:nvSpPr>
-          <p:cNvPr id="41" name="PlaceHolder 4"/>
+            <a:endParaRPr b="0" lang="pt-BR" sz="3200" spc="-1" strike="noStrike">
+              <a:latin typeface="Arial"/>
+            </a:endParaRPr>
+          </a:p>
+        </p:txBody>
+      </p:sp>
+      <p:sp>
+        <p:nvSpPr>
+          <p:cNvPr id="38" name="PlaceHolder 4"/>
           <p:cNvSpPr>
             <a:spLocks noGrp="1"/>
           </p:cNvSpPr>
@@ -472,8 +448,8 @@
         </p:nvSpPr>
         <p:spPr>
           <a:xfrm>
-            <a:off x="6022080" y="1935360"/>
-            <a:ext cx="2649600" cy="2093400"/>
+            <a:off x="6022080" y="1604520"/>
+            <a:ext cx="2649600" cy="1896840"/>
           </a:xfrm>
           <a:prstGeom prst="rect">
             <a:avLst/>
@@ -484,18 +460,15 @@
             <a:normAutofit/>
           </a:bodyPr>
           <a:p>
-            <a:endParaRPr b="0" lang="ko-KR" sz="2600" spc="-1" strike="noStrike">
-              <a:solidFill>
-                <a:srgbClr val="000000"/>
-              </a:solidFill>
-              <a:latin typeface="Constantia"/>
-            </a:endParaRPr>
-          </a:p>
-        </p:txBody>
-      </p:sp>
-      <p:sp>
-        <p:nvSpPr>
-          <p:cNvPr id="42" name="PlaceHolder 5"/>
+            <a:endParaRPr b="0" lang="pt-BR" sz="3200" spc="-1" strike="noStrike">
+              <a:latin typeface="Arial"/>
+            </a:endParaRPr>
+          </a:p>
+        </p:txBody>
+      </p:sp>
+      <p:sp>
+        <p:nvSpPr>
+          <p:cNvPr id="39" name="PlaceHolder 5"/>
           <p:cNvSpPr>
             <a:spLocks noGrp="1"/>
           </p:cNvSpPr>
@@ -505,8 +478,8 @@
         </p:nvSpPr>
         <p:spPr>
           <a:xfrm>
-            <a:off x="6022080" y="4228200"/>
-            <a:ext cx="2649600" cy="2093400"/>
+            <a:off x="457200" y="3682080"/>
+            <a:ext cx="2649600" cy="1896840"/>
           </a:xfrm>
           <a:prstGeom prst="rect">
             <a:avLst/>
@@ -517,18 +490,15 @@
             <a:normAutofit/>
           </a:bodyPr>
           <a:p>
-            <a:endParaRPr b="0" lang="ko-KR" sz="2600" spc="-1" strike="noStrike">
-              <a:solidFill>
-                <a:srgbClr val="000000"/>
-              </a:solidFill>
-              <a:latin typeface="Constantia"/>
-            </a:endParaRPr>
-          </a:p>
-        </p:txBody>
-      </p:sp>
-      <p:sp>
-        <p:nvSpPr>
-          <p:cNvPr id="43" name="PlaceHolder 6"/>
+            <a:endParaRPr b="0" lang="pt-BR" sz="3200" spc="-1" strike="noStrike">
+              <a:latin typeface="Arial"/>
+            </a:endParaRPr>
+          </a:p>
+        </p:txBody>
+      </p:sp>
+      <p:sp>
+        <p:nvSpPr>
+          <p:cNvPr id="40" name="PlaceHolder 6"/>
           <p:cNvSpPr>
             <a:spLocks noGrp="1"/>
           </p:cNvSpPr>
@@ -538,8 +508,8 @@
         </p:nvSpPr>
         <p:spPr>
           <a:xfrm>
-            <a:off x="3239640" y="4228200"/>
-            <a:ext cx="2649600" cy="2093400"/>
+            <a:off x="3239640" y="3682080"/>
+            <a:ext cx="2649600" cy="1896840"/>
           </a:xfrm>
           <a:prstGeom prst="rect">
             <a:avLst/>
@@ -550,18 +520,15 @@
             <a:normAutofit/>
           </a:bodyPr>
           <a:p>
-            <a:endParaRPr b="0" lang="ko-KR" sz="2600" spc="-1" strike="noStrike">
-              <a:solidFill>
-                <a:srgbClr val="000000"/>
-              </a:solidFill>
-              <a:latin typeface="Constantia"/>
-            </a:endParaRPr>
-          </a:p>
-        </p:txBody>
-      </p:sp>
-      <p:sp>
-        <p:nvSpPr>
-          <p:cNvPr id="44" name="PlaceHolder 7"/>
+            <a:endParaRPr b="0" lang="pt-BR" sz="3200" spc="-1" strike="noStrike">
+              <a:latin typeface="Arial"/>
+            </a:endParaRPr>
+          </a:p>
+        </p:txBody>
+      </p:sp>
+      <p:sp>
+        <p:nvSpPr>
+          <p:cNvPr id="41" name="PlaceHolder 7"/>
           <p:cNvSpPr>
             <a:spLocks noGrp="1"/>
           </p:cNvSpPr>
@@ -571,8 +538,8 @@
         </p:nvSpPr>
         <p:spPr>
           <a:xfrm>
-            <a:off x="457200" y="4228200"/>
-            <a:ext cx="2649600" cy="2093400"/>
+            <a:off x="6022080" y="3682080"/>
+            <a:ext cx="2649600" cy="1896840"/>
           </a:xfrm>
           <a:prstGeom prst="rect">
             <a:avLst/>
@@ -583,11 +550,8 @@
             <a:normAutofit/>
           </a:bodyPr>
           <a:p>
-            <a:endParaRPr b="0" lang="ko-KR" sz="2600" spc="-1" strike="noStrike">
-              <a:solidFill>
-                <a:srgbClr val="000000"/>
-              </a:solidFill>
-              <a:latin typeface="Constantia"/>
+            <a:endParaRPr b="0" lang="pt-BR" sz="3200" spc="-1" strike="noStrike">
+              <a:latin typeface="Arial"/>
             </a:endParaRPr>
           </a:p>
         </p:txBody>
@@ -638,7 +602,7 @@
       </p:grpSpPr>
       <p:sp>
         <p:nvSpPr>
-          <p:cNvPr id="54" name="PlaceHolder 1"/>
+          <p:cNvPr id="48" name="PlaceHolder 1"/>
           <p:cNvSpPr>
             <a:spLocks noGrp="1"/>
           </p:cNvSpPr>
@@ -648,28 +612,28 @@
         </p:nvSpPr>
         <p:spPr>
           <a:xfrm>
-            <a:off x="457200" y="704160"/>
-            <a:ext cx="8229240" cy="1142640"/>
-          </a:xfrm>
-          <a:prstGeom prst="rect">
-            <a:avLst/>
-          </a:prstGeom>
-        </p:spPr>
-        <p:txBody>
-          <a:bodyPr lIns="0" rIns="0" tIns="0" bIns="0" anchor="ctr"/>
-          <a:p>
-            <a:endParaRPr b="0" lang="ko-KR" sz="1800" spc="-1" strike="noStrike">
-              <a:solidFill>
-                <a:srgbClr val="000000"/>
-              </a:solidFill>
-              <a:latin typeface="Constantia"/>
-            </a:endParaRPr>
-          </a:p>
-        </p:txBody>
-      </p:sp>
-      <p:sp>
-        <p:nvSpPr>
-          <p:cNvPr id="55" name="PlaceHolder 2"/>
+            <a:off x="457200" y="273600"/>
+            <a:ext cx="8229240" cy="1144800"/>
+          </a:xfrm>
+          <a:prstGeom prst="rect">
+            <a:avLst/>
+          </a:prstGeom>
+        </p:spPr>
+        <p:txBody>
+          <a:bodyPr lIns="0" rIns="0" tIns="0" bIns="0" anchor="ctr">
+            <a:noAutofit/>
+          </a:bodyPr>
+          <a:p>
+            <a:pPr algn="ctr"/>
+            <a:endParaRPr b="0" lang="pt-BR" sz="4400" spc="-1" strike="noStrike">
+              <a:latin typeface="Arial"/>
+            </a:endParaRPr>
+          </a:p>
+        </p:txBody>
+      </p:sp>
+      <p:sp>
+        <p:nvSpPr>
+          <p:cNvPr id="49" name="PlaceHolder 2"/>
           <p:cNvSpPr>
             <a:spLocks noGrp="1"/>
           </p:cNvSpPr>
@@ -679,15 +643,17 @@
         </p:nvSpPr>
         <p:spPr>
           <a:xfrm>
-            <a:off x="457200" y="1935360"/>
-            <a:ext cx="8229240" cy="4388760"/>
-          </a:xfrm>
-          <a:prstGeom prst="rect">
-            <a:avLst/>
-          </a:prstGeom>
-        </p:spPr>
-        <p:txBody>
-          <a:bodyPr lIns="0" rIns="0" tIns="0" bIns="0" anchor="ctr"/>
+            <a:off x="457200" y="1604520"/>
+            <a:ext cx="8229240" cy="3977280"/>
+          </a:xfrm>
+          <a:prstGeom prst="rect">
+            <a:avLst/>
+          </a:prstGeom>
+        </p:spPr>
+        <p:txBody>
+          <a:bodyPr lIns="0" rIns="0" tIns="0" bIns="0" anchor="ctr">
+            <a:noAutofit/>
+          </a:bodyPr>
           <a:p>
             <a:pPr algn="ctr"/>
             <a:endParaRPr b="0" lang="pt-BR" sz="3200" spc="-1" strike="noStrike">
@@ -720,7 +686,7 @@
       </p:grpSpPr>
       <p:sp>
         <p:nvSpPr>
-          <p:cNvPr id="56" name="PlaceHolder 1"/>
+          <p:cNvPr id="50" name="PlaceHolder 1"/>
           <p:cNvSpPr>
             <a:spLocks noGrp="1"/>
           </p:cNvSpPr>
@@ -730,28 +696,28 @@
         </p:nvSpPr>
         <p:spPr>
           <a:xfrm>
-            <a:off x="457200" y="704160"/>
-            <a:ext cx="8229240" cy="1142640"/>
-          </a:xfrm>
-          <a:prstGeom prst="rect">
-            <a:avLst/>
-          </a:prstGeom>
-        </p:spPr>
-        <p:txBody>
-          <a:bodyPr lIns="0" rIns="0" tIns="0" bIns="0" anchor="ctr"/>
-          <a:p>
-            <a:endParaRPr b="0" lang="ko-KR" sz="1800" spc="-1" strike="noStrike">
-              <a:solidFill>
-                <a:srgbClr val="000000"/>
-              </a:solidFill>
-              <a:latin typeface="Constantia"/>
-            </a:endParaRPr>
-          </a:p>
-        </p:txBody>
-      </p:sp>
-      <p:sp>
-        <p:nvSpPr>
-          <p:cNvPr id="57" name="PlaceHolder 2"/>
+            <a:off x="457200" y="273600"/>
+            <a:ext cx="8229240" cy="1144800"/>
+          </a:xfrm>
+          <a:prstGeom prst="rect">
+            <a:avLst/>
+          </a:prstGeom>
+        </p:spPr>
+        <p:txBody>
+          <a:bodyPr lIns="0" rIns="0" tIns="0" bIns="0" anchor="ctr">
+            <a:noAutofit/>
+          </a:bodyPr>
+          <a:p>
+            <a:pPr algn="ctr"/>
+            <a:endParaRPr b="0" lang="pt-BR" sz="4400" spc="-1" strike="noStrike">
+              <a:latin typeface="Arial"/>
+            </a:endParaRPr>
+          </a:p>
+        </p:txBody>
+      </p:sp>
+      <p:sp>
+        <p:nvSpPr>
+          <p:cNvPr id="51" name="PlaceHolder 2"/>
           <p:cNvSpPr>
             <a:spLocks noGrp="1"/>
           </p:cNvSpPr>
@@ -761,8 +727,8 @@
         </p:nvSpPr>
         <p:spPr>
           <a:xfrm>
-            <a:off x="457200" y="1935360"/>
-            <a:ext cx="8229240" cy="4388760"/>
+            <a:off x="457200" y="1604520"/>
+            <a:ext cx="8229240" cy="3977280"/>
           </a:xfrm>
           <a:prstGeom prst="rect">
             <a:avLst/>
@@ -773,11 +739,8 @@
             <a:normAutofit/>
           </a:bodyPr>
           <a:p>
-            <a:endParaRPr b="0" lang="ko-KR" sz="2600" spc="-1" strike="noStrike">
-              <a:solidFill>
-                <a:srgbClr val="000000"/>
-              </a:solidFill>
-              <a:latin typeface="Constantia"/>
+            <a:endParaRPr b="0" lang="pt-BR" sz="3200" spc="-1" strike="noStrike">
+              <a:latin typeface="Arial"/>
             </a:endParaRPr>
           </a:p>
         </p:txBody>
@@ -806,7 +769,7 @@
       </p:grpSpPr>
       <p:sp>
         <p:nvSpPr>
-          <p:cNvPr id="58" name="PlaceHolder 1"/>
+          <p:cNvPr id="52" name="PlaceHolder 1"/>
           <p:cNvSpPr>
             <a:spLocks noGrp="1"/>
           </p:cNvSpPr>
@@ -816,28 +779,28 @@
         </p:nvSpPr>
         <p:spPr>
           <a:xfrm>
-            <a:off x="457200" y="704160"/>
-            <a:ext cx="8229240" cy="1142640"/>
-          </a:xfrm>
-          <a:prstGeom prst="rect">
-            <a:avLst/>
-          </a:prstGeom>
-        </p:spPr>
-        <p:txBody>
-          <a:bodyPr lIns="0" rIns="0" tIns="0" bIns="0" anchor="ctr"/>
-          <a:p>
-            <a:endParaRPr b="0" lang="ko-KR" sz="1800" spc="-1" strike="noStrike">
-              <a:solidFill>
-                <a:srgbClr val="000000"/>
-              </a:solidFill>
-              <a:latin typeface="Constantia"/>
-            </a:endParaRPr>
-          </a:p>
-        </p:txBody>
-      </p:sp>
-      <p:sp>
-        <p:nvSpPr>
-          <p:cNvPr id="59" name="PlaceHolder 2"/>
+            <a:off x="457200" y="273600"/>
+            <a:ext cx="8229240" cy="1144800"/>
+          </a:xfrm>
+          <a:prstGeom prst="rect">
+            <a:avLst/>
+          </a:prstGeom>
+        </p:spPr>
+        <p:txBody>
+          <a:bodyPr lIns="0" rIns="0" tIns="0" bIns="0" anchor="ctr">
+            <a:noAutofit/>
+          </a:bodyPr>
+          <a:p>
+            <a:pPr algn="ctr"/>
+            <a:endParaRPr b="0" lang="pt-BR" sz="4400" spc="-1" strike="noStrike">
+              <a:latin typeface="Arial"/>
+            </a:endParaRPr>
+          </a:p>
+        </p:txBody>
+      </p:sp>
+      <p:sp>
+        <p:nvSpPr>
+          <p:cNvPr id="53" name="PlaceHolder 2"/>
           <p:cNvSpPr>
             <a:spLocks noGrp="1"/>
           </p:cNvSpPr>
@@ -847,8 +810,8 @@
         </p:nvSpPr>
         <p:spPr>
           <a:xfrm>
-            <a:off x="457200" y="1935360"/>
-            <a:ext cx="4015800" cy="4388760"/>
+            <a:off x="457200" y="1604520"/>
+            <a:ext cx="4015800" cy="3977280"/>
           </a:xfrm>
           <a:prstGeom prst="rect">
             <a:avLst/>
@@ -859,18 +822,15 @@
             <a:normAutofit/>
           </a:bodyPr>
           <a:p>
-            <a:endParaRPr b="0" lang="ko-KR" sz="2600" spc="-1" strike="noStrike">
-              <a:solidFill>
-                <a:srgbClr val="000000"/>
-              </a:solidFill>
-              <a:latin typeface="Constantia"/>
-            </a:endParaRPr>
-          </a:p>
-        </p:txBody>
-      </p:sp>
-      <p:sp>
-        <p:nvSpPr>
-          <p:cNvPr id="60" name="PlaceHolder 3"/>
+            <a:endParaRPr b="0" lang="pt-BR" sz="3200" spc="-1" strike="noStrike">
+              <a:latin typeface="Arial"/>
+            </a:endParaRPr>
+          </a:p>
+        </p:txBody>
+      </p:sp>
+      <p:sp>
+        <p:nvSpPr>
+          <p:cNvPr id="54" name="PlaceHolder 3"/>
           <p:cNvSpPr>
             <a:spLocks noGrp="1"/>
           </p:cNvSpPr>
@@ -880,8 +840,8 @@
         </p:nvSpPr>
         <p:spPr>
           <a:xfrm>
-            <a:off x="4674240" y="1935360"/>
-            <a:ext cx="4015800" cy="4388760"/>
+            <a:off x="4674240" y="1604520"/>
+            <a:ext cx="4015800" cy="3977280"/>
           </a:xfrm>
           <a:prstGeom prst="rect">
             <a:avLst/>
@@ -892,11 +852,8 @@
             <a:normAutofit/>
           </a:bodyPr>
           <a:p>
-            <a:endParaRPr b="0" lang="ko-KR" sz="2600" spc="-1" strike="noStrike">
-              <a:solidFill>
-                <a:srgbClr val="000000"/>
-              </a:solidFill>
-              <a:latin typeface="Constantia"/>
+            <a:endParaRPr b="0" lang="pt-BR" sz="3200" spc="-1" strike="noStrike">
+              <a:latin typeface="Arial"/>
             </a:endParaRPr>
           </a:p>
         </p:txBody>
@@ -925,7 +882,7 @@
       </p:grpSpPr>
       <p:sp>
         <p:nvSpPr>
-          <p:cNvPr id="61" name="PlaceHolder 1"/>
+          <p:cNvPr id="55" name="PlaceHolder 1"/>
           <p:cNvSpPr>
             <a:spLocks noGrp="1"/>
           </p:cNvSpPr>
@@ -935,21 +892,21 @@
         </p:nvSpPr>
         <p:spPr>
           <a:xfrm>
-            <a:off x="457200" y="704160"/>
-            <a:ext cx="8229240" cy="1142640"/>
-          </a:xfrm>
-          <a:prstGeom prst="rect">
-            <a:avLst/>
-          </a:prstGeom>
-        </p:spPr>
-        <p:txBody>
-          <a:bodyPr lIns="0" rIns="0" tIns="0" bIns="0" anchor="ctr"/>
-          <a:p>
-            <a:endParaRPr b="0" lang="ko-KR" sz="1800" spc="-1" strike="noStrike">
-              <a:solidFill>
-                <a:srgbClr val="000000"/>
-              </a:solidFill>
-              <a:latin typeface="Constantia"/>
+            <a:off x="457200" y="273600"/>
+            <a:ext cx="8229240" cy="1144800"/>
+          </a:xfrm>
+          <a:prstGeom prst="rect">
+            <a:avLst/>
+          </a:prstGeom>
+        </p:spPr>
+        <p:txBody>
+          <a:bodyPr lIns="0" rIns="0" tIns="0" bIns="0" anchor="ctr">
+            <a:noAutofit/>
+          </a:bodyPr>
+          <a:p>
+            <a:pPr algn="ctr"/>
+            <a:endParaRPr b="0" lang="pt-BR" sz="4400" spc="-1" strike="noStrike">
+              <a:latin typeface="Arial"/>
             </a:endParaRPr>
           </a:p>
         </p:txBody>
@@ -978,7 +935,7 @@
       </p:grpSpPr>
       <p:sp>
         <p:nvSpPr>
-          <p:cNvPr id="62" name="PlaceHolder 1"/>
+          <p:cNvPr id="56" name="PlaceHolder 1"/>
           <p:cNvSpPr>
             <a:spLocks noGrp="1"/>
           </p:cNvSpPr>
@@ -988,15 +945,17 @@
         </p:nvSpPr>
         <p:spPr>
           <a:xfrm>
-            <a:off x="457200" y="704160"/>
-            <a:ext cx="8229240" cy="5297760"/>
-          </a:xfrm>
-          <a:prstGeom prst="rect">
-            <a:avLst/>
-          </a:prstGeom>
-        </p:spPr>
-        <p:txBody>
-          <a:bodyPr lIns="0" rIns="0" tIns="0" bIns="0" anchor="ctr"/>
+            <a:off x="457200" y="273600"/>
+            <a:ext cx="8229240" cy="5307840"/>
+          </a:xfrm>
+          <a:prstGeom prst="rect">
+            <a:avLst/>
+          </a:prstGeom>
+        </p:spPr>
+        <p:txBody>
+          <a:bodyPr lIns="0" rIns="0" tIns="0" bIns="0" anchor="ctr">
+            <a:noAutofit/>
+          </a:bodyPr>
           <a:p>
             <a:pPr algn="ctr"/>
             <a:endParaRPr b="0" lang="pt-BR" sz="3200" spc="-1" strike="noStrike">
@@ -1029,7 +988,7 @@
       </p:grpSpPr>
       <p:sp>
         <p:nvSpPr>
-          <p:cNvPr id="63" name="PlaceHolder 1"/>
+          <p:cNvPr id="57" name="PlaceHolder 1"/>
           <p:cNvSpPr>
             <a:spLocks noGrp="1"/>
           </p:cNvSpPr>
@@ -1039,28 +998,28 @@
         </p:nvSpPr>
         <p:spPr>
           <a:xfrm>
-            <a:off x="457200" y="704160"/>
-            <a:ext cx="8229240" cy="1142640"/>
-          </a:xfrm>
-          <a:prstGeom prst="rect">
-            <a:avLst/>
-          </a:prstGeom>
-        </p:spPr>
-        <p:txBody>
-          <a:bodyPr lIns="0" rIns="0" tIns="0" bIns="0" anchor="ctr"/>
-          <a:p>
-            <a:endParaRPr b="0" lang="ko-KR" sz="1800" spc="-1" strike="noStrike">
-              <a:solidFill>
-                <a:srgbClr val="000000"/>
-              </a:solidFill>
-              <a:latin typeface="Constantia"/>
-            </a:endParaRPr>
-          </a:p>
-        </p:txBody>
-      </p:sp>
-      <p:sp>
-        <p:nvSpPr>
-          <p:cNvPr id="64" name="PlaceHolder 2"/>
+            <a:off x="457200" y="273600"/>
+            <a:ext cx="8229240" cy="1144800"/>
+          </a:xfrm>
+          <a:prstGeom prst="rect">
+            <a:avLst/>
+          </a:prstGeom>
+        </p:spPr>
+        <p:txBody>
+          <a:bodyPr lIns="0" rIns="0" tIns="0" bIns="0" anchor="ctr">
+            <a:noAutofit/>
+          </a:bodyPr>
+          <a:p>
+            <a:pPr algn="ctr"/>
+            <a:endParaRPr b="0" lang="pt-BR" sz="4400" spc="-1" strike="noStrike">
+              <a:latin typeface="Arial"/>
+            </a:endParaRPr>
+          </a:p>
+        </p:txBody>
+      </p:sp>
+      <p:sp>
+        <p:nvSpPr>
+          <p:cNvPr id="58" name="PlaceHolder 2"/>
           <p:cNvSpPr>
             <a:spLocks noGrp="1"/>
           </p:cNvSpPr>
@@ -1070,8 +1029,8 @@
         </p:nvSpPr>
         <p:spPr>
           <a:xfrm>
-            <a:off x="457200" y="1935360"/>
-            <a:ext cx="4015800" cy="2093400"/>
+            <a:off x="457200" y="1604520"/>
+            <a:ext cx="4015800" cy="1896840"/>
           </a:xfrm>
           <a:prstGeom prst="rect">
             <a:avLst/>
@@ -1082,18 +1041,15 @@
             <a:normAutofit/>
           </a:bodyPr>
           <a:p>
-            <a:endParaRPr b="0" lang="ko-KR" sz="2600" spc="-1" strike="noStrike">
-              <a:solidFill>
-                <a:srgbClr val="000000"/>
-              </a:solidFill>
-              <a:latin typeface="Constantia"/>
-            </a:endParaRPr>
-          </a:p>
-        </p:txBody>
-      </p:sp>
-      <p:sp>
-        <p:nvSpPr>
-          <p:cNvPr id="65" name="PlaceHolder 3"/>
+            <a:endParaRPr b="0" lang="pt-BR" sz="3200" spc="-1" strike="noStrike">
+              <a:latin typeface="Arial"/>
+            </a:endParaRPr>
+          </a:p>
+        </p:txBody>
+      </p:sp>
+      <p:sp>
+        <p:nvSpPr>
+          <p:cNvPr id="59" name="PlaceHolder 3"/>
           <p:cNvSpPr>
             <a:spLocks noGrp="1"/>
           </p:cNvSpPr>
@@ -1103,8 +1059,8 @@
         </p:nvSpPr>
         <p:spPr>
           <a:xfrm>
-            <a:off x="457200" y="4228200"/>
-            <a:ext cx="4015800" cy="2093400"/>
+            <a:off x="4674240" y="1604520"/>
+            <a:ext cx="4015800" cy="3977280"/>
           </a:xfrm>
           <a:prstGeom prst="rect">
             <a:avLst/>
@@ -1115,18 +1071,15 @@
             <a:normAutofit/>
           </a:bodyPr>
           <a:p>
-            <a:endParaRPr b="0" lang="ko-KR" sz="2600" spc="-1" strike="noStrike">
-              <a:solidFill>
-                <a:srgbClr val="000000"/>
-              </a:solidFill>
-              <a:latin typeface="Constantia"/>
-            </a:endParaRPr>
-          </a:p>
-        </p:txBody>
-      </p:sp>
-      <p:sp>
-        <p:nvSpPr>
-          <p:cNvPr id="66" name="PlaceHolder 4"/>
+            <a:endParaRPr b="0" lang="pt-BR" sz="3200" spc="-1" strike="noStrike">
+              <a:latin typeface="Arial"/>
+            </a:endParaRPr>
+          </a:p>
+        </p:txBody>
+      </p:sp>
+      <p:sp>
+        <p:nvSpPr>
+          <p:cNvPr id="60" name="PlaceHolder 4"/>
           <p:cNvSpPr>
             <a:spLocks noGrp="1"/>
           </p:cNvSpPr>
@@ -1136,8 +1089,8 @@
         </p:nvSpPr>
         <p:spPr>
           <a:xfrm>
-            <a:off x="4674240" y="1935360"/>
-            <a:ext cx="4015800" cy="4388760"/>
+            <a:off x="457200" y="3682080"/>
+            <a:ext cx="4015800" cy="1896840"/>
           </a:xfrm>
           <a:prstGeom prst="rect">
             <a:avLst/>
@@ -1148,11 +1101,8 @@
             <a:normAutofit/>
           </a:bodyPr>
           <a:p>
-            <a:endParaRPr b="0" lang="ko-KR" sz="2600" spc="-1" strike="noStrike">
-              <a:solidFill>
-                <a:srgbClr val="000000"/>
-              </a:solidFill>
-              <a:latin typeface="Constantia"/>
+            <a:endParaRPr b="0" lang="pt-BR" sz="3200" spc="-1" strike="noStrike">
+              <a:latin typeface="Arial"/>
             </a:endParaRPr>
           </a:p>
         </p:txBody>
@@ -1181,7 +1131,7 @@
       </p:grpSpPr>
       <p:sp>
         <p:nvSpPr>
-          <p:cNvPr id="9" name="PlaceHolder 1"/>
+          <p:cNvPr id="6" name="PlaceHolder 1"/>
           <p:cNvSpPr>
             <a:spLocks noGrp="1"/>
           </p:cNvSpPr>
@@ -1191,28 +1141,28 @@
         </p:nvSpPr>
         <p:spPr>
           <a:xfrm>
-            <a:off x="457200" y="704160"/>
-            <a:ext cx="8229240" cy="1142640"/>
-          </a:xfrm>
-          <a:prstGeom prst="rect">
-            <a:avLst/>
-          </a:prstGeom>
-        </p:spPr>
-        <p:txBody>
-          <a:bodyPr lIns="0" rIns="0" tIns="0" bIns="0" anchor="ctr"/>
-          <a:p>
-            <a:endParaRPr b="0" lang="ko-KR" sz="1800" spc="-1" strike="noStrike">
-              <a:solidFill>
-                <a:srgbClr val="000000"/>
-              </a:solidFill>
-              <a:latin typeface="Constantia"/>
-            </a:endParaRPr>
-          </a:p>
-        </p:txBody>
-      </p:sp>
-      <p:sp>
-        <p:nvSpPr>
-          <p:cNvPr id="10" name="PlaceHolder 2"/>
+            <a:off x="457200" y="273600"/>
+            <a:ext cx="8229240" cy="1144800"/>
+          </a:xfrm>
+          <a:prstGeom prst="rect">
+            <a:avLst/>
+          </a:prstGeom>
+        </p:spPr>
+        <p:txBody>
+          <a:bodyPr lIns="0" rIns="0" tIns="0" bIns="0" anchor="ctr">
+            <a:noAutofit/>
+          </a:bodyPr>
+          <a:p>
+            <a:pPr algn="ctr"/>
+            <a:endParaRPr b="0" lang="pt-BR" sz="4400" spc="-1" strike="noStrike">
+              <a:latin typeface="Arial"/>
+            </a:endParaRPr>
+          </a:p>
+        </p:txBody>
+      </p:sp>
+      <p:sp>
+        <p:nvSpPr>
+          <p:cNvPr id="7" name="PlaceHolder 2"/>
           <p:cNvSpPr>
             <a:spLocks noGrp="1"/>
           </p:cNvSpPr>
@@ -1222,15 +1172,17 @@
         </p:nvSpPr>
         <p:spPr>
           <a:xfrm>
-            <a:off x="457200" y="1935360"/>
-            <a:ext cx="8229240" cy="4388760"/>
-          </a:xfrm>
-          <a:prstGeom prst="rect">
-            <a:avLst/>
-          </a:prstGeom>
-        </p:spPr>
-        <p:txBody>
-          <a:bodyPr lIns="0" rIns="0" tIns="0" bIns="0" anchor="ctr"/>
+            <a:off x="457200" y="1604520"/>
+            <a:ext cx="8229240" cy="3977280"/>
+          </a:xfrm>
+          <a:prstGeom prst="rect">
+            <a:avLst/>
+          </a:prstGeom>
+        </p:spPr>
+        <p:txBody>
+          <a:bodyPr lIns="0" rIns="0" tIns="0" bIns="0" anchor="ctr">
+            <a:noAutofit/>
+          </a:bodyPr>
           <a:p>
             <a:pPr algn="ctr"/>
             <a:endParaRPr b="0" lang="pt-BR" sz="3200" spc="-1" strike="noStrike">
@@ -1263,7 +1215,7 @@
       </p:grpSpPr>
       <p:sp>
         <p:nvSpPr>
-          <p:cNvPr id="67" name="PlaceHolder 1"/>
+          <p:cNvPr id="61" name="PlaceHolder 1"/>
           <p:cNvSpPr>
             <a:spLocks noGrp="1"/>
           </p:cNvSpPr>
@@ -1273,28 +1225,28 @@
         </p:nvSpPr>
         <p:spPr>
           <a:xfrm>
-            <a:off x="457200" y="704160"/>
-            <a:ext cx="8229240" cy="1142640"/>
-          </a:xfrm>
-          <a:prstGeom prst="rect">
-            <a:avLst/>
-          </a:prstGeom>
-        </p:spPr>
-        <p:txBody>
-          <a:bodyPr lIns="0" rIns="0" tIns="0" bIns="0" anchor="ctr"/>
-          <a:p>
-            <a:endParaRPr b="0" lang="ko-KR" sz="1800" spc="-1" strike="noStrike">
-              <a:solidFill>
-                <a:srgbClr val="000000"/>
-              </a:solidFill>
-              <a:latin typeface="Constantia"/>
-            </a:endParaRPr>
-          </a:p>
-        </p:txBody>
-      </p:sp>
-      <p:sp>
-        <p:nvSpPr>
-          <p:cNvPr id="68" name="PlaceHolder 2"/>
+            <a:off x="457200" y="273600"/>
+            <a:ext cx="8229240" cy="1144800"/>
+          </a:xfrm>
+          <a:prstGeom prst="rect">
+            <a:avLst/>
+          </a:prstGeom>
+        </p:spPr>
+        <p:txBody>
+          <a:bodyPr lIns="0" rIns="0" tIns="0" bIns="0" anchor="ctr">
+            <a:noAutofit/>
+          </a:bodyPr>
+          <a:p>
+            <a:pPr algn="ctr"/>
+            <a:endParaRPr b="0" lang="pt-BR" sz="4400" spc="-1" strike="noStrike">
+              <a:latin typeface="Arial"/>
+            </a:endParaRPr>
+          </a:p>
+        </p:txBody>
+      </p:sp>
+      <p:sp>
+        <p:nvSpPr>
+          <p:cNvPr id="62" name="PlaceHolder 2"/>
           <p:cNvSpPr>
             <a:spLocks noGrp="1"/>
           </p:cNvSpPr>
@@ -1304,8 +1256,8 @@
         </p:nvSpPr>
         <p:spPr>
           <a:xfrm>
-            <a:off x="457200" y="1935360"/>
-            <a:ext cx="4015800" cy="4388760"/>
+            <a:off x="457200" y="1604520"/>
+            <a:ext cx="4015800" cy="3977280"/>
           </a:xfrm>
           <a:prstGeom prst="rect">
             <a:avLst/>
@@ -1316,18 +1268,15 @@
             <a:normAutofit/>
           </a:bodyPr>
           <a:p>
-            <a:endParaRPr b="0" lang="ko-KR" sz="2600" spc="-1" strike="noStrike">
-              <a:solidFill>
-                <a:srgbClr val="000000"/>
-              </a:solidFill>
-              <a:latin typeface="Constantia"/>
-            </a:endParaRPr>
-          </a:p>
-        </p:txBody>
-      </p:sp>
-      <p:sp>
-        <p:nvSpPr>
-          <p:cNvPr id="69" name="PlaceHolder 3"/>
+            <a:endParaRPr b="0" lang="pt-BR" sz="3200" spc="-1" strike="noStrike">
+              <a:latin typeface="Arial"/>
+            </a:endParaRPr>
+          </a:p>
+        </p:txBody>
+      </p:sp>
+      <p:sp>
+        <p:nvSpPr>
+          <p:cNvPr id="63" name="PlaceHolder 3"/>
           <p:cNvSpPr>
             <a:spLocks noGrp="1"/>
           </p:cNvSpPr>
@@ -1337,8 +1286,8 @@
         </p:nvSpPr>
         <p:spPr>
           <a:xfrm>
-            <a:off x="4674240" y="1935360"/>
-            <a:ext cx="4015800" cy="2093400"/>
+            <a:off x="4674240" y="1604520"/>
+            <a:ext cx="4015800" cy="1896840"/>
           </a:xfrm>
           <a:prstGeom prst="rect">
             <a:avLst/>
@@ -1349,18 +1298,15 @@
             <a:normAutofit/>
           </a:bodyPr>
           <a:p>
-            <a:endParaRPr b="0" lang="ko-KR" sz="2600" spc="-1" strike="noStrike">
-              <a:solidFill>
-                <a:srgbClr val="000000"/>
-              </a:solidFill>
-              <a:latin typeface="Constantia"/>
-            </a:endParaRPr>
-          </a:p>
-        </p:txBody>
-      </p:sp>
-      <p:sp>
-        <p:nvSpPr>
-          <p:cNvPr id="70" name="PlaceHolder 4"/>
+            <a:endParaRPr b="0" lang="pt-BR" sz="3200" spc="-1" strike="noStrike">
+              <a:latin typeface="Arial"/>
+            </a:endParaRPr>
+          </a:p>
+        </p:txBody>
+      </p:sp>
+      <p:sp>
+        <p:nvSpPr>
+          <p:cNvPr id="64" name="PlaceHolder 4"/>
           <p:cNvSpPr>
             <a:spLocks noGrp="1"/>
           </p:cNvSpPr>
@@ -1370,8 +1316,8 @@
         </p:nvSpPr>
         <p:spPr>
           <a:xfrm>
-            <a:off x="4674240" y="4228200"/>
-            <a:ext cx="4015800" cy="2093400"/>
+            <a:off x="4674240" y="3682080"/>
+            <a:ext cx="4015800" cy="1896840"/>
           </a:xfrm>
           <a:prstGeom prst="rect">
             <a:avLst/>
@@ -1382,11 +1328,8 @@
             <a:normAutofit/>
           </a:bodyPr>
           <a:p>
-            <a:endParaRPr b="0" lang="ko-KR" sz="2600" spc="-1" strike="noStrike">
-              <a:solidFill>
-                <a:srgbClr val="000000"/>
-              </a:solidFill>
-              <a:latin typeface="Constantia"/>
+            <a:endParaRPr b="0" lang="pt-BR" sz="3200" spc="-1" strike="noStrike">
+              <a:latin typeface="Arial"/>
             </a:endParaRPr>
           </a:p>
         </p:txBody>
@@ -1415,7 +1358,7 @@
       </p:grpSpPr>
       <p:sp>
         <p:nvSpPr>
-          <p:cNvPr id="71" name="PlaceHolder 1"/>
+          <p:cNvPr id="65" name="PlaceHolder 1"/>
           <p:cNvSpPr>
             <a:spLocks noGrp="1"/>
           </p:cNvSpPr>
@@ -1425,28 +1368,28 @@
         </p:nvSpPr>
         <p:spPr>
           <a:xfrm>
-            <a:off x="457200" y="704160"/>
-            <a:ext cx="8229240" cy="1142640"/>
-          </a:xfrm>
-          <a:prstGeom prst="rect">
-            <a:avLst/>
-          </a:prstGeom>
-        </p:spPr>
-        <p:txBody>
-          <a:bodyPr lIns="0" rIns="0" tIns="0" bIns="0" anchor="ctr"/>
-          <a:p>
-            <a:endParaRPr b="0" lang="ko-KR" sz="1800" spc="-1" strike="noStrike">
-              <a:solidFill>
-                <a:srgbClr val="000000"/>
-              </a:solidFill>
-              <a:latin typeface="Constantia"/>
-            </a:endParaRPr>
-          </a:p>
-        </p:txBody>
-      </p:sp>
-      <p:sp>
-        <p:nvSpPr>
-          <p:cNvPr id="72" name="PlaceHolder 2"/>
+            <a:off x="457200" y="273600"/>
+            <a:ext cx="8229240" cy="1144800"/>
+          </a:xfrm>
+          <a:prstGeom prst="rect">
+            <a:avLst/>
+          </a:prstGeom>
+        </p:spPr>
+        <p:txBody>
+          <a:bodyPr lIns="0" rIns="0" tIns="0" bIns="0" anchor="ctr">
+            <a:noAutofit/>
+          </a:bodyPr>
+          <a:p>
+            <a:pPr algn="ctr"/>
+            <a:endParaRPr b="0" lang="pt-BR" sz="4400" spc="-1" strike="noStrike">
+              <a:latin typeface="Arial"/>
+            </a:endParaRPr>
+          </a:p>
+        </p:txBody>
+      </p:sp>
+      <p:sp>
+        <p:nvSpPr>
+          <p:cNvPr id="66" name="PlaceHolder 2"/>
           <p:cNvSpPr>
             <a:spLocks noGrp="1"/>
           </p:cNvSpPr>
@@ -1456,8 +1399,8 @@
         </p:nvSpPr>
         <p:spPr>
           <a:xfrm>
-            <a:off x="457200" y="1935360"/>
-            <a:ext cx="4015800" cy="2093400"/>
+            <a:off x="457200" y="1604520"/>
+            <a:ext cx="4015800" cy="1896840"/>
           </a:xfrm>
           <a:prstGeom prst="rect">
             <a:avLst/>
@@ -1468,18 +1411,15 @@
             <a:normAutofit/>
           </a:bodyPr>
           <a:p>
-            <a:endParaRPr b="0" lang="ko-KR" sz="2600" spc="-1" strike="noStrike">
-              <a:solidFill>
-                <a:srgbClr val="000000"/>
-              </a:solidFill>
-              <a:latin typeface="Constantia"/>
-            </a:endParaRPr>
-          </a:p>
-        </p:txBody>
-      </p:sp>
-      <p:sp>
-        <p:nvSpPr>
-          <p:cNvPr id="73" name="PlaceHolder 3"/>
+            <a:endParaRPr b="0" lang="pt-BR" sz="3200" spc="-1" strike="noStrike">
+              <a:latin typeface="Arial"/>
+            </a:endParaRPr>
+          </a:p>
+        </p:txBody>
+      </p:sp>
+      <p:sp>
+        <p:nvSpPr>
+          <p:cNvPr id="67" name="PlaceHolder 3"/>
           <p:cNvSpPr>
             <a:spLocks noGrp="1"/>
           </p:cNvSpPr>
@@ -1489,8 +1429,8 @@
         </p:nvSpPr>
         <p:spPr>
           <a:xfrm>
-            <a:off x="4674240" y="1935360"/>
-            <a:ext cx="4015800" cy="2093400"/>
+            <a:off x="4674240" y="1604520"/>
+            <a:ext cx="4015800" cy="1896840"/>
           </a:xfrm>
           <a:prstGeom prst="rect">
             <a:avLst/>
@@ -1501,18 +1441,15 @@
             <a:normAutofit/>
           </a:bodyPr>
           <a:p>
-            <a:endParaRPr b="0" lang="ko-KR" sz="2600" spc="-1" strike="noStrike">
-              <a:solidFill>
-                <a:srgbClr val="000000"/>
-              </a:solidFill>
-              <a:latin typeface="Constantia"/>
-            </a:endParaRPr>
-          </a:p>
-        </p:txBody>
-      </p:sp>
-      <p:sp>
-        <p:nvSpPr>
-          <p:cNvPr id="74" name="PlaceHolder 4"/>
+            <a:endParaRPr b="0" lang="pt-BR" sz="3200" spc="-1" strike="noStrike">
+              <a:latin typeface="Arial"/>
+            </a:endParaRPr>
+          </a:p>
+        </p:txBody>
+      </p:sp>
+      <p:sp>
+        <p:nvSpPr>
+          <p:cNvPr id="68" name="PlaceHolder 4"/>
           <p:cNvSpPr>
             <a:spLocks noGrp="1"/>
           </p:cNvSpPr>
@@ -1522,8 +1459,8 @@
         </p:nvSpPr>
         <p:spPr>
           <a:xfrm>
-            <a:off x="457200" y="4228200"/>
-            <a:ext cx="8229240" cy="2093400"/>
+            <a:off x="457200" y="3682080"/>
+            <a:ext cx="8229240" cy="1896840"/>
           </a:xfrm>
           <a:prstGeom prst="rect">
             <a:avLst/>
@@ -1534,11 +1471,8 @@
             <a:normAutofit/>
           </a:bodyPr>
           <a:p>
-            <a:endParaRPr b="0" lang="ko-KR" sz="2600" spc="-1" strike="noStrike">
-              <a:solidFill>
-                <a:srgbClr val="000000"/>
-              </a:solidFill>
-              <a:latin typeface="Constantia"/>
+            <a:endParaRPr b="0" lang="pt-BR" sz="3200" spc="-1" strike="noStrike">
+              <a:latin typeface="Arial"/>
             </a:endParaRPr>
           </a:p>
         </p:txBody>
@@ -1567,7 +1501,7 @@
       </p:grpSpPr>
       <p:sp>
         <p:nvSpPr>
-          <p:cNvPr id="75" name="PlaceHolder 1"/>
+          <p:cNvPr id="69" name="PlaceHolder 1"/>
           <p:cNvSpPr>
             <a:spLocks noGrp="1"/>
           </p:cNvSpPr>
@@ -1577,28 +1511,28 @@
         </p:nvSpPr>
         <p:spPr>
           <a:xfrm>
-            <a:off x="457200" y="704160"/>
-            <a:ext cx="8229240" cy="1142640"/>
-          </a:xfrm>
-          <a:prstGeom prst="rect">
-            <a:avLst/>
-          </a:prstGeom>
-        </p:spPr>
-        <p:txBody>
-          <a:bodyPr lIns="0" rIns="0" tIns="0" bIns="0" anchor="ctr"/>
-          <a:p>
-            <a:endParaRPr b="0" lang="ko-KR" sz="1800" spc="-1" strike="noStrike">
-              <a:solidFill>
-                <a:srgbClr val="000000"/>
-              </a:solidFill>
-              <a:latin typeface="Constantia"/>
-            </a:endParaRPr>
-          </a:p>
-        </p:txBody>
-      </p:sp>
-      <p:sp>
-        <p:nvSpPr>
-          <p:cNvPr id="76" name="PlaceHolder 2"/>
+            <a:off x="457200" y="273600"/>
+            <a:ext cx="8229240" cy="1144800"/>
+          </a:xfrm>
+          <a:prstGeom prst="rect">
+            <a:avLst/>
+          </a:prstGeom>
+        </p:spPr>
+        <p:txBody>
+          <a:bodyPr lIns="0" rIns="0" tIns="0" bIns="0" anchor="ctr">
+            <a:noAutofit/>
+          </a:bodyPr>
+          <a:p>
+            <a:pPr algn="ctr"/>
+            <a:endParaRPr b="0" lang="pt-BR" sz="4400" spc="-1" strike="noStrike">
+              <a:latin typeface="Arial"/>
+            </a:endParaRPr>
+          </a:p>
+        </p:txBody>
+      </p:sp>
+      <p:sp>
+        <p:nvSpPr>
+          <p:cNvPr id="70" name="PlaceHolder 2"/>
           <p:cNvSpPr>
             <a:spLocks noGrp="1"/>
           </p:cNvSpPr>
@@ -1608,8 +1542,8 @@
         </p:nvSpPr>
         <p:spPr>
           <a:xfrm>
-            <a:off x="457200" y="1935360"/>
-            <a:ext cx="8229240" cy="2093400"/>
+            <a:off x="457200" y="1604520"/>
+            <a:ext cx="8229240" cy="1896840"/>
           </a:xfrm>
           <a:prstGeom prst="rect">
             <a:avLst/>
@@ -1620,18 +1554,15 @@
             <a:normAutofit/>
           </a:bodyPr>
           <a:p>
-            <a:endParaRPr b="0" lang="ko-KR" sz="2600" spc="-1" strike="noStrike">
-              <a:solidFill>
-                <a:srgbClr val="000000"/>
-              </a:solidFill>
-              <a:latin typeface="Constantia"/>
-            </a:endParaRPr>
-          </a:p>
-        </p:txBody>
-      </p:sp>
-      <p:sp>
-        <p:nvSpPr>
-          <p:cNvPr id="77" name="PlaceHolder 3"/>
+            <a:endParaRPr b="0" lang="pt-BR" sz="3200" spc="-1" strike="noStrike">
+              <a:latin typeface="Arial"/>
+            </a:endParaRPr>
+          </a:p>
+        </p:txBody>
+      </p:sp>
+      <p:sp>
+        <p:nvSpPr>
+          <p:cNvPr id="71" name="PlaceHolder 3"/>
           <p:cNvSpPr>
             <a:spLocks noGrp="1"/>
           </p:cNvSpPr>
@@ -1641,8 +1572,8 @@
         </p:nvSpPr>
         <p:spPr>
           <a:xfrm>
-            <a:off x="457200" y="4228200"/>
-            <a:ext cx="8229240" cy="2093400"/>
+            <a:off x="457200" y="3682080"/>
+            <a:ext cx="8229240" cy="1896840"/>
           </a:xfrm>
           <a:prstGeom prst="rect">
             <a:avLst/>
@@ -1653,11 +1584,8 @@
             <a:normAutofit/>
           </a:bodyPr>
           <a:p>
-            <a:endParaRPr b="0" lang="ko-KR" sz="2600" spc="-1" strike="noStrike">
-              <a:solidFill>
-                <a:srgbClr val="000000"/>
-              </a:solidFill>
-              <a:latin typeface="Constantia"/>
+            <a:endParaRPr b="0" lang="pt-BR" sz="3200" spc="-1" strike="noStrike">
+              <a:latin typeface="Arial"/>
             </a:endParaRPr>
           </a:p>
         </p:txBody>
@@ -1686,7 +1614,7 @@
       </p:grpSpPr>
       <p:sp>
         <p:nvSpPr>
-          <p:cNvPr id="78" name="PlaceHolder 1"/>
+          <p:cNvPr id="72" name="PlaceHolder 1"/>
           <p:cNvSpPr>
             <a:spLocks noGrp="1"/>
           </p:cNvSpPr>
@@ -1696,28 +1624,28 @@
         </p:nvSpPr>
         <p:spPr>
           <a:xfrm>
-            <a:off x="457200" y="704160"/>
-            <a:ext cx="8229240" cy="1142640"/>
-          </a:xfrm>
-          <a:prstGeom prst="rect">
-            <a:avLst/>
-          </a:prstGeom>
-        </p:spPr>
-        <p:txBody>
-          <a:bodyPr lIns="0" rIns="0" tIns="0" bIns="0" anchor="ctr"/>
-          <a:p>
-            <a:endParaRPr b="0" lang="ko-KR" sz="1800" spc="-1" strike="noStrike">
-              <a:solidFill>
-                <a:srgbClr val="000000"/>
-              </a:solidFill>
-              <a:latin typeface="Constantia"/>
-            </a:endParaRPr>
-          </a:p>
-        </p:txBody>
-      </p:sp>
-      <p:sp>
-        <p:nvSpPr>
-          <p:cNvPr id="79" name="PlaceHolder 2"/>
+            <a:off x="457200" y="273600"/>
+            <a:ext cx="8229240" cy="1144800"/>
+          </a:xfrm>
+          <a:prstGeom prst="rect">
+            <a:avLst/>
+          </a:prstGeom>
+        </p:spPr>
+        <p:txBody>
+          <a:bodyPr lIns="0" rIns="0" tIns="0" bIns="0" anchor="ctr">
+            <a:noAutofit/>
+          </a:bodyPr>
+          <a:p>
+            <a:pPr algn="ctr"/>
+            <a:endParaRPr b="0" lang="pt-BR" sz="4400" spc="-1" strike="noStrike">
+              <a:latin typeface="Arial"/>
+            </a:endParaRPr>
+          </a:p>
+        </p:txBody>
+      </p:sp>
+      <p:sp>
+        <p:nvSpPr>
+          <p:cNvPr id="73" name="PlaceHolder 2"/>
           <p:cNvSpPr>
             <a:spLocks noGrp="1"/>
           </p:cNvSpPr>
@@ -1727,8 +1655,8 @@
         </p:nvSpPr>
         <p:spPr>
           <a:xfrm>
-            <a:off x="457200" y="1935360"/>
-            <a:ext cx="4015800" cy="2093400"/>
+            <a:off x="457200" y="1604520"/>
+            <a:ext cx="4015800" cy="1896840"/>
           </a:xfrm>
           <a:prstGeom prst="rect">
             <a:avLst/>
@@ -1739,18 +1667,15 @@
             <a:normAutofit/>
           </a:bodyPr>
           <a:p>
-            <a:endParaRPr b="0" lang="ko-KR" sz="2600" spc="-1" strike="noStrike">
-              <a:solidFill>
-                <a:srgbClr val="000000"/>
-              </a:solidFill>
-              <a:latin typeface="Constantia"/>
-            </a:endParaRPr>
-          </a:p>
-        </p:txBody>
-      </p:sp>
-      <p:sp>
-        <p:nvSpPr>
-          <p:cNvPr id="80" name="PlaceHolder 3"/>
+            <a:endParaRPr b="0" lang="pt-BR" sz="3200" spc="-1" strike="noStrike">
+              <a:latin typeface="Arial"/>
+            </a:endParaRPr>
+          </a:p>
+        </p:txBody>
+      </p:sp>
+      <p:sp>
+        <p:nvSpPr>
+          <p:cNvPr id="74" name="PlaceHolder 3"/>
           <p:cNvSpPr>
             <a:spLocks noGrp="1"/>
           </p:cNvSpPr>
@@ -1760,8 +1685,8 @@
         </p:nvSpPr>
         <p:spPr>
           <a:xfrm>
-            <a:off x="4674240" y="1935360"/>
-            <a:ext cx="4015800" cy="2093400"/>
+            <a:off x="4674240" y="1604520"/>
+            <a:ext cx="4015800" cy="1896840"/>
           </a:xfrm>
           <a:prstGeom prst="rect">
             <a:avLst/>
@@ -1772,18 +1697,15 @@
             <a:normAutofit/>
           </a:bodyPr>
           <a:p>
-            <a:endParaRPr b="0" lang="ko-KR" sz="2600" spc="-1" strike="noStrike">
-              <a:solidFill>
-                <a:srgbClr val="000000"/>
-              </a:solidFill>
-              <a:latin typeface="Constantia"/>
-            </a:endParaRPr>
-          </a:p>
-        </p:txBody>
-      </p:sp>
-      <p:sp>
-        <p:nvSpPr>
-          <p:cNvPr id="81" name="PlaceHolder 4"/>
+            <a:endParaRPr b="0" lang="pt-BR" sz="3200" spc="-1" strike="noStrike">
+              <a:latin typeface="Arial"/>
+            </a:endParaRPr>
+          </a:p>
+        </p:txBody>
+      </p:sp>
+      <p:sp>
+        <p:nvSpPr>
+          <p:cNvPr id="75" name="PlaceHolder 4"/>
           <p:cNvSpPr>
             <a:spLocks noGrp="1"/>
           </p:cNvSpPr>
@@ -1793,8 +1715,8 @@
         </p:nvSpPr>
         <p:spPr>
           <a:xfrm>
-            <a:off x="4674240" y="4228200"/>
-            <a:ext cx="4015800" cy="2093400"/>
+            <a:off x="457200" y="3682080"/>
+            <a:ext cx="4015800" cy="1896840"/>
           </a:xfrm>
           <a:prstGeom prst="rect">
             <a:avLst/>
@@ -1805,18 +1727,15 @@
             <a:normAutofit/>
           </a:bodyPr>
           <a:p>
-            <a:endParaRPr b="0" lang="ko-KR" sz="2600" spc="-1" strike="noStrike">
-              <a:solidFill>
-                <a:srgbClr val="000000"/>
-              </a:solidFill>
-              <a:latin typeface="Constantia"/>
-            </a:endParaRPr>
-          </a:p>
-        </p:txBody>
-      </p:sp>
-      <p:sp>
-        <p:nvSpPr>
-          <p:cNvPr id="82" name="PlaceHolder 5"/>
+            <a:endParaRPr b="0" lang="pt-BR" sz="3200" spc="-1" strike="noStrike">
+              <a:latin typeface="Arial"/>
+            </a:endParaRPr>
+          </a:p>
+        </p:txBody>
+      </p:sp>
+      <p:sp>
+        <p:nvSpPr>
+          <p:cNvPr id="76" name="PlaceHolder 5"/>
           <p:cNvSpPr>
             <a:spLocks noGrp="1"/>
           </p:cNvSpPr>
@@ -1826,8 +1745,8 @@
         </p:nvSpPr>
         <p:spPr>
           <a:xfrm>
-            <a:off x="457200" y="4228200"/>
-            <a:ext cx="4015800" cy="2093400"/>
+            <a:off x="4674240" y="3682080"/>
+            <a:ext cx="4015800" cy="1896840"/>
           </a:xfrm>
           <a:prstGeom prst="rect">
             <a:avLst/>
@@ -1838,11 +1757,8 @@
             <a:normAutofit/>
           </a:bodyPr>
           <a:p>
-            <a:endParaRPr b="0" lang="ko-KR" sz="2600" spc="-1" strike="noStrike">
-              <a:solidFill>
-                <a:srgbClr val="000000"/>
-              </a:solidFill>
-              <a:latin typeface="Constantia"/>
+            <a:endParaRPr b="0" lang="pt-BR" sz="3200" spc="-1" strike="noStrike">
+              <a:latin typeface="Arial"/>
             </a:endParaRPr>
           </a:p>
         </p:txBody>
@@ -1871,7 +1787,7 @@
       </p:grpSpPr>
       <p:sp>
         <p:nvSpPr>
-          <p:cNvPr id="83" name="PlaceHolder 1"/>
+          <p:cNvPr id="77" name="PlaceHolder 1"/>
           <p:cNvSpPr>
             <a:spLocks noGrp="1"/>
           </p:cNvSpPr>
@@ -1881,28 +1797,28 @@
         </p:nvSpPr>
         <p:spPr>
           <a:xfrm>
-            <a:off x="457200" y="704160"/>
-            <a:ext cx="8229240" cy="1142640"/>
-          </a:xfrm>
-          <a:prstGeom prst="rect">
-            <a:avLst/>
-          </a:prstGeom>
-        </p:spPr>
-        <p:txBody>
-          <a:bodyPr lIns="0" rIns="0" tIns="0" bIns="0" anchor="ctr"/>
-          <a:p>
-            <a:endParaRPr b="0" lang="ko-KR" sz="1800" spc="-1" strike="noStrike">
-              <a:solidFill>
-                <a:srgbClr val="000000"/>
-              </a:solidFill>
-              <a:latin typeface="Constantia"/>
-            </a:endParaRPr>
-          </a:p>
-        </p:txBody>
-      </p:sp>
-      <p:sp>
-        <p:nvSpPr>
-          <p:cNvPr id="84" name="PlaceHolder 2"/>
+            <a:off x="457200" y="273600"/>
+            <a:ext cx="8229240" cy="1144800"/>
+          </a:xfrm>
+          <a:prstGeom prst="rect">
+            <a:avLst/>
+          </a:prstGeom>
+        </p:spPr>
+        <p:txBody>
+          <a:bodyPr lIns="0" rIns="0" tIns="0" bIns="0" anchor="ctr">
+            <a:noAutofit/>
+          </a:bodyPr>
+          <a:p>
+            <a:pPr algn="ctr"/>
+            <a:endParaRPr b="0" lang="pt-BR" sz="4400" spc="-1" strike="noStrike">
+              <a:latin typeface="Arial"/>
+            </a:endParaRPr>
+          </a:p>
+        </p:txBody>
+      </p:sp>
+      <p:sp>
+        <p:nvSpPr>
+          <p:cNvPr id="78" name="PlaceHolder 2"/>
           <p:cNvSpPr>
             <a:spLocks noGrp="1"/>
           </p:cNvSpPr>
@@ -1912,8 +1828,8 @@
         </p:nvSpPr>
         <p:spPr>
           <a:xfrm>
-            <a:off x="457200" y="1935360"/>
-            <a:ext cx="2649600" cy="2093400"/>
+            <a:off x="457200" y="1604520"/>
+            <a:ext cx="2649600" cy="1896840"/>
           </a:xfrm>
           <a:prstGeom prst="rect">
             <a:avLst/>
@@ -1924,18 +1840,15 @@
             <a:normAutofit/>
           </a:bodyPr>
           <a:p>
-            <a:endParaRPr b="0" lang="ko-KR" sz="2600" spc="-1" strike="noStrike">
-              <a:solidFill>
-                <a:srgbClr val="000000"/>
-              </a:solidFill>
-              <a:latin typeface="Constantia"/>
-            </a:endParaRPr>
-          </a:p>
-        </p:txBody>
-      </p:sp>
-      <p:sp>
-        <p:nvSpPr>
-          <p:cNvPr id="85" name="PlaceHolder 3"/>
+            <a:endParaRPr b="0" lang="pt-BR" sz="3200" spc="-1" strike="noStrike">
+              <a:latin typeface="Arial"/>
+            </a:endParaRPr>
+          </a:p>
+        </p:txBody>
+      </p:sp>
+      <p:sp>
+        <p:nvSpPr>
+          <p:cNvPr id="79" name="PlaceHolder 3"/>
           <p:cNvSpPr>
             <a:spLocks noGrp="1"/>
           </p:cNvSpPr>
@@ -1945,8 +1858,8 @@
         </p:nvSpPr>
         <p:spPr>
           <a:xfrm>
-            <a:off x="3239640" y="1935360"/>
-            <a:ext cx="2649600" cy="2093400"/>
+            <a:off x="3239640" y="1604520"/>
+            <a:ext cx="2649600" cy="1896840"/>
           </a:xfrm>
           <a:prstGeom prst="rect">
             <a:avLst/>
@@ -1957,18 +1870,15 @@
             <a:normAutofit/>
           </a:bodyPr>
           <a:p>
-            <a:endParaRPr b="0" lang="ko-KR" sz="2600" spc="-1" strike="noStrike">
-              <a:solidFill>
-                <a:srgbClr val="000000"/>
-              </a:solidFill>
-              <a:latin typeface="Constantia"/>
-            </a:endParaRPr>
-          </a:p>
-        </p:txBody>
-      </p:sp>
-      <p:sp>
-        <p:nvSpPr>
-          <p:cNvPr id="86" name="PlaceHolder 4"/>
+            <a:endParaRPr b="0" lang="pt-BR" sz="3200" spc="-1" strike="noStrike">
+              <a:latin typeface="Arial"/>
+            </a:endParaRPr>
+          </a:p>
+        </p:txBody>
+      </p:sp>
+      <p:sp>
+        <p:nvSpPr>
+          <p:cNvPr id="80" name="PlaceHolder 4"/>
           <p:cNvSpPr>
             <a:spLocks noGrp="1"/>
           </p:cNvSpPr>
@@ -1978,8 +1888,8 @@
         </p:nvSpPr>
         <p:spPr>
           <a:xfrm>
-            <a:off x="6022080" y="1935360"/>
-            <a:ext cx="2649600" cy="2093400"/>
+            <a:off x="6022080" y="1604520"/>
+            <a:ext cx="2649600" cy="1896840"/>
           </a:xfrm>
           <a:prstGeom prst="rect">
             <a:avLst/>
@@ -1990,18 +1900,15 @@
             <a:normAutofit/>
           </a:bodyPr>
           <a:p>
-            <a:endParaRPr b="0" lang="ko-KR" sz="2600" spc="-1" strike="noStrike">
-              <a:solidFill>
-                <a:srgbClr val="000000"/>
-              </a:solidFill>
-              <a:latin typeface="Constantia"/>
-            </a:endParaRPr>
-          </a:p>
-        </p:txBody>
-      </p:sp>
-      <p:sp>
-        <p:nvSpPr>
-          <p:cNvPr id="87" name="PlaceHolder 5"/>
+            <a:endParaRPr b="0" lang="pt-BR" sz="3200" spc="-1" strike="noStrike">
+              <a:latin typeface="Arial"/>
+            </a:endParaRPr>
+          </a:p>
+        </p:txBody>
+      </p:sp>
+      <p:sp>
+        <p:nvSpPr>
+          <p:cNvPr id="81" name="PlaceHolder 5"/>
           <p:cNvSpPr>
             <a:spLocks noGrp="1"/>
           </p:cNvSpPr>
@@ -2011,8 +1918,8 @@
         </p:nvSpPr>
         <p:spPr>
           <a:xfrm>
-            <a:off x="6022080" y="4228200"/>
-            <a:ext cx="2649600" cy="2093400"/>
+            <a:off x="457200" y="3682080"/>
+            <a:ext cx="2649600" cy="1896840"/>
           </a:xfrm>
           <a:prstGeom prst="rect">
             <a:avLst/>
@@ -2023,18 +1930,15 @@
             <a:normAutofit/>
           </a:bodyPr>
           <a:p>
-            <a:endParaRPr b="0" lang="ko-KR" sz="2600" spc="-1" strike="noStrike">
-              <a:solidFill>
-                <a:srgbClr val="000000"/>
-              </a:solidFill>
-              <a:latin typeface="Constantia"/>
-            </a:endParaRPr>
-          </a:p>
-        </p:txBody>
-      </p:sp>
-      <p:sp>
-        <p:nvSpPr>
-          <p:cNvPr id="88" name="PlaceHolder 6"/>
+            <a:endParaRPr b="0" lang="pt-BR" sz="3200" spc="-1" strike="noStrike">
+              <a:latin typeface="Arial"/>
+            </a:endParaRPr>
+          </a:p>
+        </p:txBody>
+      </p:sp>
+      <p:sp>
+        <p:nvSpPr>
+          <p:cNvPr id="82" name="PlaceHolder 6"/>
           <p:cNvSpPr>
             <a:spLocks noGrp="1"/>
           </p:cNvSpPr>
@@ -2044,8 +1948,8 @@
         </p:nvSpPr>
         <p:spPr>
           <a:xfrm>
-            <a:off x="3239640" y="4228200"/>
-            <a:ext cx="2649600" cy="2093400"/>
+            <a:off x="3239640" y="3682080"/>
+            <a:ext cx="2649600" cy="1896840"/>
           </a:xfrm>
           <a:prstGeom prst="rect">
             <a:avLst/>
@@ -2056,18 +1960,15 @@
             <a:normAutofit/>
           </a:bodyPr>
           <a:p>
-            <a:endParaRPr b="0" lang="ko-KR" sz="2600" spc="-1" strike="noStrike">
-              <a:solidFill>
-                <a:srgbClr val="000000"/>
-              </a:solidFill>
-              <a:latin typeface="Constantia"/>
-            </a:endParaRPr>
-          </a:p>
-        </p:txBody>
-      </p:sp>
-      <p:sp>
-        <p:nvSpPr>
-          <p:cNvPr id="89" name="PlaceHolder 7"/>
+            <a:endParaRPr b="0" lang="pt-BR" sz="3200" spc="-1" strike="noStrike">
+              <a:latin typeface="Arial"/>
+            </a:endParaRPr>
+          </a:p>
+        </p:txBody>
+      </p:sp>
+      <p:sp>
+        <p:nvSpPr>
+          <p:cNvPr id="83" name="PlaceHolder 7"/>
           <p:cNvSpPr>
             <a:spLocks noGrp="1"/>
           </p:cNvSpPr>
@@ -2077,8 +1978,8 @@
         </p:nvSpPr>
         <p:spPr>
           <a:xfrm>
-            <a:off x="457200" y="4228200"/>
-            <a:ext cx="2649600" cy="2093400"/>
+            <a:off x="6022080" y="3682080"/>
+            <a:ext cx="2649600" cy="1896840"/>
           </a:xfrm>
           <a:prstGeom prst="rect">
             <a:avLst/>
@@ -2089,11 +1990,8 @@
             <a:normAutofit/>
           </a:bodyPr>
           <a:p>
-            <a:endParaRPr b="0" lang="ko-KR" sz="2600" spc="-1" strike="noStrike">
-              <a:solidFill>
-                <a:srgbClr val="000000"/>
-              </a:solidFill>
-              <a:latin typeface="Constantia"/>
+            <a:endParaRPr b="0" lang="pt-BR" sz="3200" spc="-1" strike="noStrike">
+              <a:latin typeface="Arial"/>
             </a:endParaRPr>
           </a:p>
         </p:txBody>
@@ -2122,7 +2020,7 @@
       </p:grpSpPr>
       <p:sp>
         <p:nvSpPr>
-          <p:cNvPr id="11" name="PlaceHolder 1"/>
+          <p:cNvPr id="8" name="PlaceHolder 1"/>
           <p:cNvSpPr>
             <a:spLocks noGrp="1"/>
           </p:cNvSpPr>
@@ -2132,28 +2030,28 @@
         </p:nvSpPr>
         <p:spPr>
           <a:xfrm>
-            <a:off x="457200" y="704160"/>
-            <a:ext cx="8229240" cy="1142640"/>
-          </a:xfrm>
-          <a:prstGeom prst="rect">
-            <a:avLst/>
-          </a:prstGeom>
-        </p:spPr>
-        <p:txBody>
-          <a:bodyPr lIns="0" rIns="0" tIns="0" bIns="0" anchor="ctr"/>
-          <a:p>
-            <a:endParaRPr b="0" lang="ko-KR" sz="1800" spc="-1" strike="noStrike">
-              <a:solidFill>
-                <a:srgbClr val="000000"/>
-              </a:solidFill>
-              <a:latin typeface="Constantia"/>
-            </a:endParaRPr>
-          </a:p>
-        </p:txBody>
-      </p:sp>
-      <p:sp>
-        <p:nvSpPr>
-          <p:cNvPr id="12" name="PlaceHolder 2"/>
+            <a:off x="457200" y="273600"/>
+            <a:ext cx="8229240" cy="1144800"/>
+          </a:xfrm>
+          <a:prstGeom prst="rect">
+            <a:avLst/>
+          </a:prstGeom>
+        </p:spPr>
+        <p:txBody>
+          <a:bodyPr lIns="0" rIns="0" tIns="0" bIns="0" anchor="ctr">
+            <a:noAutofit/>
+          </a:bodyPr>
+          <a:p>
+            <a:pPr algn="ctr"/>
+            <a:endParaRPr b="0" lang="pt-BR" sz="4400" spc="-1" strike="noStrike">
+              <a:latin typeface="Arial"/>
+            </a:endParaRPr>
+          </a:p>
+        </p:txBody>
+      </p:sp>
+      <p:sp>
+        <p:nvSpPr>
+          <p:cNvPr id="9" name="PlaceHolder 2"/>
           <p:cNvSpPr>
             <a:spLocks noGrp="1"/>
           </p:cNvSpPr>
@@ -2163,8 +2061,8 @@
         </p:nvSpPr>
         <p:spPr>
           <a:xfrm>
-            <a:off x="457200" y="1935360"/>
-            <a:ext cx="8229240" cy="4388760"/>
+            <a:off x="457200" y="1604520"/>
+            <a:ext cx="8229240" cy="3977280"/>
           </a:xfrm>
           <a:prstGeom prst="rect">
             <a:avLst/>
@@ -2175,11 +2073,8 @@
             <a:normAutofit/>
           </a:bodyPr>
           <a:p>
-            <a:endParaRPr b="0" lang="ko-KR" sz="2600" spc="-1" strike="noStrike">
-              <a:solidFill>
-                <a:srgbClr val="000000"/>
-              </a:solidFill>
-              <a:latin typeface="Constantia"/>
+            <a:endParaRPr b="0" lang="pt-BR" sz="3200" spc="-1" strike="noStrike">
+              <a:latin typeface="Arial"/>
             </a:endParaRPr>
           </a:p>
         </p:txBody>
@@ -2208,7 +2103,7 @@
       </p:grpSpPr>
       <p:sp>
         <p:nvSpPr>
-          <p:cNvPr id="13" name="PlaceHolder 1"/>
+          <p:cNvPr id="10" name="PlaceHolder 1"/>
           <p:cNvSpPr>
             <a:spLocks noGrp="1"/>
           </p:cNvSpPr>
@@ -2218,28 +2113,28 @@
         </p:nvSpPr>
         <p:spPr>
           <a:xfrm>
-            <a:off x="457200" y="704160"/>
-            <a:ext cx="8229240" cy="1142640"/>
-          </a:xfrm>
-          <a:prstGeom prst="rect">
-            <a:avLst/>
-          </a:prstGeom>
-        </p:spPr>
-        <p:txBody>
-          <a:bodyPr lIns="0" rIns="0" tIns="0" bIns="0" anchor="ctr"/>
-          <a:p>
-            <a:endParaRPr b="0" lang="ko-KR" sz="1800" spc="-1" strike="noStrike">
-              <a:solidFill>
-                <a:srgbClr val="000000"/>
-              </a:solidFill>
-              <a:latin typeface="Constantia"/>
-            </a:endParaRPr>
-          </a:p>
-        </p:txBody>
-      </p:sp>
-      <p:sp>
-        <p:nvSpPr>
-          <p:cNvPr id="14" name="PlaceHolder 2"/>
+            <a:off x="457200" y="273600"/>
+            <a:ext cx="8229240" cy="1144800"/>
+          </a:xfrm>
+          <a:prstGeom prst="rect">
+            <a:avLst/>
+          </a:prstGeom>
+        </p:spPr>
+        <p:txBody>
+          <a:bodyPr lIns="0" rIns="0" tIns="0" bIns="0" anchor="ctr">
+            <a:noAutofit/>
+          </a:bodyPr>
+          <a:p>
+            <a:pPr algn="ctr"/>
+            <a:endParaRPr b="0" lang="pt-BR" sz="4400" spc="-1" strike="noStrike">
+              <a:latin typeface="Arial"/>
+            </a:endParaRPr>
+          </a:p>
+        </p:txBody>
+      </p:sp>
+      <p:sp>
+        <p:nvSpPr>
+          <p:cNvPr id="11" name="PlaceHolder 2"/>
           <p:cNvSpPr>
             <a:spLocks noGrp="1"/>
           </p:cNvSpPr>
@@ -2249,8 +2144,8 @@
         </p:nvSpPr>
         <p:spPr>
           <a:xfrm>
-            <a:off x="457200" y="1935360"/>
-            <a:ext cx="4015800" cy="4388760"/>
+            <a:off x="457200" y="1604520"/>
+            <a:ext cx="4015800" cy="3977280"/>
           </a:xfrm>
           <a:prstGeom prst="rect">
             <a:avLst/>
@@ -2261,18 +2156,15 @@
             <a:normAutofit/>
           </a:bodyPr>
           <a:p>
-            <a:endParaRPr b="0" lang="ko-KR" sz="2600" spc="-1" strike="noStrike">
-              <a:solidFill>
-                <a:srgbClr val="000000"/>
-              </a:solidFill>
-              <a:latin typeface="Constantia"/>
-            </a:endParaRPr>
-          </a:p>
-        </p:txBody>
-      </p:sp>
-      <p:sp>
-        <p:nvSpPr>
-          <p:cNvPr id="15" name="PlaceHolder 3"/>
+            <a:endParaRPr b="0" lang="pt-BR" sz="3200" spc="-1" strike="noStrike">
+              <a:latin typeface="Arial"/>
+            </a:endParaRPr>
+          </a:p>
+        </p:txBody>
+      </p:sp>
+      <p:sp>
+        <p:nvSpPr>
+          <p:cNvPr id="12" name="PlaceHolder 3"/>
           <p:cNvSpPr>
             <a:spLocks noGrp="1"/>
           </p:cNvSpPr>
@@ -2282,8 +2174,8 @@
         </p:nvSpPr>
         <p:spPr>
           <a:xfrm>
-            <a:off x="4674240" y="1935360"/>
-            <a:ext cx="4015800" cy="4388760"/>
+            <a:off x="4674240" y="1604520"/>
+            <a:ext cx="4015800" cy="3977280"/>
           </a:xfrm>
           <a:prstGeom prst="rect">
             <a:avLst/>
@@ -2294,11 +2186,8 @@
             <a:normAutofit/>
           </a:bodyPr>
           <a:p>
-            <a:endParaRPr b="0" lang="ko-KR" sz="2600" spc="-1" strike="noStrike">
-              <a:solidFill>
-                <a:srgbClr val="000000"/>
-              </a:solidFill>
-              <a:latin typeface="Constantia"/>
+            <a:endParaRPr b="0" lang="pt-BR" sz="3200" spc="-1" strike="noStrike">
+              <a:latin typeface="Arial"/>
             </a:endParaRPr>
           </a:p>
         </p:txBody>
@@ -2327,7 +2216,7 @@
       </p:grpSpPr>
       <p:sp>
         <p:nvSpPr>
-          <p:cNvPr id="16" name="PlaceHolder 1"/>
+          <p:cNvPr id="13" name="PlaceHolder 1"/>
           <p:cNvSpPr>
             <a:spLocks noGrp="1"/>
           </p:cNvSpPr>
@@ -2337,21 +2226,21 @@
         </p:nvSpPr>
         <p:spPr>
           <a:xfrm>
-            <a:off x="457200" y="704160"/>
-            <a:ext cx="8229240" cy="1142640"/>
-          </a:xfrm>
-          <a:prstGeom prst="rect">
-            <a:avLst/>
-          </a:prstGeom>
-        </p:spPr>
-        <p:txBody>
-          <a:bodyPr lIns="0" rIns="0" tIns="0" bIns="0" anchor="ctr"/>
-          <a:p>
-            <a:endParaRPr b="0" lang="ko-KR" sz="1800" spc="-1" strike="noStrike">
-              <a:solidFill>
-                <a:srgbClr val="000000"/>
-              </a:solidFill>
-              <a:latin typeface="Constantia"/>
+            <a:off x="457200" y="273600"/>
+            <a:ext cx="8229240" cy="1144800"/>
+          </a:xfrm>
+          <a:prstGeom prst="rect">
+            <a:avLst/>
+          </a:prstGeom>
+        </p:spPr>
+        <p:txBody>
+          <a:bodyPr lIns="0" rIns="0" tIns="0" bIns="0" anchor="ctr">
+            <a:noAutofit/>
+          </a:bodyPr>
+          <a:p>
+            <a:pPr algn="ctr"/>
+            <a:endParaRPr b="0" lang="pt-BR" sz="4400" spc="-1" strike="noStrike">
+              <a:latin typeface="Arial"/>
             </a:endParaRPr>
           </a:p>
         </p:txBody>
@@ -2380,7 +2269,7 @@
       </p:grpSpPr>
       <p:sp>
         <p:nvSpPr>
-          <p:cNvPr id="17" name="PlaceHolder 1"/>
+          <p:cNvPr id="14" name="PlaceHolder 1"/>
           <p:cNvSpPr>
             <a:spLocks noGrp="1"/>
           </p:cNvSpPr>
@@ -2390,15 +2279,17 @@
         </p:nvSpPr>
         <p:spPr>
           <a:xfrm>
-            <a:off x="457200" y="704160"/>
-            <a:ext cx="8229240" cy="5297760"/>
-          </a:xfrm>
-          <a:prstGeom prst="rect">
-            <a:avLst/>
-          </a:prstGeom>
-        </p:spPr>
-        <p:txBody>
-          <a:bodyPr lIns="0" rIns="0" tIns="0" bIns="0" anchor="ctr"/>
+            <a:off x="457200" y="273600"/>
+            <a:ext cx="8229240" cy="5307840"/>
+          </a:xfrm>
+          <a:prstGeom prst="rect">
+            <a:avLst/>
+          </a:prstGeom>
+        </p:spPr>
+        <p:txBody>
+          <a:bodyPr lIns="0" rIns="0" tIns="0" bIns="0" anchor="ctr">
+            <a:noAutofit/>
+          </a:bodyPr>
           <a:p>
             <a:pPr algn="ctr"/>
             <a:endParaRPr b="0" lang="pt-BR" sz="3200" spc="-1" strike="noStrike">
@@ -2431,7 +2322,7 @@
       </p:grpSpPr>
       <p:sp>
         <p:nvSpPr>
-          <p:cNvPr id="18" name="PlaceHolder 1"/>
+          <p:cNvPr id="15" name="PlaceHolder 1"/>
           <p:cNvSpPr>
             <a:spLocks noGrp="1"/>
           </p:cNvSpPr>
@@ -2441,28 +2332,28 @@
         </p:nvSpPr>
         <p:spPr>
           <a:xfrm>
-            <a:off x="457200" y="704160"/>
-            <a:ext cx="8229240" cy="1142640"/>
-          </a:xfrm>
-          <a:prstGeom prst="rect">
-            <a:avLst/>
-          </a:prstGeom>
-        </p:spPr>
-        <p:txBody>
-          <a:bodyPr lIns="0" rIns="0" tIns="0" bIns="0" anchor="ctr"/>
-          <a:p>
-            <a:endParaRPr b="0" lang="ko-KR" sz="1800" spc="-1" strike="noStrike">
-              <a:solidFill>
-                <a:srgbClr val="000000"/>
-              </a:solidFill>
-              <a:latin typeface="Constantia"/>
-            </a:endParaRPr>
-          </a:p>
-        </p:txBody>
-      </p:sp>
-      <p:sp>
-        <p:nvSpPr>
-          <p:cNvPr id="19" name="PlaceHolder 2"/>
+            <a:off x="457200" y="273600"/>
+            <a:ext cx="8229240" cy="1144800"/>
+          </a:xfrm>
+          <a:prstGeom prst="rect">
+            <a:avLst/>
+          </a:prstGeom>
+        </p:spPr>
+        <p:txBody>
+          <a:bodyPr lIns="0" rIns="0" tIns="0" bIns="0" anchor="ctr">
+            <a:noAutofit/>
+          </a:bodyPr>
+          <a:p>
+            <a:pPr algn="ctr"/>
+            <a:endParaRPr b="0" lang="pt-BR" sz="4400" spc="-1" strike="noStrike">
+              <a:latin typeface="Arial"/>
+            </a:endParaRPr>
+          </a:p>
+        </p:txBody>
+      </p:sp>
+      <p:sp>
+        <p:nvSpPr>
+          <p:cNvPr id="16" name="PlaceHolder 2"/>
           <p:cNvSpPr>
             <a:spLocks noGrp="1"/>
           </p:cNvSpPr>
@@ -2472,8 +2363,8 @@
         </p:nvSpPr>
         <p:spPr>
           <a:xfrm>
-            <a:off x="457200" y="1935360"/>
-            <a:ext cx="4015800" cy="2093400"/>
+            <a:off x="457200" y="1604520"/>
+            <a:ext cx="4015800" cy="1896840"/>
           </a:xfrm>
           <a:prstGeom prst="rect">
             <a:avLst/>
@@ -2484,18 +2375,15 @@
             <a:normAutofit/>
           </a:bodyPr>
           <a:p>
-            <a:endParaRPr b="0" lang="ko-KR" sz="2600" spc="-1" strike="noStrike">
-              <a:solidFill>
-                <a:srgbClr val="000000"/>
-              </a:solidFill>
-              <a:latin typeface="Constantia"/>
-            </a:endParaRPr>
-          </a:p>
-        </p:txBody>
-      </p:sp>
-      <p:sp>
-        <p:nvSpPr>
-          <p:cNvPr id="20" name="PlaceHolder 3"/>
+            <a:endParaRPr b="0" lang="pt-BR" sz="3200" spc="-1" strike="noStrike">
+              <a:latin typeface="Arial"/>
+            </a:endParaRPr>
+          </a:p>
+        </p:txBody>
+      </p:sp>
+      <p:sp>
+        <p:nvSpPr>
+          <p:cNvPr id="17" name="PlaceHolder 3"/>
           <p:cNvSpPr>
             <a:spLocks noGrp="1"/>
           </p:cNvSpPr>
@@ -2505,8 +2393,8 @@
         </p:nvSpPr>
         <p:spPr>
           <a:xfrm>
-            <a:off x="457200" y="4228200"/>
-            <a:ext cx="4015800" cy="2093400"/>
+            <a:off x="4674240" y="1604520"/>
+            <a:ext cx="4015800" cy="3977280"/>
           </a:xfrm>
           <a:prstGeom prst="rect">
             <a:avLst/>
@@ -2517,18 +2405,15 @@
             <a:normAutofit/>
           </a:bodyPr>
           <a:p>
-            <a:endParaRPr b="0" lang="ko-KR" sz="2600" spc="-1" strike="noStrike">
-              <a:solidFill>
-                <a:srgbClr val="000000"/>
-              </a:solidFill>
-              <a:latin typeface="Constantia"/>
-            </a:endParaRPr>
-          </a:p>
-        </p:txBody>
-      </p:sp>
-      <p:sp>
-        <p:nvSpPr>
-          <p:cNvPr id="21" name="PlaceHolder 4"/>
+            <a:endParaRPr b="0" lang="pt-BR" sz="3200" spc="-1" strike="noStrike">
+              <a:latin typeface="Arial"/>
+            </a:endParaRPr>
+          </a:p>
+        </p:txBody>
+      </p:sp>
+      <p:sp>
+        <p:nvSpPr>
+          <p:cNvPr id="18" name="PlaceHolder 4"/>
           <p:cNvSpPr>
             <a:spLocks noGrp="1"/>
           </p:cNvSpPr>
@@ -2538,8 +2423,8 @@
         </p:nvSpPr>
         <p:spPr>
           <a:xfrm>
-            <a:off x="4674240" y="1935360"/>
-            <a:ext cx="4015800" cy="4388760"/>
+            <a:off x="457200" y="3682080"/>
+            <a:ext cx="4015800" cy="1896840"/>
           </a:xfrm>
           <a:prstGeom prst="rect">
             <a:avLst/>
@@ -2550,11 +2435,8 @@
             <a:normAutofit/>
           </a:bodyPr>
           <a:p>
-            <a:endParaRPr b="0" lang="ko-KR" sz="2600" spc="-1" strike="noStrike">
-              <a:solidFill>
-                <a:srgbClr val="000000"/>
-              </a:solidFill>
-              <a:latin typeface="Constantia"/>
+            <a:endParaRPr b="0" lang="pt-BR" sz="3200" spc="-1" strike="noStrike">
+              <a:latin typeface="Arial"/>
             </a:endParaRPr>
           </a:p>
         </p:txBody>
@@ -2583,7 +2465,7 @@
       </p:grpSpPr>
       <p:sp>
         <p:nvSpPr>
-          <p:cNvPr id="22" name="PlaceHolder 1"/>
+          <p:cNvPr id="19" name="PlaceHolder 1"/>
           <p:cNvSpPr>
             <a:spLocks noGrp="1"/>
           </p:cNvSpPr>
@@ -2593,28 +2475,28 @@
         </p:nvSpPr>
         <p:spPr>
           <a:xfrm>
-            <a:off x="457200" y="704160"/>
-            <a:ext cx="8229240" cy="1142640"/>
-          </a:xfrm>
-          <a:prstGeom prst="rect">
-            <a:avLst/>
-          </a:prstGeom>
-        </p:spPr>
-        <p:txBody>
-          <a:bodyPr lIns="0" rIns="0" tIns="0" bIns="0" anchor="ctr"/>
-          <a:p>
-            <a:endParaRPr b="0" lang="ko-KR" sz="1800" spc="-1" strike="noStrike">
-              <a:solidFill>
-                <a:srgbClr val="000000"/>
-              </a:solidFill>
-              <a:latin typeface="Constantia"/>
-            </a:endParaRPr>
-          </a:p>
-        </p:txBody>
-      </p:sp>
-      <p:sp>
-        <p:nvSpPr>
-          <p:cNvPr id="23" name="PlaceHolder 2"/>
+            <a:off x="457200" y="273600"/>
+            <a:ext cx="8229240" cy="1144800"/>
+          </a:xfrm>
+          <a:prstGeom prst="rect">
+            <a:avLst/>
+          </a:prstGeom>
+        </p:spPr>
+        <p:txBody>
+          <a:bodyPr lIns="0" rIns="0" tIns="0" bIns="0" anchor="ctr">
+            <a:noAutofit/>
+          </a:bodyPr>
+          <a:p>
+            <a:pPr algn="ctr"/>
+            <a:endParaRPr b="0" lang="pt-BR" sz="4400" spc="-1" strike="noStrike">
+              <a:latin typeface="Arial"/>
+            </a:endParaRPr>
+          </a:p>
+        </p:txBody>
+      </p:sp>
+      <p:sp>
+        <p:nvSpPr>
+          <p:cNvPr id="20" name="PlaceHolder 2"/>
           <p:cNvSpPr>
             <a:spLocks noGrp="1"/>
           </p:cNvSpPr>
@@ -2624,8 +2506,8 @@
         </p:nvSpPr>
         <p:spPr>
           <a:xfrm>
-            <a:off x="457200" y="1935360"/>
-            <a:ext cx="4015800" cy="4388760"/>
+            <a:off x="457200" y="1604520"/>
+            <a:ext cx="4015800" cy="3977280"/>
           </a:xfrm>
           <a:prstGeom prst="rect">
             <a:avLst/>
@@ -2636,18 +2518,15 @@
             <a:normAutofit/>
           </a:bodyPr>
           <a:p>
-            <a:endParaRPr b="0" lang="ko-KR" sz="2600" spc="-1" strike="noStrike">
-              <a:solidFill>
-                <a:srgbClr val="000000"/>
-              </a:solidFill>
-              <a:latin typeface="Constantia"/>
-            </a:endParaRPr>
-          </a:p>
-        </p:txBody>
-      </p:sp>
-      <p:sp>
-        <p:nvSpPr>
-          <p:cNvPr id="24" name="PlaceHolder 3"/>
+            <a:endParaRPr b="0" lang="pt-BR" sz="3200" spc="-1" strike="noStrike">
+              <a:latin typeface="Arial"/>
+            </a:endParaRPr>
+          </a:p>
+        </p:txBody>
+      </p:sp>
+      <p:sp>
+        <p:nvSpPr>
+          <p:cNvPr id="21" name="PlaceHolder 3"/>
           <p:cNvSpPr>
             <a:spLocks noGrp="1"/>
           </p:cNvSpPr>
@@ -2657,8 +2536,8 @@
         </p:nvSpPr>
         <p:spPr>
           <a:xfrm>
-            <a:off x="4674240" y="1935360"/>
-            <a:ext cx="4015800" cy="2093400"/>
+            <a:off x="4674240" y="1604520"/>
+            <a:ext cx="4015800" cy="1896840"/>
           </a:xfrm>
           <a:prstGeom prst="rect">
             <a:avLst/>
@@ -2669,18 +2548,15 @@
             <a:normAutofit/>
           </a:bodyPr>
           <a:p>
-            <a:endParaRPr b="0" lang="ko-KR" sz="2600" spc="-1" strike="noStrike">
-              <a:solidFill>
-                <a:srgbClr val="000000"/>
-              </a:solidFill>
-              <a:latin typeface="Constantia"/>
-            </a:endParaRPr>
-          </a:p>
-        </p:txBody>
-      </p:sp>
-      <p:sp>
-        <p:nvSpPr>
-          <p:cNvPr id="25" name="PlaceHolder 4"/>
+            <a:endParaRPr b="0" lang="pt-BR" sz="3200" spc="-1" strike="noStrike">
+              <a:latin typeface="Arial"/>
+            </a:endParaRPr>
+          </a:p>
+        </p:txBody>
+      </p:sp>
+      <p:sp>
+        <p:nvSpPr>
+          <p:cNvPr id="22" name="PlaceHolder 4"/>
           <p:cNvSpPr>
             <a:spLocks noGrp="1"/>
           </p:cNvSpPr>
@@ -2690,8 +2566,8 @@
         </p:nvSpPr>
         <p:spPr>
           <a:xfrm>
-            <a:off x="4674240" y="4228200"/>
-            <a:ext cx="4015800" cy="2093400"/>
+            <a:off x="4674240" y="3682080"/>
+            <a:ext cx="4015800" cy="1896840"/>
           </a:xfrm>
           <a:prstGeom prst="rect">
             <a:avLst/>
@@ -2702,11 +2578,8 @@
             <a:normAutofit/>
           </a:bodyPr>
           <a:p>
-            <a:endParaRPr b="0" lang="ko-KR" sz="2600" spc="-1" strike="noStrike">
-              <a:solidFill>
-                <a:srgbClr val="000000"/>
-              </a:solidFill>
-              <a:latin typeface="Constantia"/>
+            <a:endParaRPr b="0" lang="pt-BR" sz="3200" spc="-1" strike="noStrike">
+              <a:latin typeface="Arial"/>
             </a:endParaRPr>
           </a:p>
         </p:txBody>
@@ -2735,7 +2608,7 @@
       </p:grpSpPr>
       <p:sp>
         <p:nvSpPr>
-          <p:cNvPr id="26" name="PlaceHolder 1"/>
+          <p:cNvPr id="23" name="PlaceHolder 1"/>
           <p:cNvSpPr>
             <a:spLocks noGrp="1"/>
           </p:cNvSpPr>
@@ -2745,28 +2618,28 @@
         </p:nvSpPr>
         <p:spPr>
           <a:xfrm>
-            <a:off x="457200" y="704160"/>
-            <a:ext cx="8229240" cy="1142640"/>
-          </a:xfrm>
-          <a:prstGeom prst="rect">
-            <a:avLst/>
-          </a:prstGeom>
-        </p:spPr>
-        <p:txBody>
-          <a:bodyPr lIns="0" rIns="0" tIns="0" bIns="0" anchor="ctr"/>
-          <a:p>
-            <a:endParaRPr b="0" lang="ko-KR" sz="1800" spc="-1" strike="noStrike">
-              <a:solidFill>
-                <a:srgbClr val="000000"/>
-              </a:solidFill>
-              <a:latin typeface="Constantia"/>
-            </a:endParaRPr>
-          </a:p>
-        </p:txBody>
-      </p:sp>
-      <p:sp>
-        <p:nvSpPr>
-          <p:cNvPr id="27" name="PlaceHolder 2"/>
+            <a:off x="457200" y="273600"/>
+            <a:ext cx="8229240" cy="1144800"/>
+          </a:xfrm>
+          <a:prstGeom prst="rect">
+            <a:avLst/>
+          </a:prstGeom>
+        </p:spPr>
+        <p:txBody>
+          <a:bodyPr lIns="0" rIns="0" tIns="0" bIns="0" anchor="ctr">
+            <a:noAutofit/>
+          </a:bodyPr>
+          <a:p>
+            <a:pPr algn="ctr"/>
+            <a:endParaRPr b="0" lang="pt-BR" sz="4400" spc="-1" strike="noStrike">
+              <a:latin typeface="Arial"/>
+            </a:endParaRPr>
+          </a:p>
+        </p:txBody>
+      </p:sp>
+      <p:sp>
+        <p:nvSpPr>
+          <p:cNvPr id="24" name="PlaceHolder 2"/>
           <p:cNvSpPr>
             <a:spLocks noGrp="1"/>
           </p:cNvSpPr>
@@ -2776,8 +2649,8 @@
         </p:nvSpPr>
         <p:spPr>
           <a:xfrm>
-            <a:off x="457200" y="1935360"/>
-            <a:ext cx="4015800" cy="2093400"/>
+            <a:off x="457200" y="1604520"/>
+            <a:ext cx="4015800" cy="1896840"/>
           </a:xfrm>
           <a:prstGeom prst="rect">
             <a:avLst/>
@@ -2788,18 +2661,15 @@
             <a:normAutofit/>
           </a:bodyPr>
           <a:p>
-            <a:endParaRPr b="0" lang="ko-KR" sz="2600" spc="-1" strike="noStrike">
-              <a:solidFill>
-                <a:srgbClr val="000000"/>
-              </a:solidFill>
-              <a:latin typeface="Constantia"/>
-            </a:endParaRPr>
-          </a:p>
-        </p:txBody>
-      </p:sp>
-      <p:sp>
-        <p:nvSpPr>
-          <p:cNvPr id="28" name="PlaceHolder 3"/>
+            <a:endParaRPr b="0" lang="pt-BR" sz="3200" spc="-1" strike="noStrike">
+              <a:latin typeface="Arial"/>
+            </a:endParaRPr>
+          </a:p>
+        </p:txBody>
+      </p:sp>
+      <p:sp>
+        <p:nvSpPr>
+          <p:cNvPr id="25" name="PlaceHolder 3"/>
           <p:cNvSpPr>
             <a:spLocks noGrp="1"/>
           </p:cNvSpPr>
@@ -2809,8 +2679,8 @@
         </p:nvSpPr>
         <p:spPr>
           <a:xfrm>
-            <a:off x="4674240" y="1935360"/>
-            <a:ext cx="4015800" cy="2093400"/>
+            <a:off x="4674240" y="1604520"/>
+            <a:ext cx="4015800" cy="1896840"/>
           </a:xfrm>
           <a:prstGeom prst="rect">
             <a:avLst/>
@@ -2821,18 +2691,15 @@
             <a:normAutofit/>
           </a:bodyPr>
           <a:p>
-            <a:endParaRPr b="0" lang="ko-KR" sz="2600" spc="-1" strike="noStrike">
-              <a:solidFill>
-                <a:srgbClr val="000000"/>
-              </a:solidFill>
-              <a:latin typeface="Constantia"/>
-            </a:endParaRPr>
-          </a:p>
-        </p:txBody>
-      </p:sp>
-      <p:sp>
-        <p:nvSpPr>
-          <p:cNvPr id="29" name="PlaceHolder 4"/>
+            <a:endParaRPr b="0" lang="pt-BR" sz="3200" spc="-1" strike="noStrike">
+              <a:latin typeface="Arial"/>
+            </a:endParaRPr>
+          </a:p>
+        </p:txBody>
+      </p:sp>
+      <p:sp>
+        <p:nvSpPr>
+          <p:cNvPr id="26" name="PlaceHolder 4"/>
           <p:cNvSpPr>
             <a:spLocks noGrp="1"/>
           </p:cNvSpPr>
@@ -2842,8 +2709,8 @@
         </p:nvSpPr>
         <p:spPr>
           <a:xfrm>
-            <a:off x="457200" y="4228200"/>
-            <a:ext cx="8229240" cy="2093400"/>
+            <a:off x="457200" y="3682080"/>
+            <a:ext cx="8229240" cy="1896840"/>
           </a:xfrm>
           <a:prstGeom prst="rect">
             <a:avLst/>
@@ -2854,11 +2721,8 @@
             <a:normAutofit/>
           </a:bodyPr>
           <a:p>
-            <a:endParaRPr b="0" lang="ko-KR" sz="2600" spc="-1" strike="noStrike">
-              <a:solidFill>
-                <a:srgbClr val="000000"/>
-              </a:solidFill>
-              <a:latin typeface="Constantia"/>
+            <a:endParaRPr b="0" lang="pt-BR" sz="3200" spc="-1" strike="noStrike">
+              <a:latin typeface="Arial"/>
             </a:endParaRPr>
           </a:p>
         </p:txBody>
@@ -2871,14 +2735,6 @@
 <file path=ppt/slideMasters/slideMaster1.xml><?xml version="1.0" encoding="utf-8"?>
 <p:sldMaster xmlns:a="http://schemas.openxmlformats.org/drawingml/2006/main" xmlns:p="http://schemas.openxmlformats.org/presentationml/2006/main" xmlns:r="http://schemas.openxmlformats.org/officeDocument/2006/relationships" xmlns:p14="http://schemas.microsoft.com/office/powerpoint/2010/main" xmlns:p15="http://schemas.microsoft.com/office/powerpoint/2012/main" xmlns:mc="http://schemas.openxmlformats.org/markup-compatibility/2006">
   <p:cSld>
-    <p:bg>
-      <p:bgPr>
-        <a:blipFill>
-          <a:blip r:embed="rId2"/>
-          <a:tile/>
-        </a:blipFill>
-      </p:bgPr>
-    </p:bg>
     <p:spTree>
       <p:nvGrpSpPr>
         <p:cNvPr id="1" name=""/>
@@ -2902,7 +2758,7 @@
         <p:spPr>
           <a:xfrm>
             <a:off x="-9360" y="-7200"/>
-            <a:ext cx="9162720" cy="1041120"/>
+            <a:ext cx="9162360" cy="1040760"/>
           </a:xfrm>
           <a:custGeom>
             <a:avLst/>
@@ -2952,21 +2808,17 @@
               </a:path>
             </a:pathLst>
           </a:custGeom>
-          <a:gradFill>
+          <a:gradFill rotWithShape="0">
             <a:gsLst>
               <a:gs pos="0">
-                <a:schemeClr val="accent2">
-                  <a:shade val="50000"/>
-                  <a:alpha val="45000"/>
-                  <a:satMod val="120000"/>
-                </a:schemeClr>
+                <a:srgbClr val="97332f">
+                  <a:alpha val="45098"/>
+                </a:srgbClr>
               </a:gs>
               <a:gs pos="100000">
-                <a:schemeClr val="accent3">
-                  <a:shade val="80000"/>
-                  <a:alpha val="55000"/>
-                  <a:satMod val="155000"/>
-                </a:schemeClr>
+                <a:srgbClr val="95c138">
+                  <a:alpha val="55294"/>
+                </a:srgbClr>
               </a:gs>
             </a:gsLst>
             <a:lin ang="5400000"/>
@@ -2991,7 +2843,7 @@
         <p:spPr>
           <a:xfrm>
             <a:off x="4381560" y="-7200"/>
-            <a:ext cx="4762080" cy="637920"/>
+            <a:ext cx="4761720" cy="637560"/>
           </a:xfrm>
           <a:custGeom>
             <a:avLst/>
@@ -3023,24 +2875,20 @@
               </a:path>
             </a:pathLst>
           </a:custGeom>
-          <a:gradFill>
+          <a:gradFill rotWithShape="0">
             <a:gsLst>
-              <a:gs pos="0">
-                <a:schemeClr val="accent3">
-                  <a:shade val="50000"/>
-                  <a:alpha val="30000"/>
-                  <a:satMod val="130000"/>
-                </a:schemeClr>
+              <a:gs pos="20000">
+                <a:srgbClr val="bd332f">
+                  <a:alpha val="45098"/>
+                </a:srgbClr>
               </a:gs>
-              <a:gs pos="80000">
-                <a:schemeClr val="accent2">
-                  <a:shade val="75000"/>
-                  <a:alpha val="45000"/>
-                  <a:satMod val="140000"/>
-                </a:schemeClr>
+              <a:gs pos="100000">
+                <a:srgbClr val="769536">
+                  <a:alpha val="30196"/>
+                </a:srgbClr>
               </a:gs>
             </a:gsLst>
-            <a:lin ang="16200000"/>
+            <a:lin ang="5400000"/>
           </a:gradFill>
           <a:ln w="9360">
             <a:noFill/>
@@ -3061,8 +2909,8 @@
         </p:nvSpPr>
         <p:spPr>
           <a:xfrm rot="21435600">
-            <a:off x="-18720" y="201960"/>
-            <a:ext cx="9162720" cy="648720"/>
+            <a:off x="-18720" y="201600"/>
+            <a:ext cx="9162360" cy="648360"/>
           </a:xfrm>
           <a:custGeom>
             <a:avLst/>
@@ -3115,8 +2963,8 @@
         </p:nvSpPr>
         <p:spPr>
           <a:xfrm rot="21435600">
-            <a:off x="-14040" y="275400"/>
-            <a:ext cx="9175320" cy="529920"/>
+            <a:off x="-14040" y="275040"/>
+            <a:ext cx="9174960" cy="529560"/>
           </a:xfrm>
           <a:custGeom>
             <a:avLst/>
@@ -3174,34 +3022,43 @@
         <p:spPr>
           <a:xfrm>
             <a:off x="457200" y="704160"/>
-            <a:ext cx="8229240" cy="1142640"/>
-          </a:xfrm>
-          <a:prstGeom prst="rect">
-            <a:avLst/>
-          </a:prstGeom>
-        </p:spPr>
-        <p:txBody>
-          <a:bodyPr lIns="0" rIns="0" tIns="45000" bIns="0" anchor="b"/>
-          <a:p>
-            <a:pPr>
-              <a:lnSpc>
-                <a:spcPct val="100000"/>
-              </a:lnSpc>
-            </a:pPr>
+            <a:ext cx="8228880" cy="1142280"/>
+          </a:xfrm>
+          <a:prstGeom prst="rect">
+            <a:avLst/>
+          </a:prstGeom>
+        </p:spPr>
+        <p:txBody>
+          <a:bodyPr lIns="0" rIns="0" tIns="0" bIns="0" anchor="ctr">
+            <a:noAutofit/>
+          </a:bodyPr>
+          <a:p>
             <a:r>
-              <a:rPr b="0" lang="ko-KR" sz="4000" spc="-1" strike="noStrike">
-                <a:solidFill>
-                  <a:srgbClr val="04617b"/>
-                </a:solidFill>
-                <a:latin typeface="Calibri"/>
+              <a:rPr b="0" lang="pt-BR" sz="1800" spc="-1" strike="noStrike">
+                <a:latin typeface="Arial"/>
               </a:rPr>
-              <a:t>마스터 제목 스타일 편집</a:t>
+              <a:t>Click to </a:t>
             </a:r>
-            <a:endParaRPr b="0" lang="ko-KR" sz="4000" spc="-1" strike="noStrike">
-              <a:solidFill>
-                <a:srgbClr val="000000"/>
-              </a:solidFill>
-              <a:latin typeface="Constantia"/>
+            <a:r>
+              <a:rPr b="0" lang="pt-BR" sz="1800" spc="-1" strike="noStrike">
+                <a:latin typeface="Arial"/>
+              </a:rPr>
+              <a:t>edit the </a:t>
+            </a:r>
+            <a:r>
+              <a:rPr b="0" lang="pt-BR" sz="1800" spc="-1" strike="noStrike">
+                <a:latin typeface="Arial"/>
+              </a:rPr>
+              <a:t>title text </a:t>
+            </a:r>
+            <a:r>
+              <a:rPr b="0" lang="pt-BR" sz="1800" spc="-1" strike="noStrike">
+                <a:latin typeface="Arial"/>
+              </a:rPr>
+              <a:t>format</a:t>
+            </a:r>
+            <a:endParaRPr b="0" lang="pt-BR" sz="1800" spc="-1" strike="noStrike">
+              <a:latin typeface="Arial"/>
             </a:endParaRPr>
           </a:p>
         </p:txBody>
@@ -3218,280 +3075,169 @@
         </p:nvSpPr>
         <p:spPr>
           <a:xfrm>
-            <a:off x="457200" y="1935360"/>
-            <a:ext cx="8229240" cy="4388760"/>
-          </a:xfrm>
-          <a:prstGeom prst="rect">
-            <a:avLst/>
-          </a:prstGeom>
-        </p:spPr>
-        <p:txBody>
-          <a:bodyPr lIns="90000" rIns="90000" tIns="45000" bIns="45000"/>
-          <a:p>
-            <a:pPr marL="274320" indent="-273960">
-              <a:lnSpc>
-                <a:spcPct val="100000"/>
-              </a:lnSpc>
+            <a:off x="457200" y="1604520"/>
+            <a:ext cx="8229240" cy="3977280"/>
+          </a:xfrm>
+          <a:prstGeom prst="rect">
+            <a:avLst/>
+          </a:prstGeom>
+        </p:spPr>
+        <p:txBody>
+          <a:bodyPr lIns="0" rIns="0" tIns="0" bIns="0">
+            <a:normAutofit/>
+          </a:bodyPr>
+          <a:p>
+            <a:pPr marL="432000" indent="-324000">
               <a:spcBef>
-                <a:spcPts val="519"/>
+                <a:spcPts val="1417"/>
               </a:spcBef>
               <a:buClr>
-                <a:srgbClr val="0bd0d9"/>
+                <a:srgbClr val="000000"/>
               </a:buClr>
-              <a:buSzPct val="95000"/>
-              <a:buFont typeface="Wingdings 2" charset="2"/>
-              <a:buChar char=""/>
+              <a:buSzPct val="45000"/>
+              <a:buFont typeface="Wingdings" charset="2"/>
+              <a:buChar char=""/>
             </a:pPr>
             <a:r>
-              <a:rPr b="0" lang="ko-KR" sz="2600" spc="-1" strike="noStrike">
-                <a:solidFill>
-                  <a:srgbClr val="000000"/>
-                </a:solidFill>
-                <a:latin typeface="Constantia"/>
+              <a:rPr b="0" lang="pt-BR" sz="3200" spc="-1" strike="noStrike">
+                <a:latin typeface="Arial"/>
               </a:rPr>
-              <a:t>마스터 텍스트 스타일을 편집합니다</a:t>
+              <a:t>Click to edit the outline text format</a:t>
             </a:r>
-            <a:endParaRPr b="0" lang="ko-KR" sz="2600" spc="-1" strike="noStrike">
-              <a:solidFill>
-                <a:srgbClr val="000000"/>
-              </a:solidFill>
-              <a:latin typeface="Constantia"/>
-            </a:endParaRPr>
-          </a:p>
-          <a:p>
-            <a:pPr lvl="1" marL="640080" indent="-246600">
-              <a:lnSpc>
-                <a:spcPct val="100000"/>
-              </a:lnSpc>
+            <a:endParaRPr b="0" lang="pt-BR" sz="3200" spc="-1" strike="noStrike">
+              <a:latin typeface="Arial"/>
+            </a:endParaRPr>
+          </a:p>
+          <a:p>
+            <a:pPr lvl="1" marL="864000" indent="-324000">
               <a:spcBef>
-                <a:spcPts val="479"/>
+                <a:spcPts val="1134"/>
               </a:spcBef>
               <a:buClr>
-                <a:srgbClr val="0f6fc6"/>
+                <a:srgbClr val="000000"/>
               </a:buClr>
-              <a:buSzPct val="85000"/>
-              <a:buFont typeface="Wingdings 2" charset="2"/>
-              <a:buChar char=""/>
+              <a:buSzPct val="75000"/>
+              <a:buFont typeface="Symbol" charset="2"/>
+              <a:buChar char=""/>
             </a:pPr>
             <a:r>
-              <a:rPr b="0" lang="ko-KR" sz="2400" spc="-1" strike="noStrike">
-                <a:solidFill>
-                  <a:srgbClr val="000000"/>
-                </a:solidFill>
-                <a:latin typeface="Constantia"/>
+              <a:rPr b="0" lang="pt-BR" sz="2800" spc="-1" strike="noStrike">
+                <a:latin typeface="Arial"/>
               </a:rPr>
-              <a:t>둘째 수준</a:t>
+              <a:t>Second Outline Level</a:t>
             </a:r>
-            <a:endParaRPr b="0" lang="ko-KR" sz="2400" spc="-1" strike="noStrike">
-              <a:solidFill>
-                <a:srgbClr val="000000"/>
-              </a:solidFill>
-              <a:latin typeface="Constantia"/>
-            </a:endParaRPr>
-          </a:p>
-          <a:p>
-            <a:pPr lvl="2" marL="914400" indent="-246600">
-              <a:lnSpc>
-                <a:spcPct val="100000"/>
-              </a:lnSpc>
+            <a:endParaRPr b="0" lang="pt-BR" sz="2800" spc="-1" strike="noStrike">
+              <a:latin typeface="Arial"/>
+            </a:endParaRPr>
+          </a:p>
+          <a:p>
+            <a:pPr lvl="2" marL="1296000" indent="-288000">
               <a:spcBef>
-                <a:spcPts val="420"/>
+                <a:spcPts val="850"/>
               </a:spcBef>
               <a:buClr>
-                <a:srgbClr val="009dd9"/>
+                <a:srgbClr val="000000"/>
               </a:buClr>
-              <a:buSzPct val="70000"/>
-              <a:buFont typeface="Wingdings 2" charset="2"/>
-              <a:buChar char=""/>
+              <a:buSzPct val="45000"/>
+              <a:buFont typeface="Wingdings" charset="2"/>
+              <a:buChar char=""/>
             </a:pPr>
             <a:r>
-              <a:rPr b="0" lang="ko-KR" sz="2100" spc="-1" strike="noStrike">
-                <a:solidFill>
-                  <a:srgbClr val="000000"/>
-                </a:solidFill>
-                <a:latin typeface="Constantia"/>
+              <a:rPr b="0" lang="pt-BR" sz="2400" spc="-1" strike="noStrike">
+                <a:latin typeface="Arial"/>
               </a:rPr>
-              <a:t>셋째 수준</a:t>
+              <a:t>Third Outline Level</a:t>
             </a:r>
-            <a:endParaRPr b="0" lang="ko-KR" sz="2100" spc="-1" strike="noStrike">
-              <a:solidFill>
-                <a:srgbClr val="000000"/>
-              </a:solidFill>
-              <a:latin typeface="Constantia"/>
-            </a:endParaRPr>
-          </a:p>
-          <a:p>
-            <a:pPr lvl="3" marL="1188720" indent="-209880">
-              <a:lnSpc>
-                <a:spcPct val="100000"/>
-              </a:lnSpc>
+            <a:endParaRPr b="0" lang="pt-BR" sz="2400" spc="-1" strike="noStrike">
+              <a:latin typeface="Arial"/>
+            </a:endParaRPr>
+          </a:p>
+          <a:p>
+            <a:pPr lvl="3" marL="1728000" indent="-216000">
               <a:spcBef>
-                <a:spcPts val="360"/>
+                <a:spcPts val="567"/>
               </a:spcBef>
               <a:buClr>
-                <a:srgbClr val="0bd0d9"/>
+                <a:srgbClr val="000000"/>
               </a:buClr>
-              <a:buSzPct val="65000"/>
-              <a:buFont typeface="Wingdings 2" charset="2"/>
-              <a:buChar char=""/>
+              <a:buSzPct val="75000"/>
+              <a:buFont typeface="Symbol" charset="2"/>
+              <a:buChar char=""/>
             </a:pPr>
             <a:r>
-              <a:rPr b="0" lang="ko-KR" sz="1800" spc="-1" strike="noStrike">
-                <a:solidFill>
-                  <a:srgbClr val="000000"/>
-                </a:solidFill>
-                <a:latin typeface="Constantia"/>
+              <a:rPr b="0" lang="pt-BR" sz="2000" spc="-1" strike="noStrike">
+                <a:latin typeface="Arial"/>
               </a:rPr>
-              <a:t>넷째 수준</a:t>
+              <a:t>Fourth Outline Level</a:t>
             </a:r>
-            <a:endParaRPr b="0" lang="ko-KR" sz="1800" spc="-1" strike="noStrike">
-              <a:solidFill>
-                <a:srgbClr val="000000"/>
-              </a:solidFill>
-              <a:latin typeface="Constantia"/>
-            </a:endParaRPr>
-          </a:p>
-          <a:p>
-            <a:pPr lvl="4" marL="1463040" indent="-209880">
-              <a:lnSpc>
-                <a:spcPct val="100000"/>
-              </a:lnSpc>
+            <a:endParaRPr b="0" lang="pt-BR" sz="2000" spc="-1" strike="noStrike">
+              <a:latin typeface="Arial"/>
+            </a:endParaRPr>
+          </a:p>
+          <a:p>
+            <a:pPr lvl="4" marL="2160000" indent="-216000">
               <a:spcBef>
-                <a:spcPts val="320"/>
+                <a:spcPts val="283"/>
               </a:spcBef>
               <a:buClr>
-                <a:srgbClr val="10cf9b"/>
+                <a:srgbClr val="000000"/>
               </a:buClr>
-              <a:buSzPct val="65000"/>
-              <a:buFont typeface="Wingdings 2" charset="2"/>
-              <a:buChar char=""/>
+              <a:buSzPct val="45000"/>
+              <a:buFont typeface="Wingdings" charset="2"/>
+              <a:buChar char=""/>
             </a:pPr>
             <a:r>
-              <a:rPr b="0" lang="ko-KR" sz="1600" spc="-1" strike="noStrike">
-                <a:solidFill>
-                  <a:srgbClr val="000000"/>
-                </a:solidFill>
-                <a:latin typeface="Constantia"/>
+              <a:rPr b="0" lang="pt-BR" sz="2000" spc="-1" strike="noStrike">
+                <a:latin typeface="Arial"/>
               </a:rPr>
-              <a:t>다섯째 수준</a:t>
+              <a:t>Fifth Outline Level</a:t>
             </a:r>
-            <a:endParaRPr b="0" lang="ko-KR" sz="1600" spc="-1" strike="noStrike">
-              <a:solidFill>
+            <a:endParaRPr b="0" lang="pt-BR" sz="2000" spc="-1" strike="noStrike">
+              <a:latin typeface="Arial"/>
+            </a:endParaRPr>
+          </a:p>
+          <a:p>
+            <a:pPr lvl="5" marL="2592000" indent="-216000">
+              <a:spcBef>
+                <a:spcPts val="283"/>
+              </a:spcBef>
+              <a:buClr>
                 <a:srgbClr val="000000"/>
-              </a:solidFill>
-              <a:latin typeface="Constantia"/>
-            </a:endParaRPr>
-          </a:p>
-        </p:txBody>
-      </p:sp>
-      <p:sp>
-        <p:nvSpPr>
-          <p:cNvPr id="6" name="PlaceHolder 7"/>
-          <p:cNvSpPr>
-            <a:spLocks noGrp="1"/>
-          </p:cNvSpPr>
-          <p:nvPr>
-            <p:ph type="dt"/>
-          </p:nvPr>
-        </p:nvSpPr>
-        <p:spPr>
-          <a:xfrm>
-            <a:off x="457200" y="6356520"/>
-            <a:ext cx="2133360" cy="364680"/>
-          </a:xfrm>
-          <a:prstGeom prst="rect">
-            <a:avLst/>
-          </a:prstGeom>
-        </p:spPr>
-        <p:txBody>
-          <a:bodyPr lIns="0" rIns="0" tIns="0" bIns="0" anchor="b"/>
-          <a:p>
-            <a:pPr>
-              <a:lnSpc>
-                <a:spcPct val="100000"/>
-              </a:lnSpc>
+              </a:buClr>
+              <a:buSzPct val="45000"/>
+              <a:buFont typeface="Wingdings" charset="2"/>
+              <a:buChar char=""/>
             </a:pPr>
-            <a:fld id="{D72AC35B-ADAF-442D-AB68-49B82D32CC1D}" type="datetime">
-              <a:rPr b="0" lang="pt-BR" sz="1200" spc="-1" strike="noStrike">
-                <a:solidFill>
-                  <a:srgbClr val="035c75"/>
-                </a:solidFill>
-                <a:latin typeface="Constantia"/>
+            <a:r>
+              <a:rPr b="0" lang="pt-BR" sz="2000" spc="-1" strike="noStrike">
+                <a:latin typeface="Arial"/>
               </a:rPr>
-              <a:t>23/01/18</a:t>
-            </a:fld>
-            <a:endParaRPr b="0" lang="pt-BR" sz="1200" spc="-1" strike="noStrike">
-              <a:latin typeface="Times New Roman"/>
-            </a:endParaRPr>
-          </a:p>
-        </p:txBody>
-      </p:sp>
-      <p:sp>
-        <p:nvSpPr>
-          <p:cNvPr id="7" name="PlaceHolder 8"/>
-          <p:cNvSpPr>
-            <a:spLocks noGrp="1"/>
-          </p:cNvSpPr>
-          <p:nvPr>
-            <p:ph type="ftr"/>
-          </p:nvPr>
-        </p:nvSpPr>
-        <p:spPr>
-          <a:xfrm>
-            <a:off x="2666880" y="6356520"/>
-            <a:ext cx="3352320" cy="364680"/>
-          </a:xfrm>
-          <a:prstGeom prst="rect">
-            <a:avLst/>
-          </a:prstGeom>
-        </p:spPr>
-        <p:txBody>
-          <a:bodyPr lIns="0" rIns="0" tIns="0" bIns="0" anchor="b"/>
-          <a:p>
-            <a:endParaRPr b="0" lang="pt-BR" sz="2400" spc="-1" strike="noStrike">
-              <a:latin typeface="Times New Roman"/>
-            </a:endParaRPr>
-          </a:p>
-        </p:txBody>
-      </p:sp>
-      <p:sp>
-        <p:nvSpPr>
-          <p:cNvPr id="8" name="PlaceHolder 9"/>
-          <p:cNvSpPr>
-            <a:spLocks noGrp="1"/>
-          </p:cNvSpPr>
-          <p:nvPr>
-            <p:ph type="sldNum"/>
-          </p:nvPr>
-        </p:nvSpPr>
-        <p:spPr>
-          <a:xfrm>
-            <a:off x="7924680" y="6356520"/>
-            <a:ext cx="761760" cy="364680"/>
-          </a:xfrm>
-          <a:prstGeom prst="rect">
-            <a:avLst/>
-          </a:prstGeom>
-        </p:spPr>
-        <p:txBody>
-          <a:bodyPr lIns="0" rIns="0" tIns="0" bIns="0" anchor="b"/>
-          <a:p>
-            <a:pPr algn="r">
-              <a:lnSpc>
-                <a:spcPct val="100000"/>
-              </a:lnSpc>
+              <a:t>Sixth Outline Level</a:t>
+            </a:r>
+            <a:endParaRPr b="0" lang="pt-BR" sz="2000" spc="-1" strike="noStrike">
+              <a:latin typeface="Arial"/>
+            </a:endParaRPr>
+          </a:p>
+          <a:p>
+            <a:pPr lvl="6" marL="3024000" indent="-216000">
+              <a:spcBef>
+                <a:spcPts val="283"/>
+              </a:spcBef>
+              <a:buClr>
+                <a:srgbClr val="000000"/>
+              </a:buClr>
+              <a:buSzPct val="45000"/>
+              <a:buFont typeface="Wingdings" charset="2"/>
+              <a:buChar char=""/>
             </a:pPr>
-            <a:fld id="{74459465-B4B9-45A7-AB71-C88FCD30464B}" type="slidenum">
-              <a:rPr b="0" lang="pt-BR" sz="1200" spc="-1" strike="noStrike">
-                <a:solidFill>
-                  <a:srgbClr val="035c75"/>
-                </a:solidFill>
-                <a:latin typeface="Constantia"/>
+            <a:r>
+              <a:rPr b="0" lang="pt-BR" sz="2000" spc="-1" strike="noStrike">
+                <a:latin typeface="Arial"/>
               </a:rPr>
-              <a:t>1</a:t>
-            </a:fld>
-            <a:endParaRPr b="0" lang="pt-BR" sz="1200" spc="-1" strike="noStrike">
-              <a:latin typeface="Times New Roman"/>
+              <a:t>Seventh Outline Level</a:t>
+            </a:r>
+            <a:endParaRPr b="0" lang="pt-BR" sz="2000" spc="-1" strike="noStrike">
+              <a:latin typeface="Arial"/>
             </a:endParaRPr>
           </a:p>
         </p:txBody>
@@ -3500,18 +3246,18 @@
   </p:cSld>
   <p:clrMap bg1="lt1" bg2="lt2" tx1="dk1" tx2="dk2" accent1="accent1" accent2="accent2" accent3="accent3" accent4="accent4" accent5="accent5" accent6="accent6" hlink="hlink" folHlink="folHlink"/>
   <p:sldLayoutIdLst>
-    <p:sldLayoutId id="2147483649" r:id="rId3"/>
-    <p:sldLayoutId id="2147483650" r:id="rId4"/>
-    <p:sldLayoutId id="2147483651" r:id="rId5"/>
-    <p:sldLayoutId id="2147483652" r:id="rId6"/>
-    <p:sldLayoutId id="2147483653" r:id="rId7"/>
-    <p:sldLayoutId id="2147483654" r:id="rId8"/>
-    <p:sldLayoutId id="2147483655" r:id="rId9"/>
-    <p:sldLayoutId id="2147483656" r:id="rId10"/>
-    <p:sldLayoutId id="2147483657" r:id="rId11"/>
-    <p:sldLayoutId id="2147483658" r:id="rId12"/>
-    <p:sldLayoutId id="2147483659" r:id="rId13"/>
-    <p:sldLayoutId id="2147483660" r:id="rId14"/>
+    <p:sldLayoutId id="2147483649" r:id="rId2"/>
+    <p:sldLayoutId id="2147483650" r:id="rId3"/>
+    <p:sldLayoutId id="2147483651" r:id="rId4"/>
+    <p:sldLayoutId id="2147483652" r:id="rId5"/>
+    <p:sldLayoutId id="2147483653" r:id="rId6"/>
+    <p:sldLayoutId id="2147483654" r:id="rId7"/>
+    <p:sldLayoutId id="2147483655" r:id="rId8"/>
+    <p:sldLayoutId id="2147483656" r:id="rId9"/>
+    <p:sldLayoutId id="2147483657" r:id="rId10"/>
+    <p:sldLayoutId id="2147483658" r:id="rId11"/>
+    <p:sldLayoutId id="2147483659" r:id="rId12"/>
+    <p:sldLayoutId id="2147483660" r:id="rId13"/>
   </p:sldLayoutIdLst>
 </p:sldMaster>
 </file>
@@ -3519,6 +3265,14 @@
 <file path=ppt/slideMasters/slideMaster2.xml><?xml version="1.0" encoding="utf-8"?>
 <p:sldMaster xmlns:a="http://schemas.openxmlformats.org/drawingml/2006/main" xmlns:p="http://schemas.openxmlformats.org/presentationml/2006/main" xmlns:r="http://schemas.openxmlformats.org/officeDocument/2006/relationships" xmlns:p14="http://schemas.microsoft.com/office/powerpoint/2010/main" xmlns:p15="http://schemas.microsoft.com/office/powerpoint/2012/main" xmlns:mc="http://schemas.openxmlformats.org/markup-compatibility/2006">
   <p:cSld>
+    <p:bg>
+      <p:bgPr>
+        <a:blipFill rotWithShape="0">
+          <a:blip r:embed="rId2"/>
+          <a:tile/>
+        </a:blipFill>
+      </p:bgPr>
+    </p:bg>
     <p:spTree>
       <p:nvGrpSpPr>
         <p:cNvPr id="1" name=""/>
@@ -3535,14 +3289,14 @@
       </p:grpSpPr>
       <p:sp>
         <p:nvSpPr>
-          <p:cNvPr id="45" name="CustomShape 1"/>
+          <p:cNvPr id="42" name="CustomShape 1"/>
           <p:cNvSpPr/>
           <p:nvPr/>
         </p:nvSpPr>
         <p:spPr>
           <a:xfrm>
             <a:off x="-9360" y="-7200"/>
-            <a:ext cx="9162720" cy="1041120"/>
+            <a:ext cx="9162360" cy="1040760"/>
           </a:xfrm>
           <a:custGeom>
             <a:avLst/>
@@ -3592,21 +3346,17 @@
               </a:path>
             </a:pathLst>
           </a:custGeom>
-          <a:gradFill>
+          <a:gradFill rotWithShape="0">
             <a:gsLst>
               <a:gs pos="0">
-                <a:schemeClr val="accent2">
-                  <a:shade val="50000"/>
-                  <a:alpha val="45000"/>
-                  <a:satMod val="120000"/>
-                </a:schemeClr>
+                <a:srgbClr val="97332f">
+                  <a:alpha val="45098"/>
+                </a:srgbClr>
               </a:gs>
               <a:gs pos="100000">
-                <a:schemeClr val="accent3">
-                  <a:shade val="80000"/>
-                  <a:alpha val="55000"/>
-                  <a:satMod val="155000"/>
-                </a:schemeClr>
+                <a:srgbClr val="95c138">
+                  <a:alpha val="55294"/>
+                </a:srgbClr>
               </a:gs>
             </a:gsLst>
             <a:lin ang="5400000"/>
@@ -3624,14 +3374,14 @@
       </p:sp>
       <p:sp>
         <p:nvSpPr>
-          <p:cNvPr id="46" name="CustomShape 2"/>
+          <p:cNvPr id="43" name="CustomShape 2"/>
           <p:cNvSpPr/>
           <p:nvPr/>
         </p:nvSpPr>
         <p:spPr>
           <a:xfrm>
             <a:off x="4381560" y="-7200"/>
-            <a:ext cx="4762080" cy="637920"/>
+            <a:ext cx="4761720" cy="637560"/>
           </a:xfrm>
           <a:custGeom>
             <a:avLst/>
@@ -3663,24 +3413,20 @@
               </a:path>
             </a:pathLst>
           </a:custGeom>
-          <a:gradFill>
+          <a:gradFill rotWithShape="0">
             <a:gsLst>
-              <a:gs pos="0">
-                <a:schemeClr val="accent3">
-                  <a:shade val="50000"/>
-                  <a:alpha val="30000"/>
-                  <a:satMod val="130000"/>
-                </a:schemeClr>
+              <a:gs pos="20000">
+                <a:srgbClr val="bd332f">
+                  <a:alpha val="45098"/>
+                </a:srgbClr>
               </a:gs>
-              <a:gs pos="80000">
-                <a:schemeClr val="accent2">
-                  <a:shade val="75000"/>
-                  <a:alpha val="45000"/>
-                  <a:satMod val="140000"/>
-                </a:schemeClr>
+              <a:gs pos="100000">
+                <a:srgbClr val="769536">
+                  <a:alpha val="30196"/>
+                </a:srgbClr>
               </a:gs>
             </a:gsLst>
-            <a:lin ang="16200000"/>
+            <a:lin ang="5400000"/>
           </a:gradFill>
           <a:ln w="9360">
             <a:noFill/>
@@ -3695,14 +3441,14 @@
       </p:sp>
       <p:sp>
         <p:nvSpPr>
-          <p:cNvPr id="47" name="CustomShape 3"/>
+          <p:cNvPr id="44" name="CustomShape 3"/>
           <p:cNvSpPr/>
           <p:nvPr/>
         </p:nvSpPr>
         <p:spPr>
           <a:xfrm rot="21435600">
-            <a:off x="-18720" y="201960"/>
-            <a:ext cx="9162720" cy="648720"/>
+            <a:off x="-18720" y="201600"/>
+            <a:ext cx="9162360" cy="648360"/>
           </a:xfrm>
           <a:custGeom>
             <a:avLst/>
@@ -3749,14 +3495,14 @@
       </p:sp>
       <p:sp>
         <p:nvSpPr>
-          <p:cNvPr id="48" name="CustomShape 4"/>
+          <p:cNvPr id="45" name="CustomShape 4"/>
           <p:cNvSpPr/>
           <p:nvPr/>
         </p:nvSpPr>
         <p:spPr>
           <a:xfrm rot="21435600">
-            <a:off x="-14040" y="275400"/>
-            <a:ext cx="9175320" cy="529920"/>
+            <a:off x="-14040" y="275040"/>
+            <a:ext cx="9174960" cy="529560"/>
           </a:xfrm>
           <a:custGeom>
             <a:avLst/>
@@ -3803,7 +3549,7 @@
       </p:sp>
       <p:sp>
         <p:nvSpPr>
-          <p:cNvPr id="49" name="PlaceHolder 5"/>
+          <p:cNvPr id="46" name="PlaceHolder 5"/>
           <p:cNvSpPr>
             <a:spLocks noGrp="1"/>
           </p:cNvSpPr>
@@ -3813,201 +3559,76 @@
         </p:nvSpPr>
         <p:spPr>
           <a:xfrm>
-            <a:off x="533520" y="1371600"/>
-            <a:ext cx="7851240" cy="1828440"/>
-          </a:xfrm>
-          <a:prstGeom prst="rect">
-            <a:avLst/>
-          </a:prstGeom>
-        </p:spPr>
-        <p:txBody>
-          <a:bodyPr lIns="0" rIns="18360" tIns="0" bIns="0" anchor="b">
-            <a:normAutofit/>
-          </a:bodyPr>
-          <a:p>
-            <a:pPr algn="r">
-              <a:lnSpc>
-                <a:spcPct val="100000"/>
-              </a:lnSpc>
-            </a:pPr>
+            <a:off x="457200" y="273600"/>
+            <a:ext cx="8229240" cy="1144800"/>
+          </a:xfrm>
+          <a:prstGeom prst="rect">
+            <a:avLst/>
+          </a:prstGeom>
+        </p:spPr>
+        <p:txBody>
+          <a:bodyPr lIns="0" rIns="0" tIns="0" bIns="0" anchor="ctr">
+            <a:noAutofit/>
+          </a:bodyPr>
+          <a:p>
+            <a:pPr algn="ctr"/>
             <a:r>
-              <a:rPr b="1" lang="ko-KR" sz="5600" spc="-1" strike="noStrike">
-                <a:solidFill>
-                  <a:srgbClr val="50e0ea"/>
-                </a:solidFill>
-                <a:latin typeface="Calibri"/>
+              <a:rPr b="0" lang="pt-BR" sz="4400" spc="-1" strike="noStrike">
+                <a:latin typeface="Arial"/>
               </a:rPr>
-              <a:t>마스</a:t>
+              <a:t>Clic</a:t>
             </a:r>
             <a:r>
-              <a:rPr b="1" lang="ko-KR" sz="5600" spc="-1" strike="noStrike">
-                <a:solidFill>
-                  <a:srgbClr val="50e0ea"/>
-                </a:solidFill>
-                <a:latin typeface="Calibri"/>
+              <a:rPr b="0" lang="pt-BR" sz="4400" spc="-1" strike="noStrike">
+                <a:latin typeface="Arial"/>
               </a:rPr>
-              <a:t>터 </a:t>
+              <a:t>k to </a:t>
             </a:r>
             <a:r>
-              <a:rPr b="1" lang="ko-KR" sz="5600" spc="-1" strike="noStrike">
-                <a:solidFill>
-                  <a:srgbClr val="50e0ea"/>
-                </a:solidFill>
-                <a:latin typeface="Calibri"/>
+              <a:rPr b="0" lang="pt-BR" sz="4400" spc="-1" strike="noStrike">
+                <a:latin typeface="Arial"/>
               </a:rPr>
-              <a:t>제목 </a:t>
+              <a:t>edit </a:t>
             </a:r>
             <a:r>
-              <a:rPr b="1" lang="ko-KR" sz="5600" spc="-1" strike="noStrike">
-                <a:solidFill>
-                  <a:srgbClr val="50e0ea"/>
-                </a:solidFill>
-                <a:latin typeface="Calibri"/>
+              <a:rPr b="0" lang="pt-BR" sz="4400" spc="-1" strike="noStrike">
+                <a:latin typeface="Arial"/>
               </a:rPr>
-              <a:t>스타</a:t>
+              <a:t>the </a:t>
             </a:r>
             <a:r>
-              <a:rPr b="1" lang="ko-KR" sz="5600" spc="-1" strike="noStrike">
-                <a:solidFill>
-                  <a:srgbClr val="50e0ea"/>
-                </a:solidFill>
-                <a:latin typeface="Calibri"/>
+              <a:rPr b="0" lang="pt-BR" sz="4400" spc="-1" strike="noStrike">
+                <a:latin typeface="Arial"/>
               </a:rPr>
-              <a:t>일 </a:t>
+              <a:t>title </a:t>
             </a:r>
             <a:r>
-              <a:rPr b="1" lang="ko-KR" sz="5600" spc="-1" strike="noStrike">
-                <a:solidFill>
-                  <a:srgbClr val="50e0ea"/>
-                </a:solidFill>
-                <a:latin typeface="Calibri"/>
+              <a:rPr b="0" lang="pt-BR" sz="4400" spc="-1" strike="noStrike">
+                <a:latin typeface="Arial"/>
               </a:rPr>
-              <a:t>편집</a:t>
+              <a:t>text </a:t>
             </a:r>
-            <a:endParaRPr b="0" lang="ko-KR" sz="5600" spc="-1" strike="noStrike">
-              <a:solidFill>
-                <a:srgbClr val="ffffff"/>
-              </a:solidFill>
-              <a:latin typeface="Constantia"/>
-            </a:endParaRPr>
-          </a:p>
-        </p:txBody>
-      </p:sp>
-      <p:sp>
-        <p:nvSpPr>
-          <p:cNvPr id="50" name="PlaceHolder 6"/>
-          <p:cNvSpPr>
-            <a:spLocks noGrp="1"/>
-          </p:cNvSpPr>
-          <p:nvPr>
-            <p:ph type="dt"/>
-          </p:nvPr>
-        </p:nvSpPr>
-        <p:spPr>
-          <a:xfrm>
-            <a:off x="457200" y="6356520"/>
-            <a:ext cx="2133360" cy="364680"/>
-          </a:xfrm>
-          <a:prstGeom prst="rect">
-            <a:avLst/>
-          </a:prstGeom>
-        </p:spPr>
-        <p:txBody>
-          <a:bodyPr lIns="0" rIns="0" tIns="0" bIns="0" anchor="b"/>
-          <a:p>
-            <a:pPr>
-              <a:lnSpc>
-                <a:spcPct val="100000"/>
-              </a:lnSpc>
-            </a:pPr>
-            <a:fld id="{F6597BD8-487E-4734-832F-251B1ADB1832}" type="datetime">
-              <a:rPr b="0" lang="pt-BR" sz="1200" spc="-1" strike="noStrike">
-                <a:solidFill>
-                  <a:srgbClr val="d1eaed"/>
-                </a:solidFill>
-                <a:latin typeface="Constantia"/>
+            <a:r>
+              <a:rPr b="0" lang="pt-BR" sz="4400" spc="-1" strike="noStrike">
+                <a:latin typeface="Arial"/>
               </a:rPr>
-              <a:t>23/01/18</a:t>
-            </a:fld>
-            <a:endParaRPr b="0" lang="pt-BR" sz="1200" spc="-1" strike="noStrike">
-              <a:latin typeface="Times New Roman"/>
-            </a:endParaRPr>
-          </a:p>
-        </p:txBody>
-      </p:sp>
-      <p:sp>
-        <p:nvSpPr>
-          <p:cNvPr id="51" name="PlaceHolder 7"/>
-          <p:cNvSpPr>
-            <a:spLocks noGrp="1"/>
-          </p:cNvSpPr>
-          <p:nvPr>
-            <p:ph type="ftr"/>
-          </p:nvPr>
-        </p:nvSpPr>
-        <p:spPr>
-          <a:xfrm>
-            <a:off x="2666880" y="6356520"/>
-            <a:ext cx="3352320" cy="364680"/>
-          </a:xfrm>
-          <a:prstGeom prst="rect">
-            <a:avLst/>
-          </a:prstGeom>
-        </p:spPr>
-        <p:txBody>
-          <a:bodyPr lIns="0" rIns="0" tIns="0" bIns="0" anchor="b"/>
-          <a:p>
-            <a:endParaRPr b="0" lang="pt-BR" sz="2400" spc="-1" strike="noStrike">
-              <a:latin typeface="Times New Roman"/>
-            </a:endParaRPr>
-          </a:p>
-        </p:txBody>
-      </p:sp>
-      <p:sp>
-        <p:nvSpPr>
-          <p:cNvPr id="52" name="PlaceHolder 8"/>
-          <p:cNvSpPr>
-            <a:spLocks noGrp="1"/>
-          </p:cNvSpPr>
-          <p:nvPr>
-            <p:ph type="sldNum"/>
-          </p:nvPr>
-        </p:nvSpPr>
-        <p:spPr>
-          <a:xfrm>
-            <a:off x="7924680" y="6356520"/>
-            <a:ext cx="761760" cy="364680"/>
-          </a:xfrm>
-          <a:prstGeom prst="rect">
-            <a:avLst/>
-          </a:prstGeom>
-        </p:spPr>
-        <p:txBody>
-          <a:bodyPr lIns="0" rIns="0" tIns="0" bIns="0" anchor="b"/>
-          <a:p>
-            <a:pPr algn="r">
-              <a:lnSpc>
-                <a:spcPct val="100000"/>
-              </a:lnSpc>
-            </a:pPr>
-            <a:fld id="{E15E4E18-7C54-4289-A463-C59508F40452}" type="slidenum">
-              <a:rPr b="0" lang="pt-BR" sz="1200" spc="-1" strike="noStrike">
-                <a:solidFill>
-                  <a:srgbClr val="d1eaed"/>
-                </a:solidFill>
-                <a:latin typeface="Constantia"/>
+              <a:t>for</a:t>
+            </a:r>
+            <a:r>
+              <a:rPr b="0" lang="pt-BR" sz="4400" spc="-1" strike="noStrike">
+                <a:latin typeface="Arial"/>
               </a:rPr>
-              <a:t>1</a:t>
-            </a:fld>
-            <a:endParaRPr b="0" lang="pt-BR" sz="1200" spc="-1" strike="noStrike">
-              <a:latin typeface="Times New Roman"/>
-            </a:endParaRPr>
-          </a:p>
-        </p:txBody>
-      </p:sp>
-      <p:sp>
-        <p:nvSpPr>
-          <p:cNvPr id="53" name="PlaceHolder 9"/>
+              <a:t>mat</a:t>
+            </a:r>
+            <a:endParaRPr b="0" lang="pt-BR" sz="4400" spc="-1" strike="noStrike">
+              <a:latin typeface="Arial"/>
+            </a:endParaRPr>
+          </a:p>
+        </p:txBody>
+      </p:sp>
+      <p:sp>
+        <p:nvSpPr>
+          <p:cNvPr id="47" name="PlaceHolder 6"/>
           <p:cNvSpPr>
             <a:spLocks noGrp="1"/>
           </p:cNvSpPr>
@@ -4041,19 +3662,13 @@
               <a:buChar char=""/>
             </a:pPr>
             <a:r>
-              <a:rPr b="0" lang="ko-KR" sz="2600" spc="-1" strike="noStrike">
-                <a:solidFill>
-                  <a:srgbClr val="ffffff"/>
-                </a:solidFill>
-                <a:latin typeface="Constantia"/>
+              <a:rPr b="0" lang="pt-BR" sz="3200" spc="-1" strike="noStrike">
+                <a:latin typeface="Arial"/>
               </a:rPr>
-              <a:t>Clique para editar o formato do texto da estrutura de tópicos</a:t>
+              <a:t>Click to edit the outline text format</a:t>
             </a:r>
-            <a:endParaRPr b="0" lang="ko-KR" sz="2600" spc="-1" strike="noStrike">
-              <a:solidFill>
-                <a:srgbClr val="ffffff"/>
-              </a:solidFill>
-              <a:latin typeface="Constantia"/>
+            <a:endParaRPr b="0" lang="pt-BR" sz="3200" spc="-1" strike="noStrike">
+              <a:latin typeface="Arial"/>
             </a:endParaRPr>
           </a:p>
           <a:p>
@@ -4069,19 +3684,13 @@
               <a:buChar char=""/>
             </a:pPr>
             <a:r>
-              <a:rPr b="0" lang="ko-KR" sz="2100" spc="-1" strike="noStrike">
-                <a:solidFill>
-                  <a:srgbClr val="ffffff"/>
-                </a:solidFill>
-                <a:latin typeface="Constantia"/>
+              <a:rPr b="0" lang="pt-BR" sz="2800" spc="-1" strike="noStrike">
+                <a:latin typeface="Arial"/>
               </a:rPr>
-              <a:t>2.º nível da estrutura de tópicos</a:t>
+              <a:t>Second Outline Level</a:t>
             </a:r>
-            <a:endParaRPr b="0" lang="ko-KR" sz="2100" spc="-1" strike="noStrike">
-              <a:solidFill>
-                <a:srgbClr val="ffffff"/>
-              </a:solidFill>
-              <a:latin typeface="Constantia"/>
+            <a:endParaRPr b="0" lang="pt-BR" sz="2800" spc="-1" strike="noStrike">
+              <a:latin typeface="Arial"/>
             </a:endParaRPr>
           </a:p>
           <a:p>
@@ -4097,19 +3706,13 @@
               <a:buChar char=""/>
             </a:pPr>
             <a:r>
-              <a:rPr b="0" lang="ko-KR" sz="1800" spc="-1" strike="noStrike">
-                <a:solidFill>
-                  <a:srgbClr val="ffffff"/>
-                </a:solidFill>
-                <a:latin typeface="Constantia"/>
+              <a:rPr b="0" lang="pt-BR" sz="2400" spc="-1" strike="noStrike">
+                <a:latin typeface="Arial"/>
               </a:rPr>
-              <a:t>3.º nível da estrutura de tópicos</a:t>
+              <a:t>Third Outline Level</a:t>
             </a:r>
-            <a:endParaRPr b="0" lang="ko-KR" sz="1800" spc="-1" strike="noStrike">
-              <a:solidFill>
-                <a:srgbClr val="ffffff"/>
-              </a:solidFill>
-              <a:latin typeface="Constantia"/>
+            <a:endParaRPr b="0" lang="pt-BR" sz="2400" spc="-1" strike="noStrike">
+              <a:latin typeface="Arial"/>
             </a:endParaRPr>
           </a:p>
           <a:p>
@@ -4125,19 +3728,13 @@
               <a:buChar char=""/>
             </a:pPr>
             <a:r>
-              <a:rPr b="0" lang="ko-KR" sz="1600" spc="-1" strike="noStrike">
-                <a:solidFill>
-                  <a:srgbClr val="ffffff"/>
-                </a:solidFill>
-                <a:latin typeface="Constantia"/>
+              <a:rPr b="0" lang="pt-BR" sz="2000" spc="-1" strike="noStrike">
+                <a:latin typeface="Arial"/>
               </a:rPr>
-              <a:t>4.º nível da estrutura de tópicos</a:t>
+              <a:t>Fourth Outline Level</a:t>
             </a:r>
-            <a:endParaRPr b="0" lang="ko-KR" sz="1600" spc="-1" strike="noStrike">
-              <a:solidFill>
-                <a:srgbClr val="ffffff"/>
-              </a:solidFill>
-              <a:latin typeface="Constantia"/>
+            <a:endParaRPr b="0" lang="pt-BR" sz="2000" spc="-1" strike="noStrike">
+              <a:latin typeface="Arial"/>
             </a:endParaRPr>
           </a:p>
           <a:p>
@@ -4153,19 +3750,13 @@
               <a:buChar char=""/>
             </a:pPr>
             <a:r>
-              <a:rPr b="0" lang="ko-KR" sz="2000" spc="-1" strike="noStrike">
-                <a:solidFill>
-                  <a:srgbClr val="ffffff"/>
-                </a:solidFill>
-                <a:latin typeface="Constantia"/>
+              <a:rPr b="0" lang="pt-BR" sz="2000" spc="-1" strike="noStrike">
+                <a:latin typeface="Arial"/>
               </a:rPr>
-              <a:t>5.º nível da estrutura de tópicos</a:t>
+              <a:t>Fifth Outline Level</a:t>
             </a:r>
-            <a:endParaRPr b="0" lang="ko-KR" sz="2000" spc="-1" strike="noStrike">
-              <a:solidFill>
-                <a:srgbClr val="ffffff"/>
-              </a:solidFill>
-              <a:latin typeface="Constantia"/>
+            <a:endParaRPr b="0" lang="pt-BR" sz="2000" spc="-1" strike="noStrike">
+              <a:latin typeface="Arial"/>
             </a:endParaRPr>
           </a:p>
           <a:p>
@@ -4181,19 +3772,13 @@
               <a:buChar char=""/>
             </a:pPr>
             <a:r>
-              <a:rPr b="0" lang="ko-KR" sz="2000" spc="-1" strike="noStrike">
-                <a:solidFill>
-                  <a:srgbClr val="ffffff"/>
-                </a:solidFill>
-                <a:latin typeface="Constantia"/>
+              <a:rPr b="0" lang="pt-BR" sz="2000" spc="-1" strike="noStrike">
+                <a:latin typeface="Arial"/>
               </a:rPr>
-              <a:t>6.º nível da estrutura de tópicos</a:t>
+              <a:t>Sixth Outline Level</a:t>
             </a:r>
-            <a:endParaRPr b="0" lang="ko-KR" sz="2000" spc="-1" strike="noStrike">
-              <a:solidFill>
-                <a:srgbClr val="ffffff"/>
-              </a:solidFill>
-              <a:latin typeface="Constantia"/>
+            <a:endParaRPr b="0" lang="pt-BR" sz="2000" spc="-1" strike="noStrike">
+              <a:latin typeface="Arial"/>
             </a:endParaRPr>
           </a:p>
           <a:p>
@@ -4209,19 +3794,13 @@
               <a:buChar char=""/>
             </a:pPr>
             <a:r>
-              <a:rPr b="0" lang="ko-KR" sz="2000" spc="-1" strike="noStrike">
-                <a:solidFill>
-                  <a:srgbClr val="ffffff"/>
-                </a:solidFill>
-                <a:latin typeface="Constantia"/>
+              <a:rPr b="0" lang="pt-BR" sz="2000" spc="-1" strike="noStrike">
+                <a:latin typeface="Arial"/>
               </a:rPr>
-              <a:t>7.º nível da estrutura de tópicos</a:t>
+              <a:t>Seventh Outline Level</a:t>
             </a:r>
-            <a:endParaRPr b="0" lang="ko-KR" sz="2000" spc="-1" strike="noStrike">
-              <a:solidFill>
-                <a:srgbClr val="ffffff"/>
-              </a:solidFill>
-              <a:latin typeface="Constantia"/>
+            <a:endParaRPr b="0" lang="pt-BR" sz="2000" spc="-1" strike="noStrike">
+              <a:latin typeface="Arial"/>
             </a:endParaRPr>
           </a:p>
         </p:txBody>
@@ -4230,18 +3809,18 @@
   </p:cSld>
   <p:clrMap bg1="lt1" bg2="lt2" tx1="dk1" tx2="dk2" accent1="accent1" accent2="accent2" accent3="accent3" accent4="accent4" accent5="accent5" accent6="accent6" hlink="hlink" folHlink="folHlink"/>
   <p:sldLayoutIdLst>
-    <p:sldLayoutId id="2147483662" r:id="rId2"/>
-    <p:sldLayoutId id="2147483663" r:id="rId3"/>
-    <p:sldLayoutId id="2147483664" r:id="rId4"/>
-    <p:sldLayoutId id="2147483665" r:id="rId5"/>
-    <p:sldLayoutId id="2147483666" r:id="rId6"/>
-    <p:sldLayoutId id="2147483667" r:id="rId7"/>
-    <p:sldLayoutId id="2147483668" r:id="rId8"/>
-    <p:sldLayoutId id="2147483669" r:id="rId9"/>
-    <p:sldLayoutId id="2147483670" r:id="rId10"/>
-    <p:sldLayoutId id="2147483671" r:id="rId11"/>
-    <p:sldLayoutId id="2147483672" r:id="rId12"/>
-    <p:sldLayoutId id="2147483673" r:id="rId13"/>
+    <p:sldLayoutId id="2147483662" r:id="rId3"/>
+    <p:sldLayoutId id="2147483663" r:id="rId4"/>
+    <p:sldLayoutId id="2147483664" r:id="rId5"/>
+    <p:sldLayoutId id="2147483665" r:id="rId6"/>
+    <p:sldLayoutId id="2147483666" r:id="rId7"/>
+    <p:sldLayoutId id="2147483667" r:id="rId8"/>
+    <p:sldLayoutId id="2147483668" r:id="rId9"/>
+    <p:sldLayoutId id="2147483669" r:id="rId10"/>
+    <p:sldLayoutId id="2147483670" r:id="rId11"/>
+    <p:sldLayoutId id="2147483671" r:id="rId12"/>
+    <p:sldLayoutId id="2147483672" r:id="rId13"/>
+    <p:sldLayoutId id="2147483673" r:id="rId14"/>
   </p:sldLayoutIdLst>
 </p:sldMaster>
 </file>
@@ -4265,42 +3844,69 @@
       </p:grpSpPr>
       <p:sp>
         <p:nvSpPr>
-          <p:cNvPr id="90" name="TextShape 1"/>
-          <p:cNvSpPr txBox="1"/>
+          <p:cNvPr id="84" name="CustomShape 1"/>
+          <p:cNvSpPr/>
           <p:nvPr/>
         </p:nvSpPr>
         <p:spPr>
           <a:xfrm>
             <a:off x="533520" y="1371600"/>
-            <a:ext cx="7851240" cy="1828440"/>
+            <a:ext cx="7850880" cy="1828080"/>
           </a:xfrm>
           <a:prstGeom prst="rect">
             <a:avLst/>
           </a:prstGeom>
           <a:noFill/>
-          <a:ln>
+          <a:ln w="0">
             <a:noFill/>
           </a:ln>
         </p:spPr>
-        <p:txBody>
-          <a:bodyPr lIns="0" rIns="18360" tIns="0" bIns="0" anchor="b"/>
-          <a:p>
-            <a:pPr algn="r">
+        <p:style>
+          <a:lnRef idx="0"/>
+          <a:fillRef idx="0"/>
+          <a:effectRef idx="0"/>
+          <a:fontRef idx="minor"/>
+        </p:style>
+        <p:txBody>
+          <a:bodyPr lIns="0" rIns="18360" tIns="0" bIns="0" anchor="b">
+            <a:noAutofit/>
+          </a:bodyPr>
+          <a:p>
+            <a:pPr algn="ctr">
               <a:lnSpc>
                 <a:spcPct val="100000"/>
               </a:lnSpc>
             </a:pPr>
             <a:r>
-              <a:rPr b="1" i="1" lang="ko-KR" sz="5600" spc="-1" strike="noStrike">
+              <a:rPr b="1" i="1" lang="pt-BR" sz="5600" spc="-1" strike="noStrike">
                 <a:solidFill>
                   <a:srgbClr val="50e0ea"/>
                 </a:solidFill>
                 <a:latin typeface="Calibri"/>
               </a:rPr>
-              <a:t>Twitch.Tv </a:t>
+              <a:t>SmartTV Client for Twitch</a:t>
+            </a:r>
+            <a:endParaRPr b="0" lang="pt-BR" sz="5600" spc="-1" strike="noStrike">
+              <a:latin typeface="Arial"/>
+            </a:endParaRPr>
+          </a:p>
+          <a:p>
+            <a:pPr algn="ctr">
+              <a:lnSpc>
+                <a:spcPct val="100000"/>
+              </a:lnSpc>
+            </a:pPr>
+            <a:r>
+              <a:rPr b="1" i="1" lang="pt-BR" sz="5600" spc="-1" strike="noStrike">
+                <a:solidFill>
+                  <a:srgbClr val="50e0ea"/>
+                </a:solidFill>
+                <a:latin typeface="Calibri"/>
+              </a:rPr>
+              <a:t> </a:t>
             </a:r>
             <a:r>
-              <a:rPr b="1" lang="ko-KR" sz="5600" spc="-1" strike="noStrike">
+              <a:rPr b="1" lang="pt-BR" sz="5600" spc="-1" strike="noStrike">
                 <a:solidFill>
                   <a:srgbClr val="50e0ea"/>
                 </a:solidFill>
@@ -4308,36 +3914,41 @@
               </a:rPr>
               <a:t>A video Player</a:t>
             </a:r>
-            <a:endParaRPr b="0" lang="ko-KR" sz="5600" spc="-1" strike="noStrike">
-              <a:solidFill>
-                <a:srgbClr val="ffffff"/>
-              </a:solidFill>
-              <a:latin typeface="Constantia"/>
-            </a:endParaRPr>
-          </a:p>
-        </p:txBody>
-      </p:sp>
-      <p:sp>
-        <p:nvSpPr>
-          <p:cNvPr id="91" name="TextShape 2"/>
-          <p:cNvSpPr txBox="1"/>
+            <a:endParaRPr b="0" lang="pt-BR" sz="5600" spc="-1" strike="noStrike">
+              <a:latin typeface="Arial"/>
+            </a:endParaRPr>
+          </a:p>
+        </p:txBody>
+      </p:sp>
+      <p:sp>
+        <p:nvSpPr>
+          <p:cNvPr id="85" name="CustomShape 2"/>
+          <p:cNvSpPr/>
           <p:nvPr/>
         </p:nvSpPr>
         <p:spPr>
           <a:xfrm>
             <a:off x="533520" y="3228480"/>
-            <a:ext cx="7854480" cy="1752120"/>
+            <a:ext cx="7854120" cy="1751760"/>
           </a:xfrm>
           <a:prstGeom prst="rect">
             <a:avLst/>
           </a:prstGeom>
           <a:noFill/>
-          <a:ln>
+          <a:ln w="0">
             <a:noFill/>
           </a:ln>
         </p:spPr>
-        <p:txBody>
-          <a:bodyPr lIns="0" rIns="18360" tIns="45000" bIns="45000"/>
+        <p:style>
+          <a:lnRef idx="0"/>
+          <a:fillRef idx="0"/>
+          <a:effectRef idx="0"/>
+          <a:fontRef idx="minor"/>
+        </p:style>
+        <p:txBody>
+          <a:bodyPr lIns="0" rIns="18360" tIns="45000" bIns="45000">
+            <a:noAutofit/>
+          </a:bodyPr>
           <a:p>
             <a:pPr algn="r">
               <a:lnSpc>
@@ -4364,33 +3975,14 @@
       </p:sp>
     </p:spTree>
   </p:cSld>
-  <p:timing>
-    <p:tnLst>
-      <p:par>
-        <p:cTn id="1" dur="indefinite" restart="never" nodeType="tmRoot">
-          <p:childTnLst>
-            <p:seq>
-              <p:cTn id="2" nodeType="mainSeq"/>
-              <p:prevCondLst>
-                <p:cond delay="0" evt="onPrev">
-                  <p:tgtEl>
-                    <p:sldTgt/>
-                  </p:tgtEl>
-                </p:cond>
-              </p:prevCondLst>
-              <p:nextCondLst>
-                <p:cond delay="0" evt="onNext">
-                  <p:tgtEl>
-                    <p:sldTgt/>
-                  </p:tgtEl>
-                </p:cond>
-              </p:nextCondLst>
-            </p:seq>
-          </p:childTnLst>
-        </p:cTn>
-      </p:par>
-    </p:tnLst>
-  </p:timing>
+  <mc:AlternateContent>
+    <mc:Choice Requires="p14">
+      <p:transition spd="slow" p14:dur="2000"/>
+    </mc:Choice>
+    <mc:Fallback>
+      <p:transition spd="slow"/>
+    </mc:Fallback>
+  </mc:AlternateContent>
 </p:sld>
 </file>
 
@@ -4413,25 +4005,33 @@
       </p:grpSpPr>
       <p:sp>
         <p:nvSpPr>
-          <p:cNvPr id="92" name="TextShape 1"/>
-          <p:cNvSpPr txBox="1"/>
+          <p:cNvPr id="86" name="CustomShape 1"/>
+          <p:cNvSpPr/>
           <p:nvPr/>
         </p:nvSpPr>
         <p:spPr>
           <a:xfrm>
             <a:off x="457200" y="704160"/>
-            <a:ext cx="8229240" cy="1142640"/>
+            <a:ext cx="8228880" cy="1142280"/>
           </a:xfrm>
           <a:prstGeom prst="rect">
             <a:avLst/>
           </a:prstGeom>
           <a:noFill/>
-          <a:ln>
+          <a:ln w="0">
             <a:noFill/>
           </a:ln>
         </p:spPr>
-        <p:txBody>
-          <a:bodyPr lIns="0" rIns="0" tIns="45000" bIns="0" anchor="b"/>
+        <p:style>
+          <a:lnRef idx="0"/>
+          <a:fillRef idx="0"/>
+          <a:effectRef idx="0"/>
+          <a:fontRef idx="minor"/>
+        </p:style>
+        <p:txBody>
+          <a:bodyPr lIns="0" rIns="0" tIns="45000" bIns="0" anchor="b">
+            <a:noAutofit/>
+          </a:bodyPr>
           <a:p>
             <a:pPr>
               <a:lnSpc>
@@ -4439,50 +4039,29 @@
               </a:lnSpc>
             </a:pPr>
             <a:r>
-              <a:rPr b="0" lang="ko-KR" sz="4000" spc="-1" strike="noStrike">
+              <a:rPr b="0" lang="pt-BR" sz="4000" spc="-1" strike="noStrike">
                 <a:solidFill>
                   <a:srgbClr val="04617b"/>
                 </a:solidFill>
                 <a:latin typeface="Calibri"/>
               </a:rPr>
-              <a:t>Revisi</a:t>
+              <a:t>Revision History</a:t>
             </a:r>
-            <a:r>
-              <a:rPr b="0" lang="ko-KR" sz="4000" spc="-1" strike="noStrike">
-                <a:solidFill>
-                  <a:srgbClr val="04617b"/>
-                </a:solidFill>
-                <a:latin typeface="Calibri"/>
-              </a:rPr>
-              <a:t>on His</a:t>
-            </a:r>
-            <a:r>
-              <a:rPr b="0" lang="ko-KR" sz="4000" spc="-1" strike="noStrike">
-                <a:solidFill>
-                  <a:srgbClr val="04617b"/>
-                </a:solidFill>
-                <a:latin typeface="Calibri"/>
-              </a:rPr>
-              <a:t>tory</a:t>
-            </a:r>
-            <a:endParaRPr b="0" lang="ko-KR" sz="4000" spc="-1" strike="noStrike">
-              <a:solidFill>
-                <a:srgbClr val="000000"/>
-              </a:solidFill>
-              <a:latin typeface="Constantia"/>
+            <a:endParaRPr b="0" lang="pt-BR" sz="4000" spc="-1" strike="noStrike">
+              <a:latin typeface="Arial"/>
             </a:endParaRPr>
           </a:p>
         </p:txBody>
       </p:sp>
       <p:graphicFrame>
         <p:nvGraphicFramePr>
-          <p:cNvPr id="93" name="Table 2"/>
+          <p:cNvPr id="87" name="Table 2"/>
           <p:cNvGraphicFramePr/>
           <p:nvPr/>
         </p:nvGraphicFramePr>
         <p:xfrm>
           <a:off x="457200" y="1935000"/>
-          <a:ext cx="8229240" cy="1112040"/>
+          <a:ext cx="8228880" cy="1673280"/>
         </p:xfrm>
         <a:graphic>
           <a:graphicData uri="http://schemas.openxmlformats.org/drawingml/2006/table">
@@ -4497,7 +4076,9 @@
               <a:tr h="622440">
                 <a:tc>
                   <a:txBody>
-                    <a:bodyPr/>
+                    <a:bodyPr>
+                      <a:noAutofit/>
+                    </a:bodyPr>
                     <a:p>
                       <a:pPr>
                         <a:lnSpc>
@@ -4546,7 +4127,9 @@
                 </a:tc>
                 <a:tc>
                   <a:txBody>
-                    <a:bodyPr/>
+                    <a:bodyPr>
+                      <a:noAutofit/>
+                    </a:bodyPr>
                     <a:p>
                       <a:pPr>
                         <a:lnSpc>
@@ -4595,7 +4178,9 @@
                 </a:tc>
                 <a:tc>
                   <a:txBody>
-                    <a:bodyPr/>
+                    <a:bodyPr>
+                      <a:noAutofit/>
+                    </a:bodyPr>
                     <a:p>
                       <a:pPr>
                         <a:lnSpc>
@@ -4644,7 +4229,9 @@
                 </a:tc>
                 <a:tc>
                   <a:txBody>
-                    <a:bodyPr/>
+                    <a:bodyPr>
+                      <a:noAutofit/>
+                    </a:bodyPr>
                     <a:p>
                       <a:pPr>
                         <a:lnSpc>
@@ -4695,7 +4282,9 @@
               <a:tr h="622440">
                 <a:tc>
                   <a:txBody>
-                    <a:bodyPr/>
+                    <a:bodyPr>
+                      <a:noAutofit/>
+                    </a:bodyPr>
                     <a:p>
                       <a:pPr>
                         <a:lnSpc>
@@ -4744,7 +4333,9 @@
                 </a:tc>
                 <a:tc>
                   <a:txBody>
-                    <a:bodyPr/>
+                    <a:bodyPr>
+                      <a:noAutofit/>
+                    </a:bodyPr>
                     <a:p>
                       <a:pPr>
                         <a:lnSpc>
@@ -4758,7 +4349,7 @@
                           </a:solidFill>
                           <a:latin typeface="Constantia"/>
                         </a:rPr>
-                        <a:t>2018.01.23</a:t>
+                        <a:t>2021.01.03</a:t>
                       </a:r>
                       <a:endParaRPr b="0" lang="pt-BR" sz="1800" spc="-1" strike="noStrike">
                         <a:latin typeface="Arial"/>
@@ -4793,9 +4384,11 @@
                 </a:tc>
                 <a:tc>
                   <a:txBody>
-                    <a:bodyPr/>
+                    <a:bodyPr>
+                      <a:noAutofit/>
+                    </a:bodyPr>
                     <a:p>
-                      <a:pPr indent="-216000">
+                      <a:pPr marL="216000" indent="-215640">
                         <a:lnSpc>
                           <a:spcPct val="100000"/>
                         </a:lnSpc>
@@ -4847,7 +4440,9 @@
                 </a:tc>
                 <a:tc>
                   <a:txBody>
-                    <a:bodyPr/>
+                    <a:bodyPr>
+                      <a:noAutofit/>
+                    </a:bodyPr>
                     <a:p>
                       <a:pPr>
                         <a:lnSpc>
@@ -5011,33 +4606,14 @@
       </p:graphicFrame>
     </p:spTree>
   </p:cSld>
-  <p:timing>
-    <p:tnLst>
-      <p:par>
-        <p:cTn id="3" dur="indefinite" restart="never" nodeType="tmRoot">
-          <p:childTnLst>
-            <p:seq>
-              <p:cTn id="4" nodeType="mainSeq"/>
-              <p:prevCondLst>
-                <p:cond delay="0" evt="onPrev">
-                  <p:tgtEl>
-                    <p:sldTgt/>
-                  </p:tgtEl>
-                </p:cond>
-              </p:prevCondLst>
-              <p:nextCondLst>
-                <p:cond delay="0" evt="onNext">
-                  <p:tgtEl>
-                    <p:sldTgt/>
-                  </p:tgtEl>
-                </p:cond>
-              </p:nextCondLst>
-            </p:seq>
-          </p:childTnLst>
-        </p:cTn>
-      </p:par>
-    </p:tnLst>
-  </p:timing>
+  <mc:AlternateContent>
+    <mc:Choice Requires="p14">
+      <p:transition spd="slow" p14:dur="2000"/>
+    </mc:Choice>
+    <mc:Fallback>
+      <p:transition spd="slow"/>
+    </mc:Fallback>
+  </mc:AlternateContent>
 </p:sld>
 </file>
 
@@ -5060,25 +4636,33 @@
       </p:grpSpPr>
       <p:sp>
         <p:nvSpPr>
-          <p:cNvPr id="94" name="TextShape 1"/>
-          <p:cNvSpPr txBox="1"/>
+          <p:cNvPr id="88" name="CustomShape 1"/>
+          <p:cNvSpPr/>
           <p:nvPr/>
         </p:nvSpPr>
         <p:spPr>
           <a:xfrm>
             <a:off x="457200" y="704160"/>
-            <a:ext cx="8229240" cy="1142640"/>
+            <a:ext cx="8228880" cy="1142280"/>
           </a:xfrm>
           <a:prstGeom prst="rect">
             <a:avLst/>
           </a:prstGeom>
           <a:noFill/>
-          <a:ln>
+          <a:ln w="0">
             <a:noFill/>
           </a:ln>
         </p:spPr>
-        <p:txBody>
-          <a:bodyPr lIns="0" rIns="0" tIns="45000" bIns="0" anchor="b"/>
+        <p:style>
+          <a:lnRef idx="0"/>
+          <a:fillRef idx="0"/>
+          <a:effectRef idx="0"/>
+          <a:fontRef idx="minor"/>
+        </p:style>
+        <p:txBody>
+          <a:bodyPr lIns="0" rIns="0" tIns="45000" bIns="0" anchor="b">
+            <a:noAutofit/>
+          </a:bodyPr>
           <a:p>
             <a:pPr>
               <a:lnSpc>
@@ -5086,55 +4670,51 @@
               </a:lnSpc>
             </a:pPr>
             <a:r>
-              <a:rPr b="0" lang="ko-KR" sz="4000" spc="-1" strike="noStrike">
+              <a:rPr b="0" lang="pt-BR" sz="4000" spc="-1" strike="noStrike">
                 <a:solidFill>
                   <a:srgbClr val="04617b"/>
                 </a:solidFill>
                 <a:latin typeface="Calibri"/>
               </a:rPr>
-              <a:t>Conte</a:t>
+              <a:t>Contents</a:t>
             </a:r>
-            <a:r>
-              <a:rPr b="0" lang="ko-KR" sz="4000" spc="-1" strike="noStrike">
-                <a:solidFill>
-                  <a:srgbClr val="04617b"/>
-                </a:solidFill>
-                <a:latin typeface="Calibri"/>
-              </a:rPr>
-              <a:t>nts</a:t>
-            </a:r>
-            <a:endParaRPr b="0" lang="ko-KR" sz="4000" spc="-1" strike="noStrike">
-              <a:solidFill>
-                <a:srgbClr val="000000"/>
-              </a:solidFill>
-              <a:latin typeface="Constantia"/>
-            </a:endParaRPr>
-          </a:p>
-        </p:txBody>
-      </p:sp>
-      <p:sp>
-        <p:nvSpPr>
-          <p:cNvPr id="95" name="TextShape 2"/>
-          <p:cNvSpPr txBox="1"/>
+            <a:endParaRPr b="0" lang="pt-BR" sz="4000" spc="-1" strike="noStrike">
+              <a:latin typeface="Arial"/>
+            </a:endParaRPr>
+          </a:p>
+        </p:txBody>
+      </p:sp>
+      <p:sp>
+        <p:nvSpPr>
+          <p:cNvPr id="89" name="CustomShape 2"/>
+          <p:cNvSpPr/>
           <p:nvPr/>
         </p:nvSpPr>
         <p:spPr>
           <a:xfrm>
             <a:off x="457200" y="1935360"/>
-            <a:ext cx="8229240" cy="4388760"/>
+            <a:ext cx="8228880" cy="4388400"/>
           </a:xfrm>
           <a:prstGeom prst="rect">
             <a:avLst/>
           </a:prstGeom>
           <a:noFill/>
-          <a:ln>
+          <a:ln w="0">
             <a:noFill/>
           </a:ln>
         </p:spPr>
-        <p:txBody>
-          <a:bodyPr lIns="90000" rIns="90000" tIns="45000" bIns="45000"/>
-          <a:p>
-            <a:pPr marL="274320" indent="-273960">
+        <p:style>
+          <a:lnRef idx="0"/>
+          <a:fillRef idx="0"/>
+          <a:effectRef idx="0"/>
+          <a:fontRef idx="minor"/>
+        </p:style>
+        <p:txBody>
+          <a:bodyPr lIns="90000" rIns="90000" tIns="45000" bIns="45000">
+            <a:noAutofit/>
+          </a:bodyPr>
+          <a:p>
+            <a:pPr marL="274320" indent="-273600">
               <a:lnSpc>
                 <a:spcPct val="100000"/>
               </a:lnSpc>
@@ -5149,7 +4729,7 @@
               <a:buChar char=""/>
             </a:pPr>
             <a:r>
-              <a:rPr b="0" lang="ko-KR" sz="2600" spc="-1" strike="noStrike">
+              <a:rPr b="0" lang="pt-BR" sz="2600" spc="-1" strike="noStrike">
                 <a:solidFill>
                   <a:srgbClr val="000000"/>
                 </a:solidFill>
@@ -5157,15 +4737,12 @@
               </a:rPr>
               <a:t>UI Structure</a:t>
             </a:r>
-            <a:endParaRPr b="0" lang="ko-KR" sz="2600" spc="-1" strike="noStrike">
-              <a:solidFill>
-                <a:srgbClr val="000000"/>
-              </a:solidFill>
-              <a:latin typeface="Constantia"/>
-            </a:endParaRPr>
-          </a:p>
-          <a:p>
-            <a:pPr marL="274320" indent="-273960">
+            <a:endParaRPr b="0" lang="pt-BR" sz="2600" spc="-1" strike="noStrike">
+              <a:latin typeface="Arial"/>
+            </a:endParaRPr>
+          </a:p>
+          <a:p>
+            <a:pPr marL="274320" indent="-273600">
               <a:lnSpc>
                 <a:spcPct val="100000"/>
               </a:lnSpc>
@@ -5180,7 +4757,7 @@
               <a:buChar char=""/>
             </a:pPr>
             <a:r>
-              <a:rPr b="0" lang="ko-KR" sz="2600" spc="-1" strike="noStrike">
+              <a:rPr b="0" lang="pt-BR" sz="2600" spc="-1" strike="noStrike">
                 <a:solidFill>
                   <a:srgbClr val="000000"/>
                 </a:solidFill>
@@ -5188,15 +4765,12 @@
               </a:rPr>
               <a:t>Usage Scenario</a:t>
             </a:r>
-            <a:endParaRPr b="0" lang="ko-KR" sz="2600" spc="-1" strike="noStrike">
-              <a:solidFill>
-                <a:srgbClr val="000000"/>
-              </a:solidFill>
-              <a:latin typeface="Constantia"/>
-            </a:endParaRPr>
-          </a:p>
-          <a:p>
-            <a:pPr marL="274320" indent="-273960">
+            <a:endParaRPr b="0" lang="pt-BR" sz="2600" spc="-1" strike="noStrike">
+              <a:latin typeface="Arial"/>
+            </a:endParaRPr>
+          </a:p>
+          <a:p>
+            <a:pPr marL="274320" indent="-273600">
               <a:lnSpc>
                 <a:spcPct val="100000"/>
               </a:lnSpc>
@@ -5211,7 +4785,7 @@
               <a:buChar char=""/>
             </a:pPr>
             <a:r>
-              <a:rPr b="0" lang="ko-KR" sz="2600" spc="-1" strike="noStrike">
+              <a:rPr b="0" lang="pt-BR" sz="2600" spc="-1" strike="noStrike">
                 <a:solidFill>
                   <a:srgbClr val="000000"/>
                 </a:solidFill>
@@ -5219,15 +4793,12 @@
               </a:rPr>
               <a:t>Menu &amp; function description</a:t>
             </a:r>
-            <a:endParaRPr b="0" lang="ko-KR" sz="2600" spc="-1" strike="noStrike">
-              <a:solidFill>
-                <a:srgbClr val="000000"/>
-              </a:solidFill>
-              <a:latin typeface="Constantia"/>
-            </a:endParaRPr>
-          </a:p>
-          <a:p>
-            <a:pPr marL="274320" indent="-273960">
+            <a:endParaRPr b="0" lang="pt-BR" sz="2600" spc="-1" strike="noStrike">
+              <a:latin typeface="Arial"/>
+            </a:endParaRPr>
+          </a:p>
+          <a:p>
+            <a:pPr marL="274320" indent="-273600">
               <a:lnSpc>
                 <a:spcPct val="100000"/>
               </a:lnSpc>
@@ -5242,38 +4813,7 @@
               <a:buChar char=""/>
             </a:pPr>
             <a:r>
-              <a:rPr b="0" lang="ko-KR" sz="2600" spc="-1" strike="noStrike">
-                <a:solidFill>
-                  <a:srgbClr val="000000"/>
-                </a:solidFill>
-                <a:latin typeface="Constantia"/>
-              </a:rPr>
-              <a:t>Key policy</a:t>
-            </a:r>
-            <a:endParaRPr b="0" lang="ko-KR" sz="2600" spc="-1" strike="noStrike">
-              <a:solidFill>
-                <a:srgbClr val="000000"/>
-              </a:solidFill>
-              <a:latin typeface="Constantia"/>
-            </a:endParaRPr>
-          </a:p>
-          <a:p>
-            <a:pPr marL="274320" indent="-273960">
-              <a:lnSpc>
-                <a:spcPct val="100000"/>
-              </a:lnSpc>
-              <a:spcBef>
-                <a:spcPts val="519"/>
-              </a:spcBef>
-              <a:buClr>
-                <a:srgbClr val="0bd0d9"/>
-              </a:buClr>
-              <a:buSzPct val="95000"/>
-              <a:buFont typeface="Wingdings 2" charset="2"/>
-              <a:buChar char=""/>
-            </a:pPr>
-            <a:r>
-              <a:rPr b="0" lang="ko-KR" sz="2600" spc="-1" strike="noStrike">
+              <a:rPr b="0" lang="pt-BR" sz="2600" spc="-1" strike="noStrike">
                 <a:solidFill>
                   <a:srgbClr val="000000"/>
                 </a:solidFill>
@@ -5281,11 +4821,8 @@
               </a:rPr>
               <a:t>How to change languages</a:t>
             </a:r>
-            <a:endParaRPr b="0" lang="ko-KR" sz="2600" spc="-1" strike="noStrike">
-              <a:solidFill>
-                <a:srgbClr val="000000"/>
-              </a:solidFill>
-              <a:latin typeface="Constantia"/>
+            <a:endParaRPr b="0" lang="pt-BR" sz="2600" spc="-1" strike="noStrike">
+              <a:latin typeface="Arial"/>
             </a:endParaRPr>
           </a:p>
           <a:p>
@@ -5297,11 +4834,8 @@
                 <a:spcPts val="519"/>
               </a:spcBef>
             </a:pPr>
-            <a:endParaRPr b="0" lang="ko-KR" sz="2600" spc="-1" strike="noStrike">
-              <a:solidFill>
-                <a:srgbClr val="000000"/>
-              </a:solidFill>
-              <a:latin typeface="Constantia"/>
+            <a:endParaRPr b="0" lang="pt-BR" sz="2600" spc="-1" strike="noStrike">
+              <a:latin typeface="Arial"/>
             </a:endParaRPr>
           </a:p>
           <a:p>
@@ -5313,44 +4847,22 @@
                 <a:spcPts val="519"/>
               </a:spcBef>
             </a:pPr>
-            <a:endParaRPr b="0" lang="ko-KR" sz="2600" spc="-1" strike="noStrike">
-              <a:solidFill>
-                <a:srgbClr val="000000"/>
-              </a:solidFill>
-              <a:latin typeface="Constantia"/>
+            <a:endParaRPr b="0" lang="pt-BR" sz="2600" spc="-1" strike="noStrike">
+              <a:latin typeface="Arial"/>
             </a:endParaRPr>
           </a:p>
         </p:txBody>
       </p:sp>
     </p:spTree>
   </p:cSld>
-  <p:timing>
-    <p:tnLst>
-      <p:par>
-        <p:cTn id="5" dur="indefinite" restart="never" nodeType="tmRoot">
-          <p:childTnLst>
-            <p:seq>
-              <p:cTn id="6" nodeType="mainSeq"/>
-              <p:prevCondLst>
-                <p:cond delay="0" evt="onPrev">
-                  <p:tgtEl>
-                    <p:sldTgt/>
-                  </p:tgtEl>
-                </p:cond>
-              </p:prevCondLst>
-              <p:nextCondLst>
-                <p:cond delay="0" evt="onNext">
-                  <p:tgtEl>
-                    <p:sldTgt/>
-                  </p:tgtEl>
-                </p:cond>
-              </p:nextCondLst>
-            </p:seq>
-          </p:childTnLst>
-        </p:cTn>
-      </p:par>
-    </p:tnLst>
-  </p:timing>
+  <mc:AlternateContent>
+    <mc:Choice Requires="p14">
+      <p:transition spd="slow" p14:dur="2000"/>
+    </mc:Choice>
+    <mc:Fallback>
+      <p:transition spd="slow"/>
+    </mc:Fallback>
+  </mc:AlternateContent>
 </p:sld>
 </file>
 
@@ -5373,25 +4885,33 @@
       </p:grpSpPr>
       <p:sp>
         <p:nvSpPr>
-          <p:cNvPr id="96" name="TextShape 1"/>
-          <p:cNvSpPr txBox="1"/>
+          <p:cNvPr id="90" name="CustomShape 1"/>
+          <p:cNvSpPr/>
           <p:nvPr/>
         </p:nvSpPr>
         <p:spPr>
           <a:xfrm>
             <a:off x="457200" y="704160"/>
-            <a:ext cx="8229240" cy="1142640"/>
+            <a:ext cx="8228880" cy="1142280"/>
           </a:xfrm>
           <a:prstGeom prst="rect">
             <a:avLst/>
           </a:prstGeom>
           <a:noFill/>
-          <a:ln>
+          <a:ln w="0">
             <a:noFill/>
           </a:ln>
         </p:spPr>
-        <p:txBody>
-          <a:bodyPr lIns="0" rIns="0" tIns="45000" bIns="0" anchor="b"/>
+        <p:style>
+          <a:lnRef idx="0"/>
+          <a:fillRef idx="0"/>
+          <a:effectRef idx="0"/>
+          <a:fontRef idx="minor"/>
+        </p:style>
+        <p:txBody>
+          <a:bodyPr lIns="0" rIns="0" tIns="45000" bIns="0" anchor="b">
+            <a:noAutofit/>
+          </a:bodyPr>
           <a:p>
             <a:pPr>
               <a:lnSpc>
@@ -5399,44 +4919,23 @@
               </a:lnSpc>
             </a:pPr>
             <a:r>
-              <a:rPr b="0" lang="ko-KR" sz="4000" spc="-1" strike="noStrike">
+              <a:rPr b="0" lang="pt-BR" sz="4000" spc="-1" strike="noStrike">
                 <a:solidFill>
                   <a:srgbClr val="04617b"/>
                 </a:solidFill>
                 <a:latin typeface="Calibri"/>
               </a:rPr>
-              <a:t>UI Str</a:t>
+              <a:t>UI Structure</a:t>
             </a:r>
-            <a:r>
-              <a:rPr b="0" lang="ko-KR" sz="4000" spc="-1" strike="noStrike">
-                <a:solidFill>
-                  <a:srgbClr val="04617b"/>
-                </a:solidFill>
-                <a:latin typeface="Calibri"/>
-              </a:rPr>
-              <a:t>uctur</a:t>
-            </a:r>
-            <a:r>
-              <a:rPr b="0" lang="ko-KR" sz="4000" spc="-1" strike="noStrike">
-                <a:solidFill>
-                  <a:srgbClr val="04617b"/>
-                </a:solidFill>
-                <a:latin typeface="Calibri"/>
-              </a:rPr>
-              <a:t>e</a:t>
-            </a:r>
-            <a:endParaRPr b="0" lang="ko-KR" sz="4000" spc="-1" strike="noStrike">
-              <a:solidFill>
-                <a:srgbClr val="000000"/>
-              </a:solidFill>
-              <a:latin typeface="Constantia"/>
+            <a:endParaRPr b="0" lang="pt-BR" sz="4000" spc="-1" strike="noStrike">
+              <a:latin typeface="Arial"/>
             </a:endParaRPr>
           </a:p>
         </p:txBody>
       </p:sp>
       <p:pic>
         <p:nvPicPr>
-          <p:cNvPr id="97" name="" descr=""/>
+          <p:cNvPr id="91" name="" descr=""/>
           <p:cNvPicPr/>
           <p:nvPr/>
         </p:nvPicPr>
@@ -5447,45 +4946,26 @@
         <p:spPr>
           <a:xfrm>
             <a:off x="360000" y="1872000"/>
-            <a:ext cx="8639640" cy="4859640"/>
-          </a:xfrm>
-          <a:prstGeom prst="rect">
-            <a:avLst/>
-          </a:prstGeom>
-          <a:ln>
+            <a:ext cx="8639280" cy="4859280"/>
+          </a:xfrm>
+          <a:prstGeom prst="rect">
+            <a:avLst/>
+          </a:prstGeom>
+          <a:ln w="0">
             <a:noFill/>
           </a:ln>
         </p:spPr>
       </p:pic>
     </p:spTree>
   </p:cSld>
-  <p:timing>
-    <p:tnLst>
-      <p:par>
-        <p:cTn id="7" dur="indefinite" restart="never" nodeType="tmRoot">
-          <p:childTnLst>
-            <p:seq>
-              <p:cTn id="8" nodeType="mainSeq"/>
-              <p:prevCondLst>
-                <p:cond delay="0" evt="onPrev">
-                  <p:tgtEl>
-                    <p:sldTgt/>
-                  </p:tgtEl>
-                </p:cond>
-              </p:prevCondLst>
-              <p:nextCondLst>
-                <p:cond delay="0" evt="onNext">
-                  <p:tgtEl>
-                    <p:sldTgt/>
-                  </p:tgtEl>
-                </p:cond>
-              </p:nextCondLst>
-            </p:seq>
-          </p:childTnLst>
-        </p:cTn>
-      </p:par>
-    </p:tnLst>
-  </p:timing>
+  <mc:AlternateContent>
+    <mc:Choice Requires="p14">
+      <p:transition spd="slow" p14:dur="2000"/>
+    </mc:Choice>
+    <mc:Fallback>
+      <p:transition spd="slow"/>
+    </mc:Fallback>
+  </mc:AlternateContent>
 </p:sld>
 </file>
 
@@ -5508,25 +4988,33 @@
       </p:grpSpPr>
       <p:sp>
         <p:nvSpPr>
-          <p:cNvPr id="98" name="TextShape 1"/>
-          <p:cNvSpPr txBox="1"/>
+          <p:cNvPr id="92" name="CustomShape 1"/>
+          <p:cNvSpPr/>
           <p:nvPr/>
         </p:nvSpPr>
         <p:spPr>
           <a:xfrm>
             <a:off x="457200" y="704160"/>
-            <a:ext cx="8229240" cy="1142640"/>
+            <a:ext cx="8228880" cy="1142280"/>
           </a:xfrm>
           <a:prstGeom prst="rect">
             <a:avLst/>
           </a:prstGeom>
           <a:noFill/>
-          <a:ln>
+          <a:ln w="0">
             <a:noFill/>
           </a:ln>
         </p:spPr>
-        <p:txBody>
-          <a:bodyPr lIns="0" rIns="0" tIns="45000" bIns="0" anchor="b"/>
+        <p:style>
+          <a:lnRef idx="0"/>
+          <a:fillRef idx="0"/>
+          <a:effectRef idx="0"/>
+          <a:fontRef idx="minor"/>
+        </p:style>
+        <p:txBody>
+          <a:bodyPr lIns="0" rIns="0" tIns="45000" bIns="0" anchor="b">
+            <a:noAutofit/>
+          </a:bodyPr>
           <a:p>
             <a:pPr>
               <a:lnSpc>
@@ -5534,96 +5022,39 @@
               </a:lnSpc>
             </a:pPr>
             <a:r>
-              <a:rPr b="0" lang="ko-KR" sz="4000" spc="-1" strike="noStrike">
+              <a:rPr b="0" lang="pt-BR" sz="4000" spc="-1" strike="noStrike">
                 <a:solidFill>
                   <a:srgbClr val="04617b"/>
                 </a:solidFill>
                 <a:latin typeface="Calibri"/>
               </a:rPr>
-              <a:t>UI Str</a:t>
+              <a:t>UI Structure </a:t>
             </a:r>
             <a:r>
-              <a:rPr b="0" lang="ko-KR" sz="4000" spc="-1" strike="noStrike">
-                <a:solidFill>
-                  <a:srgbClr val="04617b"/>
-                </a:solidFill>
-                <a:latin typeface="Calibri"/>
-              </a:rPr>
-              <a:t>uctur</a:t>
-            </a:r>
-            <a:r>
-              <a:rPr b="0" lang="ko-KR" sz="4000" spc="-1" strike="noStrike">
-                <a:solidFill>
-                  <a:srgbClr val="04617b"/>
-                </a:solidFill>
-                <a:latin typeface="Calibri"/>
-              </a:rPr>
-              <a:t>e </a:t>
-            </a:r>
-            <a:r>
-              <a:rPr b="0" i="1" lang="ko-KR" sz="4000" spc="-1" strike="noStrike">
+              <a:rPr b="0" i="1" lang="pt-BR" sz="4000" spc="-1" strike="noStrike">
                 <a:solidFill>
                   <a:srgbClr val="55a839"/>
                 </a:solidFill>
                 <a:latin typeface="Calibri"/>
               </a:rPr>
-              <a:t>– sa</a:t>
+              <a:t>– sample2(depth navi.)</a:t>
             </a:r>
-            <a:r>
-              <a:rPr b="0" i="1" lang="ko-KR" sz="4000" spc="-1" strike="noStrike">
-                <a:solidFill>
-                  <a:srgbClr val="55a839"/>
-                </a:solidFill>
-                <a:latin typeface="Calibri"/>
-              </a:rPr>
-              <a:t>mple2</a:t>
-            </a:r>
-            <a:r>
-              <a:rPr b="0" i="1" lang="ko-KR" sz="4000" spc="-1" strike="noStrike">
-                <a:solidFill>
-                  <a:srgbClr val="55a839"/>
-                </a:solidFill>
-                <a:latin typeface="Calibri"/>
-              </a:rPr>
-              <a:t>(dept</a:t>
-            </a:r>
-            <a:r>
-              <a:rPr b="0" i="1" lang="ko-KR" sz="4000" spc="-1" strike="noStrike">
-                <a:solidFill>
-                  <a:srgbClr val="55a839"/>
-                </a:solidFill>
-                <a:latin typeface="Calibri"/>
-              </a:rPr>
-              <a:t>h nav</a:t>
-            </a:r>
-            <a:r>
-              <a:rPr b="0" i="1" lang="ko-KR" sz="4000" spc="-1" strike="noStrike">
-                <a:solidFill>
-                  <a:srgbClr val="55a839"/>
-                </a:solidFill>
-                <a:latin typeface="Calibri"/>
-              </a:rPr>
-              <a:t>i.)</a:t>
-            </a:r>
-            <a:endParaRPr b="0" lang="ko-KR" sz="4000" spc="-1" strike="noStrike">
-              <a:solidFill>
-                <a:srgbClr val="000000"/>
-              </a:solidFill>
-              <a:latin typeface="Constantia"/>
-            </a:endParaRPr>
-          </a:p>
-        </p:txBody>
-      </p:sp>
-      <p:sp>
-        <p:nvSpPr>
-          <p:cNvPr id="99" name="CustomShape 2"/>
+            <a:endParaRPr b="0" lang="pt-BR" sz="4000" spc="-1" strike="noStrike">
+              <a:latin typeface="Arial"/>
+            </a:endParaRPr>
+          </a:p>
+        </p:txBody>
+      </p:sp>
+      <p:sp>
+        <p:nvSpPr>
+          <p:cNvPr id="93" name="CustomShape 2"/>
           <p:cNvSpPr/>
           <p:nvPr/>
         </p:nvSpPr>
         <p:spPr>
           <a:xfrm>
             <a:off x="395640" y="3039840"/>
-            <a:ext cx="1405440" cy="460800"/>
+            <a:ext cx="1405080" cy="460440"/>
           </a:xfrm>
           <a:prstGeom prst="rect">
             <a:avLst/>
@@ -5651,9 +5082,11 @@
           <a:fontRef idx="minor"/>
         </p:style>
         <p:txBody>
-          <a:bodyPr lIns="90000" rIns="90000" tIns="45000" bIns="45000" anchor="ctr"/>
-          <a:p>
-            <a:pPr indent="-273960" algn="ctr">
+          <a:bodyPr lIns="90000" rIns="90000" tIns="45000" bIns="45000" anchor="ctr">
+            <a:noAutofit/>
+          </a:bodyPr>
+          <a:p>
+            <a:pPr marL="216000" indent="-273600" algn="ctr">
               <a:lnSpc>
                 <a:spcPct val="100000"/>
               </a:lnSpc>
@@ -5673,6 +5106,7 @@
                   <a:srgbClr val="000000"/>
                 </a:solidFill>
                 <a:latin typeface="Constantia"/>
+                <a:ea typeface="DejaVu Sans"/>
               </a:rPr>
               <a:t>Video list</a:t>
             </a:r>
@@ -5684,14 +5118,14 @@
       </p:sp>
       <p:sp>
         <p:nvSpPr>
-          <p:cNvPr id="100" name="CustomShape 3"/>
+          <p:cNvPr id="94" name="CustomShape 3"/>
           <p:cNvSpPr/>
           <p:nvPr/>
         </p:nvSpPr>
         <p:spPr>
           <a:xfrm>
             <a:off x="5751360" y="4752720"/>
-            <a:ext cx="1405440" cy="460800"/>
+            <a:ext cx="1405080" cy="460440"/>
           </a:xfrm>
           <a:prstGeom prst="rect">
             <a:avLst/>
@@ -5719,9 +5153,11 @@
           <a:fontRef idx="minor"/>
         </p:style>
         <p:txBody>
-          <a:bodyPr lIns="90000" rIns="90000" tIns="45000" bIns="45000" anchor="ctr"/>
-          <a:p>
-            <a:pPr indent="-273960" algn="ctr">
+          <a:bodyPr lIns="90000" rIns="90000" tIns="45000" bIns="45000" anchor="ctr">
+            <a:noAutofit/>
+          </a:bodyPr>
+          <a:p>
+            <a:pPr marL="216000" indent="-273600" algn="ctr">
               <a:lnSpc>
                 <a:spcPct val="100000"/>
               </a:lnSpc>
@@ -5741,6 +5177,7 @@
                   <a:srgbClr val="000000"/>
                 </a:solidFill>
                 <a:latin typeface="Constantia"/>
+                <a:ea typeface="DejaVu Sans"/>
               </a:rPr>
               <a:t>Play the video</a:t>
             </a:r>
@@ -5752,14 +5189,14 @@
       </p:sp>
       <p:sp>
         <p:nvSpPr>
-          <p:cNvPr id="101" name="CustomShape 4"/>
+          <p:cNvPr id="95" name="CustomShape 4"/>
           <p:cNvSpPr/>
           <p:nvPr/>
         </p:nvSpPr>
         <p:spPr>
           <a:xfrm>
             <a:off x="5751360" y="3896280"/>
-            <a:ext cx="1405440" cy="460800"/>
+            <a:ext cx="1405080" cy="460440"/>
           </a:xfrm>
           <a:prstGeom prst="rect">
             <a:avLst/>
@@ -5787,7 +5224,9 @@
           <a:fontRef idx="minor"/>
         </p:style>
         <p:txBody>
-          <a:bodyPr lIns="90000" rIns="90000" tIns="45000" bIns="45000" anchor="ctr"/>
+          <a:bodyPr lIns="90000" rIns="90000" tIns="45000" bIns="45000" anchor="ctr">
+            <a:noAutofit/>
+          </a:bodyPr>
           <a:p>
             <a:pPr algn="ctr">
               <a:lnSpc>
@@ -5803,6 +5242,7 @@
                   <a:srgbClr val="000000"/>
                 </a:solidFill>
                 <a:latin typeface="Constantia"/>
+                <a:ea typeface="DejaVu Sans"/>
               </a:rPr>
               <a:t>Play the video</a:t>
             </a:r>
@@ -5814,14 +5254,14 @@
       </p:sp>
       <p:sp>
         <p:nvSpPr>
-          <p:cNvPr id="102" name="CustomShape 5"/>
+          <p:cNvPr id="96" name="CustomShape 5"/>
           <p:cNvSpPr/>
           <p:nvPr/>
         </p:nvSpPr>
         <p:spPr>
           <a:xfrm>
             <a:off x="2136240" y="3896280"/>
-            <a:ext cx="1405440" cy="460800"/>
+            <a:ext cx="1405080" cy="460440"/>
           </a:xfrm>
           <a:prstGeom prst="rect">
             <a:avLst/>
@@ -5849,9 +5289,11 @@
           <a:fontRef idx="minor"/>
         </p:style>
         <p:txBody>
-          <a:bodyPr lIns="90000" rIns="90000" tIns="45000" bIns="45000" anchor="ctr"/>
-          <a:p>
-            <a:pPr indent="-273960" algn="ctr">
+          <a:bodyPr lIns="90000" rIns="90000" tIns="45000" bIns="45000" anchor="ctr">
+            <a:noAutofit/>
+          </a:bodyPr>
+          <a:p>
+            <a:pPr marL="216000" indent="-273600" algn="ctr">
               <a:lnSpc>
                 <a:spcPct val="100000"/>
               </a:lnSpc>
@@ -5871,6 +5313,7 @@
                   <a:srgbClr val="000000"/>
                 </a:solidFill>
                 <a:latin typeface="Constantia"/>
+                <a:ea typeface="DejaVu Sans"/>
               </a:rPr>
               <a:t>Switch Screen</a:t>
             </a:r>
@@ -5882,14 +5325,14 @@
       </p:sp>
       <p:sp>
         <p:nvSpPr>
-          <p:cNvPr id="103" name="CustomShape 6"/>
+          <p:cNvPr id="97" name="CustomShape 6"/>
           <p:cNvSpPr/>
           <p:nvPr/>
         </p:nvSpPr>
         <p:spPr>
           <a:xfrm>
             <a:off x="7425000" y="3896280"/>
-            <a:ext cx="1405440" cy="460800"/>
+            <a:ext cx="1405080" cy="460440"/>
           </a:xfrm>
           <a:prstGeom prst="rect">
             <a:avLst/>
@@ -5917,7 +5360,9 @@
           <a:fontRef idx="minor"/>
         </p:style>
         <p:txBody>
-          <a:bodyPr lIns="90000" rIns="90000" tIns="45000" bIns="45000" anchor="ctr"/>
+          <a:bodyPr lIns="90000" rIns="90000" tIns="45000" bIns="45000" anchor="ctr">
+            <a:noAutofit/>
+          </a:bodyPr>
           <a:p>
             <a:pPr algn="ctr">
               <a:lnSpc>
@@ -5933,6 +5378,7 @@
                   <a:srgbClr val="000000"/>
                 </a:solidFill>
                 <a:latin typeface="Constantia"/>
+                <a:ea typeface="DejaVu Sans"/>
               </a:rPr>
               <a:t>Back to previously screen</a:t>
             </a:r>
@@ -5944,14 +5390,14 @@
       </p:sp>
       <p:sp>
         <p:nvSpPr>
-          <p:cNvPr id="104" name="CustomShape 7"/>
+          <p:cNvPr id="98" name="CustomShape 7"/>
           <p:cNvSpPr/>
           <p:nvPr/>
         </p:nvSpPr>
         <p:spPr>
           <a:xfrm>
             <a:off x="3943800" y="3896280"/>
-            <a:ext cx="1405440" cy="460800"/>
+            <a:ext cx="1405080" cy="460440"/>
           </a:xfrm>
           <a:prstGeom prst="rect">
             <a:avLst/>
@@ -5979,9 +5425,11 @@
           <a:fontRef idx="minor"/>
         </p:style>
         <p:txBody>
-          <a:bodyPr lIns="90000" rIns="90000" tIns="45000" bIns="45000" anchor="ctr"/>
-          <a:p>
-            <a:pPr indent="-273960" algn="ctr">
+          <a:bodyPr lIns="90000" rIns="90000" tIns="45000" bIns="45000" anchor="ctr">
+            <a:noAutofit/>
+          </a:bodyPr>
+          <a:p>
+            <a:pPr marL="216000" indent="-273600" algn="ctr">
               <a:lnSpc>
                 <a:spcPct val="100000"/>
               </a:lnSpc>
@@ -6001,6 +5449,7 @@
                   <a:srgbClr val="000000"/>
                 </a:solidFill>
                 <a:latin typeface="Constantia"/>
+                <a:ea typeface="DejaVu Sans"/>
               </a:rPr>
               <a:t>New Screen select a video </a:t>
             </a:r>
@@ -6012,14 +5461,14 @@
       </p:sp>
       <p:sp>
         <p:nvSpPr>
-          <p:cNvPr id="105" name="CustomShape 8"/>
+          <p:cNvPr id="99" name="CustomShape 8"/>
           <p:cNvSpPr/>
           <p:nvPr/>
         </p:nvSpPr>
         <p:spPr>
           <a:xfrm>
             <a:off x="3943800" y="3039840"/>
-            <a:ext cx="1405440" cy="460800"/>
+            <a:ext cx="1405080" cy="460440"/>
           </a:xfrm>
           <a:prstGeom prst="rect">
             <a:avLst/>
@@ -6047,9 +5496,11 @@
           <a:fontRef idx="minor"/>
         </p:style>
         <p:txBody>
-          <a:bodyPr lIns="90000" rIns="90000" tIns="45000" bIns="45000" anchor="ctr"/>
-          <a:p>
-            <a:pPr indent="-273960" algn="ctr">
+          <a:bodyPr lIns="90000" rIns="90000" tIns="45000" bIns="45000" anchor="ctr">
+            <a:noAutofit/>
+          </a:bodyPr>
+          <a:p>
+            <a:pPr marL="216000" indent="-273600" algn="ctr">
               <a:lnSpc>
                 <a:spcPct val="100000"/>
               </a:lnSpc>
@@ -6069,6 +5520,7 @@
                   <a:srgbClr val="000000"/>
                 </a:solidFill>
                 <a:latin typeface="Constantia"/>
+                <a:ea typeface="DejaVu Sans"/>
               </a:rPr>
               <a:t>Play the video</a:t>
             </a:r>
@@ -6080,14 +5532,14 @@
       </p:sp>
       <p:sp>
         <p:nvSpPr>
-          <p:cNvPr id="106" name="CustomShape 9"/>
+          <p:cNvPr id="100" name="CustomShape 9"/>
           <p:cNvSpPr/>
           <p:nvPr/>
         </p:nvSpPr>
         <p:spPr>
           <a:xfrm>
             <a:off x="2136240" y="3039840"/>
-            <a:ext cx="1405440" cy="460800"/>
+            <a:ext cx="1405080" cy="460440"/>
           </a:xfrm>
           <a:prstGeom prst="rect">
             <a:avLst/>
@@ -6115,9 +5567,11 @@
           <a:fontRef idx="minor"/>
         </p:style>
         <p:txBody>
-          <a:bodyPr lIns="90000" rIns="90000" tIns="45000" bIns="45000" anchor="ctr"/>
-          <a:p>
-            <a:pPr indent="-273960" algn="ctr">
+          <a:bodyPr lIns="90000" rIns="90000" tIns="45000" bIns="45000" anchor="ctr">
+            <a:noAutofit/>
+          </a:bodyPr>
+          <a:p>
+            <a:pPr marL="216000" indent="-273600" algn="ctr">
               <a:lnSpc>
                 <a:spcPct val="100000"/>
               </a:lnSpc>
@@ -6137,6 +5591,7 @@
                   <a:srgbClr val="000000"/>
                 </a:solidFill>
                 <a:latin typeface="Constantia"/>
+                <a:ea typeface="DejaVu Sans"/>
               </a:rPr>
               <a:t>Select video</a:t>
             </a:r>
@@ -6148,14 +5603,14 @@
       </p:sp>
       <p:sp>
         <p:nvSpPr>
-          <p:cNvPr id="107" name="CustomShape 10"/>
+          <p:cNvPr id="101" name="CustomShape 10"/>
           <p:cNvSpPr/>
           <p:nvPr/>
         </p:nvSpPr>
         <p:spPr>
           <a:xfrm>
             <a:off x="3943800" y="4752720"/>
-            <a:ext cx="1405440" cy="460800"/>
+            <a:ext cx="1405080" cy="460440"/>
           </a:xfrm>
           <a:prstGeom prst="rect">
             <a:avLst/>
@@ -6183,7 +5638,9 @@
           <a:fontRef idx="minor"/>
         </p:style>
         <p:txBody>
-          <a:bodyPr lIns="90000" rIns="90000" tIns="45000" bIns="45000" anchor="ctr"/>
+          <a:bodyPr lIns="90000" rIns="90000" tIns="45000" bIns="45000" anchor="ctr">
+            <a:noAutofit/>
+          </a:bodyPr>
           <a:p>
             <a:pPr algn="ctr">
               <a:lnSpc>
@@ -6199,6 +5656,7 @@
                   <a:srgbClr val="000000"/>
                 </a:solidFill>
                 <a:latin typeface="Constantia"/>
+                <a:ea typeface="DejaVu Sans"/>
               </a:rPr>
               <a:t>select a video</a:t>
             </a:r>
@@ -6210,14 +5668,14 @@
       </p:sp>
       <p:sp>
         <p:nvSpPr>
-          <p:cNvPr id="108" name="CustomShape 11"/>
+          <p:cNvPr id="102" name="CustomShape 11"/>
           <p:cNvSpPr/>
           <p:nvPr/>
         </p:nvSpPr>
         <p:spPr>
           <a:xfrm>
             <a:off x="2136240" y="4752720"/>
-            <a:ext cx="1405440" cy="460800"/>
+            <a:ext cx="1405080" cy="460440"/>
           </a:xfrm>
           <a:prstGeom prst="rect">
             <a:avLst/>
@@ -6245,9 +5703,11 @@
           <a:fontRef idx="minor"/>
         </p:style>
         <p:txBody>
-          <a:bodyPr lIns="90000" rIns="90000" tIns="45000" bIns="45000" anchor="ctr"/>
-          <a:p>
-            <a:pPr indent="-273960" algn="ctr">
+          <a:bodyPr lIns="90000" rIns="90000" tIns="45000" bIns="45000" anchor="ctr">
+            <a:noAutofit/>
+          </a:bodyPr>
+          <a:p>
+            <a:pPr marL="216000" indent="-273600" algn="ctr">
               <a:lnSpc>
                 <a:spcPct val="100000"/>
               </a:lnSpc>
@@ -6267,6 +5727,7 @@
                   <a:srgbClr val="000000"/>
                 </a:solidFill>
                 <a:latin typeface="Constantia"/>
+                <a:ea typeface="DejaVu Sans"/>
               </a:rPr>
               <a:t>Refresh current</a:t>
             </a:r>
@@ -6278,14 +5739,14 @@
       </p:sp>
       <p:sp>
         <p:nvSpPr>
-          <p:cNvPr id="109" name="CustomShape 12"/>
+          <p:cNvPr id="103" name="CustomShape 12"/>
           <p:cNvSpPr/>
           <p:nvPr/>
         </p:nvSpPr>
         <p:spPr>
           <a:xfrm>
             <a:off x="1801440" y="3270600"/>
-            <a:ext cx="334440" cy="1080"/>
+            <a:ext cx="334080" cy="720"/>
           </a:xfrm>
           <a:custGeom>
             <a:avLst/>
@@ -6330,14 +5791,14 @@
       </p:sp>
       <p:sp>
         <p:nvSpPr>
-          <p:cNvPr id="110" name="CustomShape 13"/>
+          <p:cNvPr id="104" name="CustomShape 13"/>
           <p:cNvSpPr/>
           <p:nvPr/>
         </p:nvSpPr>
         <p:spPr>
           <a:xfrm>
             <a:off x="3542040" y="3270600"/>
-            <a:ext cx="401400" cy="1080"/>
+            <a:ext cx="401040" cy="720"/>
           </a:xfrm>
           <a:custGeom>
             <a:avLst/>
@@ -6382,14 +5843,14 @@
       </p:sp>
       <p:sp>
         <p:nvSpPr>
-          <p:cNvPr id="111" name="CustomShape 14"/>
+          <p:cNvPr id="105" name="CustomShape 14"/>
           <p:cNvSpPr/>
           <p:nvPr/>
         </p:nvSpPr>
         <p:spPr>
           <a:xfrm flipH="1" rot="16200000">
-            <a:off x="1589760" y="3551760"/>
-            <a:ext cx="822960" cy="267480"/>
+            <a:off x="1590120" y="3551760"/>
+            <a:ext cx="822600" cy="267120"/>
           </a:xfrm>
           <a:prstGeom prst="bentConnector2">
             <a:avLst/>
@@ -6421,14 +5882,14 @@
       </p:sp>
       <p:sp>
         <p:nvSpPr>
-          <p:cNvPr id="112" name="CustomShape 15"/>
+          <p:cNvPr id="106" name="CustomShape 15"/>
           <p:cNvSpPr/>
           <p:nvPr/>
         </p:nvSpPr>
         <p:spPr>
           <a:xfrm>
             <a:off x="1801440" y="3270600"/>
-            <a:ext cx="334440" cy="1712520"/>
+            <a:ext cx="334080" cy="1712160"/>
           </a:xfrm>
           <a:prstGeom prst="bentConnector3">
             <a:avLst>
@@ -6462,14 +5923,14 @@
       </p:sp>
       <p:sp>
         <p:nvSpPr>
-          <p:cNvPr id="113" name="CustomShape 16"/>
+          <p:cNvPr id="107" name="CustomShape 16"/>
           <p:cNvSpPr/>
           <p:nvPr/>
         </p:nvSpPr>
         <p:spPr>
           <a:xfrm>
             <a:off x="3542040" y="4104000"/>
-            <a:ext cx="401400" cy="1080"/>
+            <a:ext cx="401040" cy="720"/>
           </a:xfrm>
           <a:custGeom>
             <a:avLst/>
@@ -6514,14 +5975,14 @@
       </p:sp>
       <p:sp>
         <p:nvSpPr>
-          <p:cNvPr id="114" name="CustomShape 17"/>
+          <p:cNvPr id="108" name="CustomShape 17"/>
           <p:cNvSpPr/>
           <p:nvPr/>
         </p:nvSpPr>
         <p:spPr>
           <a:xfrm>
             <a:off x="3542040" y="4984920"/>
-            <a:ext cx="401400" cy="1080"/>
+            <a:ext cx="401040" cy="720"/>
           </a:xfrm>
           <a:custGeom>
             <a:avLst/>
@@ -6566,14 +6027,14 @@
       </p:sp>
       <p:sp>
         <p:nvSpPr>
-          <p:cNvPr id="115" name="CustomShape 18"/>
+          <p:cNvPr id="109" name="CustomShape 18"/>
           <p:cNvSpPr/>
           <p:nvPr/>
         </p:nvSpPr>
         <p:spPr>
           <a:xfrm>
             <a:off x="7157160" y="4127040"/>
-            <a:ext cx="267480" cy="1080"/>
+            <a:ext cx="267120" cy="720"/>
           </a:xfrm>
           <a:custGeom>
             <a:avLst/>
@@ -6618,14 +6079,14 @@
       </p:sp>
       <p:sp>
         <p:nvSpPr>
-          <p:cNvPr id="116" name="CustomShape 19"/>
+          <p:cNvPr id="110" name="CustomShape 19"/>
           <p:cNvSpPr/>
           <p:nvPr/>
         </p:nvSpPr>
         <p:spPr>
           <a:xfrm>
             <a:off x="5349600" y="4104000"/>
-            <a:ext cx="401400" cy="1080"/>
+            <a:ext cx="401040" cy="720"/>
           </a:xfrm>
           <a:custGeom>
             <a:avLst/>
@@ -6670,14 +6131,14 @@
       </p:sp>
       <p:sp>
         <p:nvSpPr>
-          <p:cNvPr id="117" name="CustomShape 20"/>
+          <p:cNvPr id="111" name="CustomShape 20"/>
           <p:cNvSpPr/>
           <p:nvPr/>
         </p:nvSpPr>
         <p:spPr>
           <a:xfrm>
             <a:off x="5349600" y="4984920"/>
-            <a:ext cx="401400" cy="1080"/>
+            <a:ext cx="401040" cy="720"/>
           </a:xfrm>
           <a:custGeom>
             <a:avLst/>
@@ -6722,7 +6183,7 @@
       </p:sp>
       <p:sp>
         <p:nvSpPr>
-          <p:cNvPr id="118" name="Line 21"/>
+          <p:cNvPr id="112" name="Line 21"/>
           <p:cNvSpPr/>
           <p:nvPr/>
         </p:nvSpPr>
@@ -6756,7 +6217,7 @@
       </p:sp>
       <p:sp>
         <p:nvSpPr>
-          <p:cNvPr id="119" name="Line 22"/>
+          <p:cNvPr id="113" name="Line 22"/>
           <p:cNvSpPr/>
           <p:nvPr/>
         </p:nvSpPr>
@@ -6790,7 +6251,7 @@
       </p:sp>
       <p:sp>
         <p:nvSpPr>
-          <p:cNvPr id="120" name="Line 23"/>
+          <p:cNvPr id="114" name="Line 23"/>
           <p:cNvSpPr/>
           <p:nvPr/>
         </p:nvSpPr>
@@ -6824,7 +6285,7 @@
       </p:sp>
       <p:sp>
         <p:nvSpPr>
-          <p:cNvPr id="121" name="Line 24"/>
+          <p:cNvPr id="115" name="Line 24"/>
           <p:cNvSpPr/>
           <p:nvPr/>
         </p:nvSpPr>
@@ -6858,20 +6319,20 @@
       </p:sp>
       <p:sp>
         <p:nvSpPr>
-          <p:cNvPr id="122" name="CustomShape 25"/>
+          <p:cNvPr id="116" name="CustomShape 25"/>
           <p:cNvSpPr/>
           <p:nvPr/>
         </p:nvSpPr>
         <p:spPr>
           <a:xfrm>
             <a:off x="585360" y="2381040"/>
-            <a:ext cx="1197360" cy="317880"/>
+            <a:ext cx="1197000" cy="317520"/>
           </a:xfrm>
           <a:prstGeom prst="rect">
             <a:avLst/>
           </a:prstGeom>
           <a:noFill/>
-          <a:ln>
+          <a:ln w="0">
             <a:noFill/>
           </a:ln>
         </p:spPr>
@@ -6882,9 +6343,11 @@
           <a:fontRef idx="minor"/>
         </p:style>
         <p:txBody>
-          <a:bodyPr wrap="none" lIns="90000" rIns="90000" tIns="45000" bIns="45000"/>
-          <a:p>
-            <a:pPr indent="-273960">
+          <a:bodyPr wrap="none" lIns="90000" rIns="90000" tIns="45000" bIns="45000">
+            <a:noAutofit/>
+          </a:bodyPr>
+          <a:p>
+            <a:pPr marL="216000" indent="-273600">
               <a:lnSpc>
                 <a:spcPct val="100000"/>
               </a:lnSpc>
@@ -6904,6 +6367,7 @@
                   <a:srgbClr val="000000"/>
                 </a:solidFill>
                 <a:latin typeface="Constantia"/>
+                <a:ea typeface="DejaVu Sans"/>
               </a:rPr>
               <a:t>1</a:t>
             </a:r>
@@ -6913,6 +6377,7 @@
                   <a:srgbClr val="000000"/>
                 </a:solidFill>
                 <a:latin typeface="Constantia"/>
+                <a:ea typeface="DejaVu Sans"/>
               </a:rPr>
               <a:t>st</a:t>
             </a:r>
@@ -6922,6 +6387,7 @@
                   <a:srgbClr val="000000"/>
                 </a:solidFill>
                 <a:latin typeface="Constantia"/>
+                <a:ea typeface="DejaVu Sans"/>
               </a:rPr>
               <a:t> depth</a:t>
             </a:r>
@@ -6933,20 +6399,20 @@
       </p:sp>
       <p:sp>
         <p:nvSpPr>
-          <p:cNvPr id="123" name="CustomShape 26"/>
+          <p:cNvPr id="117" name="CustomShape 26"/>
           <p:cNvSpPr/>
           <p:nvPr/>
         </p:nvSpPr>
         <p:spPr>
           <a:xfrm>
             <a:off x="2292120" y="2381040"/>
-            <a:ext cx="1236960" cy="317880"/>
+            <a:ext cx="1236600" cy="317520"/>
           </a:xfrm>
           <a:prstGeom prst="rect">
             <a:avLst/>
           </a:prstGeom>
           <a:noFill/>
-          <a:ln>
+          <a:ln w="0">
             <a:noFill/>
           </a:ln>
         </p:spPr>
@@ -6957,9 +6423,11 @@
           <a:fontRef idx="minor"/>
         </p:style>
         <p:txBody>
-          <a:bodyPr wrap="none" lIns="90000" rIns="90000" tIns="45000" bIns="45000"/>
-          <a:p>
-            <a:pPr indent="-273960">
+          <a:bodyPr wrap="none" lIns="90000" rIns="90000" tIns="45000" bIns="45000">
+            <a:noAutofit/>
+          </a:bodyPr>
+          <a:p>
+            <a:pPr marL="216000" indent="-273600">
               <a:lnSpc>
                 <a:spcPct val="100000"/>
               </a:lnSpc>
@@ -6979,6 +6447,7 @@
                   <a:srgbClr val="000000"/>
                 </a:solidFill>
                 <a:latin typeface="Constantia"/>
+                <a:ea typeface="DejaVu Sans"/>
               </a:rPr>
               <a:t>2</a:t>
             </a:r>
@@ -6988,6 +6457,7 @@
                   <a:srgbClr val="000000"/>
                 </a:solidFill>
                 <a:latin typeface="Constantia"/>
+                <a:ea typeface="DejaVu Sans"/>
               </a:rPr>
               <a:t>nd</a:t>
             </a:r>
@@ -6997,6 +6467,7 @@
                   <a:srgbClr val="000000"/>
                 </a:solidFill>
                 <a:latin typeface="Constantia"/>
+                <a:ea typeface="DejaVu Sans"/>
               </a:rPr>
               <a:t> depth</a:t>
             </a:r>
@@ -7008,20 +6479,20 @@
       </p:sp>
       <p:sp>
         <p:nvSpPr>
-          <p:cNvPr id="124" name="CustomShape 27"/>
+          <p:cNvPr id="118" name="CustomShape 27"/>
           <p:cNvSpPr/>
           <p:nvPr/>
         </p:nvSpPr>
         <p:spPr>
           <a:xfrm>
             <a:off x="4098960" y="2381040"/>
-            <a:ext cx="1209600" cy="317880"/>
+            <a:ext cx="1209240" cy="317520"/>
           </a:xfrm>
           <a:prstGeom prst="rect">
             <a:avLst/>
           </a:prstGeom>
           <a:noFill/>
-          <a:ln>
+          <a:ln w="0">
             <a:noFill/>
           </a:ln>
         </p:spPr>
@@ -7032,9 +6503,11 @@
           <a:fontRef idx="minor"/>
         </p:style>
         <p:txBody>
-          <a:bodyPr wrap="none" lIns="90000" rIns="90000" tIns="45000" bIns="45000"/>
-          <a:p>
-            <a:pPr indent="-273960">
+          <a:bodyPr wrap="none" lIns="90000" rIns="90000" tIns="45000" bIns="45000">
+            <a:noAutofit/>
+          </a:bodyPr>
+          <a:p>
+            <a:pPr marL="216000" indent="-273600">
               <a:lnSpc>
                 <a:spcPct val="100000"/>
               </a:lnSpc>
@@ -7054,6 +6527,7 @@
                   <a:srgbClr val="000000"/>
                 </a:solidFill>
                 <a:latin typeface="Constantia"/>
+                <a:ea typeface="DejaVu Sans"/>
               </a:rPr>
               <a:t>3</a:t>
             </a:r>
@@ -7063,6 +6537,7 @@
                   <a:srgbClr val="000000"/>
                 </a:solidFill>
                 <a:latin typeface="Constantia"/>
+                <a:ea typeface="DejaVu Sans"/>
               </a:rPr>
               <a:t>rd</a:t>
             </a:r>
@@ -7072,6 +6547,7 @@
                   <a:srgbClr val="000000"/>
                 </a:solidFill>
                 <a:latin typeface="Constantia"/>
+                <a:ea typeface="DejaVu Sans"/>
               </a:rPr>
               <a:t> depth</a:t>
             </a:r>
@@ -7083,20 +6559,20 @@
       </p:sp>
       <p:sp>
         <p:nvSpPr>
-          <p:cNvPr id="125" name="CustomShape 28"/>
+          <p:cNvPr id="119" name="CustomShape 28"/>
           <p:cNvSpPr/>
           <p:nvPr/>
         </p:nvSpPr>
         <p:spPr>
           <a:xfrm>
             <a:off x="5876280" y="2381040"/>
-            <a:ext cx="1209600" cy="317880"/>
+            <a:ext cx="1209240" cy="317520"/>
           </a:xfrm>
           <a:prstGeom prst="rect">
             <a:avLst/>
           </a:prstGeom>
           <a:noFill/>
-          <a:ln>
+          <a:ln w="0">
             <a:noFill/>
           </a:ln>
         </p:spPr>
@@ -7107,9 +6583,11 @@
           <a:fontRef idx="minor"/>
         </p:style>
         <p:txBody>
-          <a:bodyPr wrap="none" lIns="90000" rIns="90000" tIns="45000" bIns="45000"/>
-          <a:p>
-            <a:pPr indent="-273960">
+          <a:bodyPr wrap="none" lIns="90000" rIns="90000" tIns="45000" bIns="45000">
+            <a:noAutofit/>
+          </a:bodyPr>
+          <a:p>
+            <a:pPr marL="216000" indent="-273600">
               <a:lnSpc>
                 <a:spcPct val="100000"/>
               </a:lnSpc>
@@ -7129,6 +6607,7 @@
                   <a:srgbClr val="000000"/>
                 </a:solidFill>
                 <a:latin typeface="Constantia"/>
+                <a:ea typeface="DejaVu Sans"/>
               </a:rPr>
               <a:t>4</a:t>
             </a:r>
@@ -7138,6 +6617,7 @@
                   <a:srgbClr val="000000"/>
                 </a:solidFill>
                 <a:latin typeface="Constantia"/>
+                <a:ea typeface="DejaVu Sans"/>
               </a:rPr>
               <a:t>th</a:t>
             </a:r>
@@ -7147,6 +6627,7 @@
                   <a:srgbClr val="000000"/>
                 </a:solidFill>
                 <a:latin typeface="Constantia"/>
+                <a:ea typeface="DejaVu Sans"/>
               </a:rPr>
               <a:t> depth</a:t>
             </a:r>
@@ -7158,20 +6639,20 @@
       </p:sp>
       <p:sp>
         <p:nvSpPr>
-          <p:cNvPr id="126" name="CustomShape 29"/>
+          <p:cNvPr id="120" name="CustomShape 29"/>
           <p:cNvSpPr/>
           <p:nvPr/>
         </p:nvSpPr>
         <p:spPr>
           <a:xfrm>
             <a:off x="7549920" y="2381040"/>
-            <a:ext cx="1209600" cy="317880"/>
+            <a:ext cx="1209240" cy="317520"/>
           </a:xfrm>
           <a:prstGeom prst="rect">
             <a:avLst/>
           </a:prstGeom>
           <a:noFill/>
-          <a:ln>
+          <a:ln w="0">
             <a:noFill/>
           </a:ln>
         </p:spPr>
@@ -7182,9 +6663,11 @@
           <a:fontRef idx="minor"/>
         </p:style>
         <p:txBody>
-          <a:bodyPr wrap="none" lIns="90000" rIns="90000" tIns="45000" bIns="45000"/>
-          <a:p>
-            <a:pPr indent="-273960">
+          <a:bodyPr wrap="none" lIns="90000" rIns="90000" tIns="45000" bIns="45000">
+            <a:noAutofit/>
+          </a:bodyPr>
+          <a:p>
+            <a:pPr marL="216000" indent="-273600">
               <a:lnSpc>
                 <a:spcPct val="100000"/>
               </a:lnSpc>
@@ -7204,6 +6687,7 @@
                   <a:srgbClr val="000000"/>
                 </a:solidFill>
                 <a:latin typeface="Constantia"/>
+                <a:ea typeface="DejaVu Sans"/>
               </a:rPr>
               <a:t>5</a:t>
             </a:r>
@@ -7213,6 +6697,7 @@
                   <a:srgbClr val="000000"/>
                 </a:solidFill>
                 <a:latin typeface="Constantia"/>
+                <a:ea typeface="DejaVu Sans"/>
               </a:rPr>
               <a:t>th</a:t>
             </a:r>
@@ -7222,6 +6707,7 @@
                   <a:srgbClr val="000000"/>
                 </a:solidFill>
                 <a:latin typeface="Constantia"/>
+                <a:ea typeface="DejaVu Sans"/>
               </a:rPr>
               <a:t> depth</a:t>
             </a:r>
@@ -7233,33 +6719,14 @@
       </p:sp>
     </p:spTree>
   </p:cSld>
-  <p:timing>
-    <p:tnLst>
-      <p:par>
-        <p:cTn id="9" dur="indefinite" restart="never" nodeType="tmRoot">
-          <p:childTnLst>
-            <p:seq>
-              <p:cTn id="10" nodeType="mainSeq"/>
-              <p:prevCondLst>
-                <p:cond delay="0" evt="onPrev">
-                  <p:tgtEl>
-                    <p:sldTgt/>
-                  </p:tgtEl>
-                </p:cond>
-              </p:prevCondLst>
-              <p:nextCondLst>
-                <p:cond delay="0" evt="onNext">
-                  <p:tgtEl>
-                    <p:sldTgt/>
-                  </p:tgtEl>
-                </p:cond>
-              </p:nextCondLst>
-            </p:seq>
-          </p:childTnLst>
-        </p:cTn>
-      </p:par>
-    </p:tnLst>
-  </p:timing>
+  <mc:AlternateContent>
+    <mc:Choice Requires="p14">
+      <p:transition spd="slow" p14:dur="2000"/>
+    </mc:Choice>
+    <mc:Fallback>
+      <p:transition spd="slow"/>
+    </mc:Fallback>
+  </mc:AlternateContent>
 </p:sld>
 </file>
 
@@ -7282,25 +6749,33 @@
       </p:grpSpPr>
       <p:sp>
         <p:nvSpPr>
-          <p:cNvPr id="127" name="TextShape 1"/>
-          <p:cNvSpPr txBox="1"/>
+          <p:cNvPr id="121" name="CustomShape 1"/>
+          <p:cNvSpPr/>
           <p:nvPr/>
         </p:nvSpPr>
         <p:spPr>
           <a:xfrm>
             <a:off x="457200" y="704160"/>
-            <a:ext cx="8229240" cy="1142640"/>
+            <a:ext cx="8228880" cy="1142280"/>
           </a:xfrm>
           <a:prstGeom prst="rect">
             <a:avLst/>
           </a:prstGeom>
           <a:noFill/>
-          <a:ln>
+          <a:ln w="0">
             <a:noFill/>
           </a:ln>
         </p:spPr>
-        <p:txBody>
-          <a:bodyPr lIns="0" rIns="0" tIns="45000" bIns="0" anchor="b"/>
+        <p:style>
+          <a:lnRef idx="0"/>
+          <a:fillRef idx="0"/>
+          <a:effectRef idx="0"/>
+          <a:fontRef idx="minor"/>
+        </p:style>
+        <p:txBody>
+          <a:bodyPr lIns="0" rIns="0" tIns="45000" bIns="0" anchor="b">
+            <a:noAutofit/>
+          </a:bodyPr>
           <a:p>
             <a:pPr>
               <a:lnSpc>
@@ -7308,71 +6783,23 @@
               </a:lnSpc>
             </a:pPr>
             <a:r>
-              <a:rPr b="0" lang="ko-KR" sz="4000" spc="-1" strike="noStrike">
+              <a:rPr b="0" lang="pt-BR" sz="4000" spc="-1" strike="noStrike">
                 <a:solidFill>
                   <a:srgbClr val="04617b"/>
                 </a:solidFill>
                 <a:latin typeface="Calibri"/>
               </a:rPr>
-              <a:t>Us</a:t>
+              <a:t>Usage Scenario</a:t>
             </a:r>
-            <a:r>
-              <a:rPr b="0" lang="ko-KR" sz="4000" spc="-1" strike="noStrike">
-                <a:solidFill>
-                  <a:srgbClr val="04617b"/>
-                </a:solidFill>
-                <a:latin typeface="Calibri"/>
-              </a:rPr>
-              <a:t>ag</a:t>
-            </a:r>
-            <a:r>
-              <a:rPr b="0" lang="ko-KR" sz="4000" spc="-1" strike="noStrike">
-                <a:solidFill>
-                  <a:srgbClr val="04617b"/>
-                </a:solidFill>
-                <a:latin typeface="Calibri"/>
-              </a:rPr>
-              <a:t>e S</a:t>
-            </a:r>
-            <a:r>
-              <a:rPr b="0" lang="ko-KR" sz="4000" spc="-1" strike="noStrike">
-                <a:solidFill>
-                  <a:srgbClr val="04617b"/>
-                </a:solidFill>
-                <a:latin typeface="Calibri"/>
-              </a:rPr>
-              <a:t>ce</a:t>
-            </a:r>
-            <a:r>
-              <a:rPr b="0" lang="ko-KR" sz="4000" spc="-1" strike="noStrike">
-                <a:solidFill>
-                  <a:srgbClr val="04617b"/>
-                </a:solidFill>
-                <a:latin typeface="Calibri"/>
-              </a:rPr>
-              <a:t>na</a:t>
-            </a:r>
-            <a:r>
-              <a:rPr b="0" lang="ko-KR" sz="4000" spc="-1" strike="noStrike">
-                <a:solidFill>
-                  <a:srgbClr val="04617b"/>
-                </a:solidFill>
-                <a:latin typeface="Calibri"/>
-              </a:rPr>
-              <a:t>rio</a:t>
-            </a:r>
-            <a:endParaRPr b="0" lang="ko-KR" sz="4000" spc="-1" strike="noStrike">
-              <a:solidFill>
-                <a:srgbClr val="000000"/>
-              </a:solidFill>
-              <a:latin typeface="Constantia"/>
+            <a:endParaRPr b="0" lang="pt-BR" sz="4000" spc="-1" strike="noStrike">
+              <a:latin typeface="Arial"/>
             </a:endParaRPr>
           </a:p>
         </p:txBody>
       </p:sp>
       <p:pic>
         <p:nvPicPr>
-          <p:cNvPr id="128" name="" descr=""/>
+          <p:cNvPr id="122" name="" descr=""/>
           <p:cNvPicPr/>
           <p:nvPr/>
         </p:nvPicPr>
@@ -7383,45 +6810,26 @@
         <p:spPr>
           <a:xfrm>
             <a:off x="648000" y="2134440"/>
-            <a:ext cx="8340480" cy="4691160"/>
-          </a:xfrm>
-          <a:prstGeom prst="rect">
-            <a:avLst/>
-          </a:prstGeom>
-          <a:ln>
+            <a:ext cx="8340120" cy="4690800"/>
+          </a:xfrm>
+          <a:prstGeom prst="rect">
+            <a:avLst/>
+          </a:prstGeom>
+          <a:ln w="0">
             <a:noFill/>
           </a:ln>
         </p:spPr>
       </p:pic>
     </p:spTree>
   </p:cSld>
-  <p:timing>
-    <p:tnLst>
-      <p:par>
-        <p:cTn id="11" dur="indefinite" restart="never" nodeType="tmRoot">
-          <p:childTnLst>
-            <p:seq>
-              <p:cTn id="12" nodeType="mainSeq"/>
-              <p:prevCondLst>
-                <p:cond delay="0" evt="onPrev">
-                  <p:tgtEl>
-                    <p:sldTgt/>
-                  </p:tgtEl>
-                </p:cond>
-              </p:prevCondLst>
-              <p:nextCondLst>
-                <p:cond delay="0" evt="onNext">
-                  <p:tgtEl>
-                    <p:sldTgt/>
-                  </p:tgtEl>
-                </p:cond>
-              </p:nextCondLst>
-            </p:seq>
-          </p:childTnLst>
-        </p:cTn>
-      </p:par>
-    </p:tnLst>
-  </p:timing>
+  <mc:AlternateContent>
+    <mc:Choice Requires="p14">
+      <p:transition spd="slow" p14:dur="2000"/>
+    </mc:Choice>
+    <mc:Fallback>
+      <p:transition spd="slow"/>
+    </mc:Fallback>
+  </mc:AlternateContent>
 </p:sld>
 </file>
 
@@ -7444,25 +6852,33 @@
       </p:grpSpPr>
       <p:sp>
         <p:nvSpPr>
-          <p:cNvPr id="129" name="TextShape 1"/>
-          <p:cNvSpPr txBox="1"/>
+          <p:cNvPr id="123" name="CustomShape 1"/>
+          <p:cNvSpPr/>
           <p:nvPr/>
         </p:nvSpPr>
         <p:spPr>
           <a:xfrm>
             <a:off x="457200" y="704160"/>
-            <a:ext cx="8229240" cy="1142640"/>
+            <a:ext cx="8228880" cy="1142280"/>
           </a:xfrm>
           <a:prstGeom prst="rect">
             <a:avLst/>
           </a:prstGeom>
           <a:noFill/>
-          <a:ln>
+          <a:ln w="0">
             <a:noFill/>
           </a:ln>
         </p:spPr>
-        <p:txBody>
-          <a:bodyPr lIns="0" rIns="0" tIns="45000" bIns="0" anchor="b"/>
+        <p:style>
+          <a:lnRef idx="0"/>
+          <a:fillRef idx="0"/>
+          <a:effectRef idx="0"/>
+          <a:fontRef idx="minor"/>
+        </p:style>
+        <p:txBody>
+          <a:bodyPr lIns="0" rIns="0" tIns="45000" bIns="0" anchor="b">
+            <a:noAutofit/>
+          </a:bodyPr>
           <a:p>
             <a:pPr>
               <a:lnSpc>
@@ -7470,35 +6886,23 @@
               </a:lnSpc>
             </a:pPr>
             <a:r>
-              <a:rPr b="0" lang="ko-KR" sz="4000" spc="-1" strike="noStrike">
+              <a:rPr b="0" lang="pt-BR" sz="4000" spc="-1" strike="noStrike">
                 <a:solidFill>
                   <a:srgbClr val="04617b"/>
                 </a:solidFill>
                 <a:latin typeface="Calibri"/>
               </a:rPr>
-              <a:t>Usage Scenario</a:t>
+              <a:t>Menu &amp; function description</a:t>
             </a:r>
-            <a:r>
-              <a:rPr b="0" i="1" lang="ko-KR" sz="4000" spc="-1" strike="noStrike">
-                <a:solidFill>
-                  <a:srgbClr val="55a839"/>
-                </a:solidFill>
-                <a:latin typeface="Calibri"/>
-              </a:rPr>
-              <a:t> </a:t>
-            </a:r>
-            <a:endParaRPr b="0" lang="ko-KR" sz="4000" spc="-1" strike="noStrike">
-              <a:solidFill>
-                <a:srgbClr val="000000"/>
-              </a:solidFill>
-              <a:latin typeface="Constantia"/>
+            <a:endParaRPr b="0" lang="pt-BR" sz="4000" spc="-1" strike="noStrike">
+              <a:latin typeface="Arial"/>
             </a:endParaRPr>
           </a:p>
         </p:txBody>
       </p:sp>
       <p:pic>
         <p:nvPicPr>
-          <p:cNvPr id="130" name="" descr=""/>
+          <p:cNvPr id="124" name="" descr=""/>
           <p:cNvPicPr/>
           <p:nvPr/>
         </p:nvPicPr>
@@ -7508,46 +6912,27 @@
         </p:blipFill>
         <p:spPr>
           <a:xfrm>
-            <a:off x="288000" y="1800000"/>
-            <a:ext cx="8815680" cy="4958640"/>
-          </a:xfrm>
-          <a:prstGeom prst="rect">
-            <a:avLst/>
-          </a:prstGeom>
-          <a:ln>
+            <a:off x="648000" y="2134440"/>
+            <a:ext cx="8340120" cy="4690800"/>
+          </a:xfrm>
+          <a:prstGeom prst="rect">
+            <a:avLst/>
+          </a:prstGeom>
+          <a:ln w="0">
             <a:noFill/>
           </a:ln>
         </p:spPr>
       </p:pic>
     </p:spTree>
   </p:cSld>
-  <p:timing>
-    <p:tnLst>
-      <p:par>
-        <p:cTn id="13" dur="indefinite" restart="never" nodeType="tmRoot">
-          <p:childTnLst>
-            <p:seq>
-              <p:cTn id="14" nodeType="mainSeq"/>
-              <p:prevCondLst>
-                <p:cond delay="0" evt="onPrev">
-                  <p:tgtEl>
-                    <p:sldTgt/>
-                  </p:tgtEl>
-                </p:cond>
-              </p:prevCondLst>
-              <p:nextCondLst>
-                <p:cond delay="0" evt="onNext">
-                  <p:tgtEl>
-                    <p:sldTgt/>
-                  </p:tgtEl>
-                </p:cond>
-              </p:nextCondLst>
-            </p:seq>
-          </p:childTnLst>
-        </p:cTn>
-      </p:par>
-    </p:tnLst>
-  </p:timing>
+  <mc:AlternateContent>
+    <mc:Choice Requires="p14">
+      <p:transition spd="slow" p14:dur="2000"/>
+    </mc:Choice>
+    <mc:Fallback>
+      <p:transition spd="slow"/>
+    </mc:Fallback>
+  </mc:AlternateContent>
 </p:sld>
 </file>
 
@@ -7570,25 +6955,33 @@
       </p:grpSpPr>
       <p:sp>
         <p:nvSpPr>
-          <p:cNvPr id="131" name="TextShape 1"/>
-          <p:cNvSpPr txBox="1"/>
+          <p:cNvPr id="125" name="CustomShape 1"/>
+          <p:cNvSpPr/>
           <p:nvPr/>
         </p:nvSpPr>
         <p:spPr>
           <a:xfrm>
             <a:off x="457200" y="704160"/>
-            <a:ext cx="8229240" cy="1142640"/>
+            <a:ext cx="8228880" cy="1142280"/>
           </a:xfrm>
           <a:prstGeom prst="rect">
             <a:avLst/>
           </a:prstGeom>
           <a:noFill/>
-          <a:ln>
+          <a:ln w="0">
             <a:noFill/>
           </a:ln>
         </p:spPr>
-        <p:txBody>
-          <a:bodyPr lIns="0" rIns="0" tIns="45000" bIns="0" anchor="b"/>
+        <p:style>
+          <a:lnRef idx="0"/>
+          <a:fillRef idx="0"/>
+          <a:effectRef idx="0"/>
+          <a:fontRef idx="minor"/>
+        </p:style>
+        <p:txBody>
+          <a:bodyPr lIns="0" rIns="0" tIns="45000" bIns="0" anchor="b">
+            <a:noAutofit/>
+          </a:bodyPr>
           <a:p>
             <a:pPr>
               <a:lnSpc>
@@ -7596,7 +6989,7 @@
               </a:lnSpc>
             </a:pPr>
             <a:r>
-              <a:rPr b="0" lang="ko-KR" sz="4000" spc="-1" strike="noStrike">
+              <a:rPr b="0" lang="pt-BR" sz="4000" spc="-1" strike="noStrike">
                 <a:solidFill>
                   <a:srgbClr val="04617b"/>
                 </a:solidFill>
@@ -7604,24 +6997,21 @@
               </a:rPr>
               <a:t>How to change languages</a:t>
             </a:r>
-            <a:endParaRPr b="0" lang="ko-KR" sz="4000" spc="-1" strike="noStrike">
-              <a:solidFill>
-                <a:srgbClr val="000000"/>
-              </a:solidFill>
-              <a:latin typeface="Constantia"/>
+            <a:endParaRPr b="0" lang="pt-BR" sz="4000" spc="-1" strike="noStrike">
+              <a:latin typeface="Arial"/>
             </a:endParaRPr>
           </a:p>
         </p:txBody>
       </p:sp>
       <p:graphicFrame>
         <p:nvGraphicFramePr>
-          <p:cNvPr id="132" name="Table 2"/>
+          <p:cNvPr id="126" name="Table 2"/>
           <p:cNvGraphicFramePr/>
           <p:nvPr/>
         </p:nvGraphicFramePr>
         <p:xfrm>
           <a:off x="467640" y="1935000"/>
-          <a:ext cx="8218800" cy="1080720"/>
+          <a:ext cx="8218440" cy="1080720"/>
         </p:xfrm>
         <a:graphic>
           <a:graphicData uri="http://schemas.openxmlformats.org/drawingml/2006/table">
@@ -7634,7 +7024,9 @@
               <a:tr h="577080">
                 <a:tc>
                   <a:txBody>
-                    <a:bodyPr/>
+                    <a:bodyPr>
+                      <a:noAutofit/>
+                    </a:bodyPr>
                     <a:p>
                       <a:pPr algn="ctr">
                         <a:lnSpc>
@@ -7683,7 +7075,9 @@
                 </a:tc>
                 <a:tc>
                   <a:txBody>
-                    <a:bodyPr/>
+                    <a:bodyPr>
+                      <a:noAutofit/>
+                    </a:bodyPr>
                     <a:p>
                       <a:pPr algn="ctr">
                         <a:lnSpc>
@@ -7734,7 +7128,9 @@
               <a:tr h="504000">
                 <a:tc>
                   <a:txBody>
-                    <a:bodyPr/>
+                    <a:bodyPr>
+                      <a:noAutofit/>
+                    </a:bodyPr>
                     <a:p>
                       <a:pPr>
                         <a:lnSpc>
@@ -7783,7 +7179,9 @@
                 </a:tc>
                 <a:tc>
                   <a:txBody>
-                    <a:bodyPr/>
+                    <a:bodyPr>
+                      <a:noAutofit/>
+                    </a:bodyPr>
                     <a:p>
                       <a:pPr>
                         <a:lnSpc>
@@ -7797,7 +7195,7 @@
                           </a:solidFill>
                           <a:latin typeface="Constantia"/>
                         </a:rPr>
-                        <a:t>Change langunage on TV settings menu</a:t>
+                        <a:t>Current the app has no extra language</a:t>
                       </a:r>
                       <a:endParaRPr b="0" lang="pt-BR" sz="1400" spc="-1" strike="noStrike">
                         <a:latin typeface="Arial"/>
@@ -7837,33 +7235,14 @@
       </p:graphicFrame>
     </p:spTree>
   </p:cSld>
-  <p:timing>
-    <p:tnLst>
-      <p:par>
-        <p:cTn id="15" dur="indefinite" restart="never" nodeType="tmRoot">
-          <p:childTnLst>
-            <p:seq>
-              <p:cTn id="16" nodeType="mainSeq"/>
-              <p:prevCondLst>
-                <p:cond delay="0" evt="onPrev">
-                  <p:tgtEl>
-                    <p:sldTgt/>
-                  </p:tgtEl>
-                </p:cond>
-              </p:prevCondLst>
-              <p:nextCondLst>
-                <p:cond delay="0" evt="onNext">
-                  <p:tgtEl>
-                    <p:sldTgt/>
-                  </p:tgtEl>
-                </p:cond>
-              </p:nextCondLst>
-            </p:seq>
-          </p:childTnLst>
-        </p:cTn>
-      </p:par>
-    </p:tnLst>
-  </p:timing>
+  <mc:AlternateContent>
+    <mc:Choice Requires="p14">
+      <p:transition spd="slow" p14:dur="2000"/>
+    </mc:Choice>
+    <mc:Fallback>
+      <p:transition spd="slow"/>
+    </mc:Fallback>
+  </mc:AlternateContent>
 </p:sld>
 </file>
 
@@ -7878,31 +7257,31 @@
         <a:sysClr val="window" lastClr="FFFFFF"/>
       </a:lt1>
       <a:dk2>
-        <a:srgbClr val="1F497D"/>
+        <a:srgbClr val="1f497d"/>
       </a:dk2>
       <a:lt2>
-        <a:srgbClr val="EEECE1"/>
+        <a:srgbClr val="eeece1"/>
       </a:lt2>
       <a:accent1>
-        <a:srgbClr val="4F81BD"/>
+        <a:srgbClr val="4f81bd"/>
       </a:accent1>
       <a:accent2>
-        <a:srgbClr val="C0504D"/>
+        <a:srgbClr val="c0504d"/>
       </a:accent2>
       <a:accent3>
-        <a:srgbClr val="9BBB59"/>
+        <a:srgbClr val="9bbb59"/>
       </a:accent3>
       <a:accent4>
-        <a:srgbClr val="8064A2"/>
+        <a:srgbClr val="8064a2"/>
       </a:accent4>
       <a:accent5>
-        <a:srgbClr val="4BACC6"/>
+        <a:srgbClr val="4bacc6"/>
       </a:accent5>
       <a:accent6>
-        <a:srgbClr val="F79646"/>
+        <a:srgbClr val="f79646"/>
       </a:accent6>
       <a:hlink>
-        <a:srgbClr val="0000FF"/>
+        <a:srgbClr val="0000ff"/>
       </a:hlink>
       <a:folHlink>
         <a:srgbClr val="800080"/>
@@ -7981,18 +7360,21 @@
             </a:schemeClr>
           </a:solidFill>
           <a:prstDash val="solid"/>
+          <a:miter/>
         </a:ln>
         <a:ln w="25400" cap="flat" cmpd="sng" algn="ctr">
           <a:solidFill>
             <a:schemeClr val="phClr"/>
           </a:solidFill>
           <a:prstDash val="solid"/>
+          <a:miter/>
         </a:ln>
         <a:ln w="38100" cap="flat" cmpd="sng" algn="ctr">
           <a:solidFill>
             <a:schemeClr val="phClr"/>
           </a:solidFill>
           <a:prstDash val="solid"/>
+          <a:miter/>
         </a:ln>
       </a:lnStyleLst>
       <a:effectStyleLst>
@@ -8101,31 +7483,31 @@
         <a:sysClr val="window" lastClr="FFFFFF"/>
       </a:lt1>
       <a:dk2>
-        <a:srgbClr val="1F497D"/>
+        <a:srgbClr val="1f497d"/>
       </a:dk2>
       <a:lt2>
-        <a:srgbClr val="EEECE1"/>
+        <a:srgbClr val="eeece1"/>
       </a:lt2>
       <a:accent1>
-        <a:srgbClr val="4F81BD"/>
+        <a:srgbClr val="4f81bd"/>
       </a:accent1>
       <a:accent2>
-        <a:srgbClr val="C0504D"/>
+        <a:srgbClr val="c0504d"/>
       </a:accent2>
       <a:accent3>
-        <a:srgbClr val="9BBB59"/>
+        <a:srgbClr val="9bbb59"/>
       </a:accent3>
       <a:accent4>
-        <a:srgbClr val="8064A2"/>
+        <a:srgbClr val="8064a2"/>
       </a:accent4>
       <a:accent5>
-        <a:srgbClr val="4BACC6"/>
+        <a:srgbClr val="4bacc6"/>
       </a:accent5>
       <a:accent6>
-        <a:srgbClr val="F79646"/>
+        <a:srgbClr val="f79646"/>
       </a:accent6>
       <a:hlink>
-        <a:srgbClr val="0000FF"/>
+        <a:srgbClr val="0000ff"/>
       </a:hlink>
       <a:folHlink>
         <a:srgbClr val="800080"/>
@@ -8204,18 +7586,21 @@
             </a:schemeClr>
           </a:solidFill>
           <a:prstDash val="solid"/>
+          <a:miter/>
         </a:ln>
         <a:ln w="25400" cap="flat" cmpd="sng" algn="ctr">
           <a:solidFill>
             <a:schemeClr val="phClr"/>
           </a:solidFill>
           <a:prstDash val="solid"/>
+          <a:miter/>
         </a:ln>
         <a:ln w="38100" cap="flat" cmpd="sng" algn="ctr">
           <a:solidFill>
             <a:schemeClr val="phClr"/>
           </a:solidFill>
           <a:prstDash val="solid"/>
+          <a:miter/>
         </a:ln>
       </a:lnStyleLst>
       <a:effectStyleLst>
